--- a/我的.pptx
+++ b/我的.pptx
@@ -11204,93 +11204,146 @@
               <a:rPr lang="zh-CN" altLang="en-US" sz="2000">
                 <a:sym typeface="+mn-ea"/>
               </a:rPr>
-              <a:t>        原子性</a:t>
-            </a:r>
-            <a:r>
-              <a:rPr lang="en-US" altLang="zh-CN" sz="2000">
+              <a:t>         </a:t>
+            </a:r>
+            <a:r>
+              <a:rPr lang="zh-CN" altLang="en-US" sz="1800">
+                <a:solidFill>
+                  <a:srgbClr val="FF0000"/>
+                </a:solidFill>
+                <a:latin typeface="+mn-ea"/>
+                <a:cs typeface="+mn-ea"/>
+                <a:sym typeface="+mn-ea"/>
+              </a:rPr>
+              <a:t>原子性</a:t>
+            </a:r>
+            <a:r>
+              <a:rPr lang="en-US" altLang="zh-CN" sz="1800">
+                <a:latin typeface="+mn-ea"/>
+                <a:cs typeface="+mn-ea"/>
                 <a:sym typeface="+mn-ea"/>
               </a:rPr>
               <a:t>(</a:t>
             </a:r>
             <a:r>
-              <a:rPr lang="en-US" altLang="zh-CN" sz="2000" b="1">
+              <a:rPr lang="en-US" altLang="zh-CN" sz="1800" b="1">
+                <a:latin typeface="+mn-ea"/>
+                <a:cs typeface="+mn-ea"/>
                 <a:sym typeface="+mn-ea"/>
               </a:rPr>
               <a:t>A</a:t>
             </a:r>
             <a:r>
-              <a:rPr lang="en-US" altLang="zh-CN" sz="2000">
+              <a:rPr lang="en-US" altLang="zh-CN" sz="1800">
+                <a:latin typeface="+mn-ea"/>
+                <a:cs typeface="+mn-ea"/>
                 <a:sym typeface="+mn-ea"/>
               </a:rPr>
               <a:t>tomicity)</a:t>
             </a:r>
             <a:r>
-              <a:rPr lang="zh-CN" altLang="en-US" sz="2000">
+              <a:rPr lang="zh-CN" altLang="en-US" sz="1800">
+                <a:latin typeface="+mn-ea"/>
+                <a:cs typeface="+mn-ea"/>
                 <a:sym typeface="+mn-ea"/>
               </a:rPr>
               <a:t>：事务中包含的操作要么全部成功，要么全部失败，</a:t>
             </a:r>
             <a:r>
-              <a:rPr lang="en-US" altLang="zh-CN" sz="2000">
+              <a:rPr lang="en-US" altLang="zh-CN" sz="1800">
+                <a:latin typeface="+mn-ea"/>
+                <a:cs typeface="+mn-ea"/>
                 <a:sym typeface="+mn-ea"/>
               </a:rPr>
               <a:t>	  </a:t>
             </a:r>
             <a:r>
-              <a:rPr lang="zh-CN" altLang="en-US" sz="2000">
+              <a:rPr lang="zh-CN" altLang="en-US" sz="1800">
+                <a:latin typeface="+mn-ea"/>
+                <a:cs typeface="+mn-ea"/>
                 <a:sym typeface="+mn-ea"/>
               </a:rPr>
               <a:t>不存在中间状态，即一部分操作成功，一部分操作失败的状态。</a:t>
             </a:r>
-            <a:endParaRPr lang="zh-CN" altLang="en-US" sz="2000"/>
+            <a:endParaRPr lang="zh-CN" altLang="en-US" sz="1800">
+              <a:latin typeface="+mn-ea"/>
+              <a:cs typeface="+mn-ea"/>
+            </a:endParaRPr>
           </a:p>
           <a:p>
             <a:pPr marL="0" indent="0">
               <a:buNone/>
             </a:pPr>
             <a:r>
-              <a:rPr lang="zh-CN" altLang="en-US" sz="2000">
-                <a:sym typeface="+mn-ea"/>
-              </a:rPr>
-              <a:t>         一致性</a:t>
-            </a:r>
-            <a:r>
-              <a:rPr lang="en-US" altLang="zh-CN" sz="2000">
+              <a:rPr lang="zh-CN" altLang="en-US" sz="1800">
+                <a:latin typeface="+mn-ea"/>
+                <a:cs typeface="+mn-ea"/>
+                <a:sym typeface="+mn-ea"/>
+              </a:rPr>
+              <a:t>     </a:t>
+            </a:r>
+            <a:r>
+              <a:rPr lang="zh-CN" altLang="en-US" sz="1800">
+                <a:solidFill>
+                  <a:srgbClr val="FF0000"/>
+                </a:solidFill>
+                <a:latin typeface="+mn-ea"/>
+                <a:cs typeface="+mn-ea"/>
+                <a:sym typeface="+mn-ea"/>
+              </a:rPr>
+              <a:t>一致性</a:t>
+            </a:r>
+            <a:r>
+              <a:rPr lang="en-US" altLang="zh-CN" sz="1800">
+                <a:latin typeface="+mn-ea"/>
+                <a:cs typeface="+mn-ea"/>
                 <a:sym typeface="+mn-ea"/>
               </a:rPr>
               <a:t>(</a:t>
             </a:r>
             <a:r>
-              <a:rPr lang="en-US" altLang="zh-CN" sz="2000" b="1">
+              <a:rPr lang="en-US" altLang="zh-CN" sz="1800" b="1">
+                <a:latin typeface="+mn-ea"/>
+                <a:cs typeface="+mn-ea"/>
                 <a:sym typeface="+mn-ea"/>
               </a:rPr>
               <a:t>C</a:t>
             </a:r>
             <a:r>
-              <a:rPr lang="en-US" altLang="zh-CN" sz="2000">
+              <a:rPr lang="en-US" altLang="zh-CN" sz="1800">
+                <a:latin typeface="+mn-ea"/>
+                <a:cs typeface="+mn-ea"/>
                 <a:sym typeface="+mn-ea"/>
               </a:rPr>
               <a:t>onsistency)</a:t>
             </a:r>
             <a:r>
-              <a:rPr lang="zh-CN" altLang="en-US" sz="2000">
+              <a:rPr lang="zh-CN" altLang="en-US" sz="1800">
+                <a:latin typeface="+mn-ea"/>
+                <a:cs typeface="+mn-ea"/>
                 <a:sym typeface="+mn-ea"/>
               </a:rPr>
               <a:t>：事务开始前和结束后，数据库的完整性约束没</a:t>
             </a:r>
             <a:r>
-              <a:rPr lang="en-US" altLang="zh-CN" sz="2000">
+              <a:rPr lang="en-US" altLang="zh-CN" sz="1800">
+                <a:latin typeface="+mn-ea"/>
+                <a:cs typeface="+mn-ea"/>
                 <a:sym typeface="+mn-ea"/>
               </a:rPr>
               <a:t>	  </a:t>
             </a:r>
             <a:r>
-              <a:rPr lang="zh-CN" altLang="en-US" sz="2000">
+              <a:rPr lang="zh-CN" altLang="en-US" sz="1800">
+                <a:latin typeface="+mn-ea"/>
+                <a:cs typeface="+mn-ea"/>
                 <a:sym typeface="+mn-ea"/>
               </a:rPr>
               <a:t>有被破坏 。比如A向B转账，不可能A扣了钱，B却没收到。</a:t>
             </a:r>
-            <a:endParaRPr lang="zh-CN" altLang="en-US" sz="2000">
+            <a:endParaRPr lang="zh-CN" altLang="en-US" sz="1800">
+              <a:latin typeface="+mn-ea"/>
+              <a:cs typeface="+mn-ea"/>
               <a:sym typeface="+mn-ea"/>
             </a:endParaRPr>
           </a:p>
@@ -11299,48 +11352,75 @@
               <a:buNone/>
             </a:pPr>
             <a:r>
-              <a:rPr lang="zh-CN" altLang="en-US" sz="2000">
-                <a:sym typeface="+mn-ea"/>
-              </a:rPr>
-              <a:t>         隔离性</a:t>
-            </a:r>
-            <a:r>
-              <a:rPr lang="en-US" altLang="zh-CN" sz="2000">
+              <a:rPr lang="zh-CN" altLang="en-US" sz="1800">
+                <a:latin typeface="+mn-ea"/>
+                <a:cs typeface="+mn-ea"/>
+                <a:sym typeface="+mn-ea"/>
+              </a:rPr>
+              <a:t>     </a:t>
+            </a:r>
+            <a:r>
+              <a:rPr lang="zh-CN" altLang="en-US" sz="1800">
+                <a:solidFill>
+                  <a:srgbClr val="FF0000"/>
+                </a:solidFill>
+                <a:latin typeface="+mn-ea"/>
+                <a:cs typeface="+mn-ea"/>
+                <a:sym typeface="+mn-ea"/>
+              </a:rPr>
+              <a:t>隔离性</a:t>
+            </a:r>
+            <a:r>
+              <a:rPr lang="en-US" altLang="zh-CN" sz="1800">
+                <a:latin typeface="+mn-ea"/>
+                <a:cs typeface="+mn-ea"/>
                 <a:sym typeface="+mn-ea"/>
               </a:rPr>
               <a:t>(</a:t>
             </a:r>
             <a:r>
-              <a:rPr lang="en-US" altLang="zh-CN" sz="2000" b="1">
+              <a:rPr lang="en-US" altLang="zh-CN" sz="1800" b="1">
+                <a:latin typeface="+mn-ea"/>
+                <a:cs typeface="+mn-ea"/>
                 <a:sym typeface="+mn-ea"/>
               </a:rPr>
               <a:t>I</a:t>
             </a:r>
             <a:r>
-              <a:rPr lang="en-US" altLang="zh-CN" sz="2000">
+              <a:rPr lang="en-US" altLang="zh-CN" sz="1800">
+                <a:latin typeface="+mn-ea"/>
+                <a:cs typeface="+mn-ea"/>
                 <a:sym typeface="+mn-ea"/>
               </a:rPr>
               <a:t>solation)</a:t>
             </a:r>
             <a:r>
-              <a:rPr lang="zh-CN" altLang="en-US" sz="2000">
+              <a:rPr lang="zh-CN" altLang="en-US" sz="1800">
+                <a:latin typeface="+mn-ea"/>
+                <a:cs typeface="+mn-ea"/>
                 <a:sym typeface="+mn-ea"/>
               </a:rPr>
               <a:t>：一个事务的执行既不被其他事务所干扰，同时也</a:t>
             </a:r>
             <a:r>
-              <a:rPr lang="en-US" altLang="zh-CN" sz="2000">
+              <a:rPr lang="en-US" altLang="zh-CN" sz="1800">
+                <a:latin typeface="+mn-ea"/>
+                <a:cs typeface="+mn-ea"/>
                 <a:sym typeface="+mn-ea"/>
               </a:rPr>
               <a:t>	  </a:t>
             </a:r>
             <a:r>
-              <a:rPr lang="zh-CN" altLang="en-US" sz="2000">
+              <a:rPr lang="zh-CN" altLang="en-US" sz="1800">
+                <a:latin typeface="+mn-ea"/>
+                <a:cs typeface="+mn-ea"/>
                 <a:sym typeface="+mn-ea"/>
               </a:rPr>
               <a:t>不会干扰其他事务。</a:t>
             </a:r>
-            <a:endParaRPr lang="zh-CN" altLang="en-US" sz="2000">
+            <a:endParaRPr lang="zh-CN" altLang="en-US" sz="1800">
+              <a:latin typeface="+mn-ea"/>
+              <a:cs typeface="+mn-ea"/>
               <a:sym typeface="+mn-ea"/>
             </a:endParaRPr>
           </a:p>
@@ -11349,36 +11429,59 @@
               <a:buNone/>
             </a:pPr>
             <a:r>
-              <a:rPr lang="zh-CN" altLang="en-US" sz="2000">
-                <a:sym typeface="+mn-ea"/>
-              </a:rPr>
-              <a:t>         持久性</a:t>
-            </a:r>
-            <a:r>
-              <a:rPr lang="en-US" altLang="zh-CN" sz="2000">
+              <a:rPr lang="zh-CN" altLang="en-US" sz="1800">
+                <a:latin typeface="+mn-ea"/>
+                <a:cs typeface="+mn-ea"/>
+                <a:sym typeface="+mn-ea"/>
+              </a:rPr>
+              <a:t>     </a:t>
+            </a:r>
+            <a:r>
+              <a:rPr lang="zh-CN" altLang="en-US" sz="1800">
+                <a:solidFill>
+                  <a:srgbClr val="FF0000"/>
+                </a:solidFill>
+                <a:latin typeface="+mn-ea"/>
+                <a:cs typeface="+mn-ea"/>
+                <a:sym typeface="+mn-ea"/>
+              </a:rPr>
+              <a:t>持久性</a:t>
+            </a:r>
+            <a:r>
+              <a:rPr lang="en-US" altLang="zh-CN" sz="1800">
+                <a:latin typeface="+mn-ea"/>
+                <a:cs typeface="+mn-ea"/>
                 <a:sym typeface="+mn-ea"/>
               </a:rPr>
               <a:t>(</a:t>
             </a:r>
             <a:r>
-              <a:rPr lang="en-US" altLang="zh-CN" sz="2000" b="1">
+              <a:rPr lang="en-US" altLang="zh-CN" sz="1800" b="1">
+                <a:latin typeface="+mn-ea"/>
+                <a:cs typeface="+mn-ea"/>
                 <a:sym typeface="+mn-ea"/>
               </a:rPr>
               <a:t>D</a:t>
             </a:r>
             <a:r>
-              <a:rPr lang="en-US" altLang="zh-CN" sz="2000">
+              <a:rPr lang="en-US" altLang="zh-CN" sz="1800">
+                <a:latin typeface="+mn-ea"/>
+                <a:cs typeface="+mn-ea"/>
                 <a:sym typeface="+mn-ea"/>
               </a:rPr>
               <a:t>urability)</a:t>
             </a:r>
             <a:r>
-              <a:rPr lang="zh-CN" altLang="en-US" sz="2000">
+              <a:rPr lang="zh-CN" altLang="en-US" sz="1800">
+                <a:latin typeface="+mn-ea"/>
+                <a:cs typeface="+mn-ea"/>
                 <a:sym typeface="+mn-ea"/>
               </a:rPr>
               <a:t>：事务提交之后，数据是永久性的，不可再回滚。</a:t>
             </a:r>
-            <a:endParaRPr lang="zh-CN" altLang="en-US" sz="2000">
+            <a:endParaRPr lang="zh-CN" altLang="en-US" sz="1800">
+              <a:latin typeface="+mn-ea"/>
+              <a:cs typeface="+mn-ea"/>
               <a:sym typeface="+mn-ea"/>
             </a:endParaRPr>
           </a:p>
@@ -11387,12 +11490,16 @@
               <a:buNone/>
             </a:pPr>
             <a:r>
-              <a:rPr lang="zh-CN" altLang="en-US" sz="2000">
-                <a:sym typeface="+mn-ea"/>
-              </a:rPr>
-              <a:t>         一致性关注的是数据的可见性，而原子性关注的是状态。</a:t>
-            </a:r>
-            <a:endParaRPr lang="zh-CN" altLang="en-US" sz="2000">
+              <a:rPr lang="zh-CN" altLang="en-US" sz="1800">
+                <a:latin typeface="+mn-ea"/>
+                <a:cs typeface="+mn-ea"/>
+                <a:sym typeface="+mn-ea"/>
+              </a:rPr>
+              <a:t>     </a:t>
+            </a:r>
+            <a:endParaRPr lang="zh-CN" altLang="en-US" sz="1800">
+              <a:latin typeface="+mn-ea"/>
+              <a:cs typeface="+mn-ea"/>
               <a:sym typeface="+mn-ea"/>
             </a:endParaRPr>
           </a:p>
@@ -11401,27 +11508,37 @@
               <a:buNone/>
             </a:pPr>
             <a:r>
-              <a:rPr lang="zh-CN" altLang="en-US" sz="2000">
-                <a:sym typeface="+mn-ea"/>
-              </a:rPr>
-              <a:t>         分布式事务继承了传统</a:t>
-            </a:r>
-            <a:r>
-              <a:rPr lang="zh-CN" altLang="en-US" sz="2000">
-                <a:sym typeface="+mn-ea"/>
-              </a:rPr>
-              <a:t>事务</a:t>
-            </a:r>
-            <a:r>
-              <a:rPr lang="zh-CN" altLang="en-US" sz="2000">
-                <a:sym typeface="+mn-ea"/>
-              </a:rPr>
-              <a:t>的特性。</a:t>
-            </a:r>
-            <a:endParaRPr lang="en-US" altLang="zh-CN" sz="2000">
+              <a:rPr lang="zh-CN" altLang="en-US" sz="1800">
+                <a:latin typeface="+mn-ea"/>
+                <a:cs typeface="+mn-ea"/>
+                <a:sym typeface="+mn-ea"/>
+              </a:rPr>
+              <a:t>     一致性关注的是数据的可见性，而原子性关注的是状态。</a:t>
+            </a:r>
+            <a:endParaRPr lang="zh-CN" altLang="en-US" sz="1800">
+              <a:latin typeface="+mn-ea"/>
+              <a:cs typeface="+mn-ea"/>
+              <a:sym typeface="+mn-ea"/>
+            </a:endParaRPr>
+          </a:p>
+          <a:p>
+            <a:pPr marL="0" indent="0">
+              <a:buNone/>
+            </a:pPr>
+            <a:r>
+              <a:rPr lang="zh-CN" altLang="en-US" sz="1800">
+                <a:latin typeface="+mn-ea"/>
+                <a:cs typeface="+mn-ea"/>
+                <a:sym typeface="+mn-ea"/>
+              </a:rPr>
+              <a:t>     分布式事务继承了传统事务的特性。</a:t>
+            </a:r>
+            <a:endParaRPr lang="en-US" altLang="zh-CN" sz="1800">
               <a:solidFill>
                 <a:schemeClr val="tx1"/>
               </a:solidFill>
+              <a:latin typeface="+mn-ea"/>
+              <a:cs typeface="+mn-ea"/>
             </a:endParaRPr>
           </a:p>
         </p:txBody>
@@ -11852,6 +11969,67 @@
                                           <p:spTgt spid="3">
                                             <p:txEl>
                                               <p:pRg st="6" end="6"/>
+                                            </p:txEl>
+                                          </p:spTgt>
+                                        </p:tgtEl>
+                                      </p:cBhvr>
+                                    </p:animEffect>
+                                  </p:childTnLst>
+                                </p:cTn>
+                              </p:par>
+                            </p:childTnLst>
+                          </p:cTn>
+                        </p:par>
+                      </p:childTnLst>
+                    </p:cTn>
+                  </p:par>
+                  <p:par>
+                    <p:cTn id="38" fill="hold">
+                      <p:stCondLst>
+                        <p:cond delay="indefinite"/>
+                      </p:stCondLst>
+                      <p:childTnLst>
+                        <p:par>
+                          <p:cTn id="39" fill="hold">
+                            <p:stCondLst>
+                              <p:cond delay="0"/>
+                            </p:stCondLst>
+                            <p:childTnLst>
+                              <p:par>
+                                <p:cTn id="40" presetID="3" presetClass="entr" presetSubtype="10" fill="hold" grpId="0" nodeType="clickEffect">
+                                  <p:stCondLst>
+                                    <p:cond delay="0"/>
+                                  </p:stCondLst>
+                                  <p:childTnLst>
+                                    <p:set>
+                                      <p:cBhvr>
+                                        <p:cTn id="41" dur="1" fill="hold">
+                                          <p:stCondLst>
+                                            <p:cond delay="0"/>
+                                          </p:stCondLst>
+                                        </p:cTn>
+                                        <p:tgtEl>
+                                          <p:spTgt spid="3">
+                                            <p:txEl>
+                                              <p:pRg st="7" end="7"/>
+                                            </p:txEl>
+                                          </p:spTgt>
+                                        </p:tgtEl>
+                                        <p:attrNameLst>
+                                          <p:attrName>style.visibility</p:attrName>
+                                        </p:attrNameLst>
+                                      </p:cBhvr>
+                                      <p:to>
+                                        <p:strVal val="visible"/>
+                                      </p:to>
+                                    </p:set>
+                                    <p:animEffect transition="in" filter="blinds(horizontal)">
+                                      <p:cBhvr>
+                                        <p:cTn id="42" dur="500"/>
+                                        <p:tgtEl>
+                                          <p:spTgt spid="3">
+                                            <p:txEl>
+                                              <p:pRg st="7" end="7"/>
                                             </p:txEl>
                                           </p:spTgt>
                                         </p:tgtEl>
@@ -11957,21 +12135,21 @@
         </p:spPr>
         <p:txBody>
           <a:bodyPr>
-            <a:normAutofit lnSpcReduction="10000"/>
+            <a:normAutofit fontScale="90000"/>
           </a:bodyPr>
           <a:p>
             <a:pPr marL="0" indent="0">
               <a:buNone/>
             </a:pPr>
             <a:r>
-              <a:rPr lang="en-US" altLang="zh-CN" sz="2000"/>
+              <a:rPr lang="en-US" altLang="zh-CN" sz="2220"/>
               <a:t>3. </a:t>
             </a:r>
             <a:r>
-              <a:rPr lang="zh-CN" altLang="en-US" sz="2000"/>
+              <a:rPr lang="zh-CN" altLang="en-US" sz="2220" b="1"/>
               <a:t>事务的并发问题</a:t>
             </a:r>
-            <a:endParaRPr lang="zh-CN" altLang="en-US" sz="2000"/>
+            <a:endParaRPr lang="zh-CN" altLang="en-US" sz="2220"/>
           </a:p>
           <a:p>
             <a:pPr marL="0" indent="0">
@@ -11991,7 +12169,7 @@
               <a:t>         1&gt; </a:t>
             </a:r>
             <a:r>
-              <a:rPr lang="zh-CN" altLang="en-US" sz="1800">
+              <a:rPr lang="zh-CN" altLang="en-US" sz="1800" b="1">
                 <a:sym typeface="+mn-ea"/>
               </a:rPr>
               <a:t>脏读</a:t>
@@ -12000,7 +12178,7 @@
               <a:rPr lang="en-US" altLang="zh-CN" sz="1800">
                 <a:sym typeface="+mn-ea"/>
               </a:rPr>
-              <a:t> </a:t>
+              <a:t>:事务A读取了事务B更新的数据，然后B回滚操作，那么A读取到的数据是脏数据</a:t>
             </a:r>
             <a:endParaRPr lang="en-US" altLang="zh-CN" sz="1800">
               <a:sym typeface="+mn-ea"/>
@@ -12015,16 +12193,31 @@
               <a:rPr lang="zh-CN" altLang="en-US" sz="1800">
                 <a:sym typeface="+mn-ea"/>
               </a:rPr>
-              <a:t>               示例</a:t>
-            </a:r>
-            <a:r>
-              <a:rPr lang="en-US" altLang="zh-CN" sz="1800">
+              <a:t>               </a:t>
+            </a:r>
+            <a:r>
+              <a:rPr lang="zh-CN" altLang="en-US" sz="1600">
+                <a:solidFill>
+                  <a:srgbClr val="FF0000"/>
+                </a:solidFill>
+                <a:sym typeface="+mn-ea"/>
+              </a:rPr>
+              <a:t>示例</a:t>
+            </a:r>
+            <a:r>
+              <a:rPr lang="en-US" altLang="zh-CN" sz="1600">
+                <a:solidFill>
+                  <a:schemeClr val="tx1"/>
+                </a:solidFill>
                 <a:sym typeface="+mn-ea"/>
               </a:rPr>
               <a:t>:</a:t>
             </a:r>
             <a:r>
-              <a:rPr lang="zh-CN" altLang="en-US" sz="1800">
+              <a:rPr lang="zh-CN" altLang="en-US" sz="1600">
+                <a:solidFill>
+                  <a:schemeClr val="tx1"/>
+                </a:solidFill>
                 <a:sym typeface="+mn-ea"/>
               </a:rPr>
               <a:t>老板要给程序员发工资，程序员的工资是3.6万/月。但是发工资时老板不小心按错了数字，按成3.9万/月，该钱已经打到程序员的户口，但是事务还没有提交，就在这时，程序员去查看自己这个月的工资，发现比往常多了3千元，以为涨工资了非常高兴。但是老板及时发现了不对，马上回滚差点就提交了的事务，将数字改成3.6万再提交。</a:t>
@@ -12042,16 +12235,25 @@
               <a:rPr lang="zh-CN" altLang="en-US" sz="1800">
                 <a:sym typeface="+mn-ea"/>
               </a:rPr>
-              <a:t>               分析</a:t>
-            </a:r>
-            <a:r>
-              <a:rPr lang="en-US" altLang="zh-CN" sz="1800">
+              <a:t>               </a:t>
+            </a:r>
+            <a:r>
+              <a:rPr lang="zh-CN" altLang="en-US" sz="1600">
+                <a:solidFill>
+                  <a:srgbClr val="FF0000"/>
+                </a:solidFill>
+                <a:sym typeface="+mn-ea"/>
+              </a:rPr>
+              <a:t>分析</a:t>
+            </a:r>
+            <a:r>
+              <a:rPr lang="en-US" altLang="zh-CN" sz="1600">
                 <a:sym typeface="+mn-ea"/>
               </a:rPr>
               <a:t>:</a:t>
             </a:r>
             <a:r>
-              <a:rPr lang="zh-CN" altLang="en-US" sz="1800">
+              <a:rPr lang="zh-CN" altLang="en-US" sz="1600">
                 <a:sym typeface="+mn-ea"/>
               </a:rPr>
               <a:t>实际程序员这个月的工资还是3.6万，但是程序员看到的是3.9万。他看到的是老板还没提交事务时的数据。这就是脏读。</a:t>
@@ -12065,31 +12267,136 @@
               <a:buFont typeface="+mj-ea"/>
               <a:buNone/>
             </a:pPr>
-            <a:endParaRPr lang="zh-CN" altLang="en-US" sz="1800">
+            <a:r>
+              <a:rPr lang="en-US" altLang="zh-CN" sz="2000">
+                <a:sym typeface="+mn-ea"/>
+              </a:rPr>
+              <a:t>         </a:t>
+            </a:r>
+            <a:endParaRPr lang="en-US" altLang="zh-CN" sz="2000">
               <a:sym typeface="+mn-ea"/>
             </a:endParaRPr>
           </a:p>
           <a:p>
-            <a:pPr marL="457200" lvl="1" indent="0">
+            <a:pPr marL="0" indent="0">
               <a:buFont typeface="+mj-ea"/>
               <a:buNone/>
             </a:pPr>
-            <a:endParaRPr lang="zh-CN" altLang="en-US" sz="2000">
-              <a:solidFill>
-                <a:schemeClr val="tx1"/>
-              </a:solidFill>
+            <a:r>
+              <a:rPr lang="en-US" altLang="zh-CN" sz="2000">
+                <a:sym typeface="+mn-ea"/>
+              </a:rPr>
+              <a:t>         </a:t>
+            </a:r>
+            <a:r>
+              <a:rPr lang="en-US" altLang="zh-CN" sz="1800">
+                <a:sym typeface="+mn-ea"/>
+              </a:rPr>
+              <a:t>2&gt; </a:t>
+            </a:r>
+            <a:r>
+              <a:rPr lang="zh-CN" altLang="en-US" sz="1800" b="1">
+                <a:sym typeface="+mn-ea"/>
+              </a:rPr>
+              <a:t>不可重复读</a:t>
+            </a:r>
+            <a:r>
+              <a:rPr lang="en-US" altLang="zh-CN" sz="1800">
+                <a:sym typeface="+mn-ea"/>
+              </a:rPr>
+              <a:t>:事务 A 多次读取同一数据，事务 B 在事务A多次读取的过程中，对数据作了更新并提交，导致事务A多次读取同一数据时，结果 不一致。</a:t>
+            </a:r>
+            <a:endParaRPr lang="en-US" altLang="zh-CN" sz="1800">
               <a:sym typeface="+mn-ea"/>
             </a:endParaRPr>
           </a:p>
           <a:p>
-            <a:pPr marL="0" lvl="0" indent="0">
+            <a:pPr marL="0" indent="0">
               <a:buFont typeface="+mj-ea"/>
               <a:buNone/>
             </a:pPr>
-            <a:endParaRPr lang="zh-CN" altLang="en-US" sz="2000">
-              <a:solidFill>
-                <a:schemeClr val="tx1"/>
-              </a:solidFill>
+            <a:r>
+              <a:rPr lang="zh-CN" altLang="en-US" sz="2000">
+                <a:sym typeface="+mn-ea"/>
+              </a:rPr>
+              <a:t>               </a:t>
+            </a:r>
+            <a:r>
+              <a:rPr lang="zh-CN" altLang="en-US" sz="1780">
+                <a:solidFill>
+                  <a:srgbClr val="FF0000"/>
+                </a:solidFill>
+                <a:latin typeface="+mn-ea"/>
+                <a:cs typeface="+mn-ea"/>
+                <a:sym typeface="+mn-ea"/>
+              </a:rPr>
+              <a:t>示例</a:t>
+            </a:r>
+            <a:r>
+              <a:rPr lang="en-US" altLang="zh-CN" sz="1780">
+                <a:latin typeface="+mn-ea"/>
+                <a:cs typeface="+mn-ea"/>
+                <a:sym typeface="+mn-ea"/>
+              </a:rPr>
+              <a:t>:程序员拿着</a:t>
+            </a:r>
+            <a:r>
+              <a:rPr lang="zh-CN" altLang="en-US" sz="1780">
+                <a:latin typeface="+mn-ea"/>
+                <a:cs typeface="+mn-ea"/>
+                <a:sym typeface="+mn-ea"/>
+              </a:rPr>
+              <a:t>银行</a:t>
+            </a:r>
+            <a:r>
+              <a:rPr lang="en-US" altLang="zh-CN" sz="1780">
+                <a:latin typeface="+mn-ea"/>
+                <a:cs typeface="+mn-ea"/>
+                <a:sym typeface="+mn-ea"/>
+              </a:rPr>
+              <a:t>卡去享受生活（卡里当然是只有3.6万），当他埋单时（程序员事务开启），收费系统事先检测到他的卡里有3.6万，就在这个时候！！程序员的妻子要把钱全部转出充当家用，并提交。当收费系统准备扣款时，再检测卡里的金额，发现已经没钱了（第二次检测金额当然要等待妻子转出金额事务提交完）。程序员就会很郁闷，明明卡里是有钱的…</a:t>
+            </a:r>
+            <a:endParaRPr lang="en-US" altLang="zh-CN" sz="1780">
+              <a:latin typeface="+mn-ea"/>
+              <a:cs typeface="+mn-ea"/>
+              <a:sym typeface="+mn-ea"/>
+            </a:endParaRPr>
+          </a:p>
+          <a:p>
+            <a:pPr marL="0" indent="0">
+              <a:buFont typeface="+mj-ea"/>
+              <a:buNone/>
+            </a:pPr>
+            <a:r>
+              <a:rPr lang="zh-CN" altLang="en-US" sz="1780">
+                <a:latin typeface="+mn-ea"/>
+                <a:cs typeface="+mn-ea"/>
+                <a:sym typeface="+mn-ea"/>
+              </a:rPr>
+              <a:t>        </a:t>
+            </a:r>
+            <a:r>
+              <a:rPr lang="zh-CN" altLang="en-US" sz="1780">
+                <a:solidFill>
+                  <a:srgbClr val="FF0000"/>
+                </a:solidFill>
+                <a:latin typeface="+mn-ea"/>
+                <a:cs typeface="+mn-ea"/>
+                <a:sym typeface="+mn-ea"/>
+              </a:rPr>
+              <a:t>分析</a:t>
+            </a:r>
+            <a:r>
+              <a:rPr lang="en-US" altLang="zh-CN" sz="1780">
+                <a:latin typeface="+mn-ea"/>
+                <a:cs typeface="+mn-ea"/>
+                <a:sym typeface="+mn-ea"/>
+              </a:rPr>
+              <a:t>:在这个事例中，出现了一个事务范围内两个相同的查询却返回了不同数据，这就是不可重复读。</a:t>
+            </a:r>
+            <a:endParaRPr lang="en-US" altLang="zh-CN" sz="1780">
+              <a:latin typeface="+mn-ea"/>
+              <a:cs typeface="+mn-ea"/>
               <a:sym typeface="+mn-ea"/>
             </a:endParaRPr>
           </a:p>
@@ -12338,6 +12645,250 @@
                                           <p:spTgt spid="3">
                                             <p:txEl>
                                               <p:pRg st="4" end="4"/>
+                                            </p:txEl>
+                                          </p:spTgt>
+                                        </p:tgtEl>
+                                      </p:cBhvr>
+                                    </p:animEffect>
+                                  </p:childTnLst>
+                                </p:cTn>
+                              </p:par>
+                            </p:childTnLst>
+                          </p:cTn>
+                        </p:par>
+                      </p:childTnLst>
+                    </p:cTn>
+                  </p:par>
+                  <p:par>
+                    <p:cTn id="23" fill="hold">
+                      <p:stCondLst>
+                        <p:cond delay="indefinite"/>
+                      </p:stCondLst>
+                      <p:childTnLst>
+                        <p:par>
+                          <p:cTn id="24" fill="hold">
+                            <p:stCondLst>
+                              <p:cond delay="0"/>
+                            </p:stCondLst>
+                            <p:childTnLst>
+                              <p:par>
+                                <p:cTn id="25" presetID="3" presetClass="entr" presetSubtype="10" fill="hold" grpId="0" nodeType="clickEffect">
+                                  <p:stCondLst>
+                                    <p:cond delay="0"/>
+                                  </p:stCondLst>
+                                  <p:childTnLst>
+                                    <p:set>
+                                      <p:cBhvr>
+                                        <p:cTn id="26" dur="1" fill="hold">
+                                          <p:stCondLst>
+                                            <p:cond delay="0"/>
+                                          </p:stCondLst>
+                                        </p:cTn>
+                                        <p:tgtEl>
+                                          <p:spTgt spid="3">
+                                            <p:txEl>
+                                              <p:pRg st="5" end="5"/>
+                                            </p:txEl>
+                                          </p:spTgt>
+                                        </p:tgtEl>
+                                        <p:attrNameLst>
+                                          <p:attrName>style.visibility</p:attrName>
+                                        </p:attrNameLst>
+                                      </p:cBhvr>
+                                      <p:to>
+                                        <p:strVal val="visible"/>
+                                      </p:to>
+                                    </p:set>
+                                    <p:animEffect transition="in" filter="blinds(horizontal)">
+                                      <p:cBhvr>
+                                        <p:cTn id="27" dur="500"/>
+                                        <p:tgtEl>
+                                          <p:spTgt spid="3">
+                                            <p:txEl>
+                                              <p:pRg st="5" end="5"/>
+                                            </p:txEl>
+                                          </p:spTgt>
+                                        </p:tgtEl>
+                                      </p:cBhvr>
+                                    </p:animEffect>
+                                  </p:childTnLst>
+                                </p:cTn>
+                              </p:par>
+                            </p:childTnLst>
+                          </p:cTn>
+                        </p:par>
+                      </p:childTnLst>
+                    </p:cTn>
+                  </p:par>
+                  <p:par>
+                    <p:cTn id="28" fill="hold">
+                      <p:stCondLst>
+                        <p:cond delay="indefinite"/>
+                      </p:stCondLst>
+                      <p:childTnLst>
+                        <p:par>
+                          <p:cTn id="29" fill="hold">
+                            <p:stCondLst>
+                              <p:cond delay="0"/>
+                            </p:stCondLst>
+                            <p:childTnLst>
+                              <p:par>
+                                <p:cTn id="30" presetID="3" presetClass="entr" presetSubtype="10" fill="hold" grpId="0" nodeType="clickEffect">
+                                  <p:stCondLst>
+                                    <p:cond delay="0"/>
+                                  </p:stCondLst>
+                                  <p:childTnLst>
+                                    <p:set>
+                                      <p:cBhvr>
+                                        <p:cTn id="31" dur="1" fill="hold">
+                                          <p:stCondLst>
+                                            <p:cond delay="0"/>
+                                          </p:stCondLst>
+                                        </p:cTn>
+                                        <p:tgtEl>
+                                          <p:spTgt spid="3">
+                                            <p:txEl>
+                                              <p:pRg st="6" end="6"/>
+                                            </p:txEl>
+                                          </p:spTgt>
+                                        </p:tgtEl>
+                                        <p:attrNameLst>
+                                          <p:attrName>style.visibility</p:attrName>
+                                        </p:attrNameLst>
+                                      </p:cBhvr>
+                                      <p:to>
+                                        <p:strVal val="visible"/>
+                                      </p:to>
+                                    </p:set>
+                                    <p:animEffect transition="in" filter="blinds(horizontal)">
+                                      <p:cBhvr>
+                                        <p:cTn id="32" dur="500"/>
+                                        <p:tgtEl>
+                                          <p:spTgt spid="3">
+                                            <p:txEl>
+                                              <p:pRg st="6" end="6"/>
+                                            </p:txEl>
+                                          </p:spTgt>
+                                        </p:tgtEl>
+                                      </p:cBhvr>
+                                    </p:animEffect>
+                                  </p:childTnLst>
+                                </p:cTn>
+                              </p:par>
+                            </p:childTnLst>
+                          </p:cTn>
+                        </p:par>
+                      </p:childTnLst>
+                    </p:cTn>
+                  </p:par>
+                  <p:par>
+                    <p:cTn id="33" fill="hold">
+                      <p:stCondLst>
+                        <p:cond delay="indefinite"/>
+                      </p:stCondLst>
+                      <p:childTnLst>
+                        <p:par>
+                          <p:cTn id="34" fill="hold">
+                            <p:stCondLst>
+                              <p:cond delay="0"/>
+                            </p:stCondLst>
+                            <p:childTnLst>
+                              <p:par>
+                                <p:cTn id="35" presetID="3" presetClass="entr" presetSubtype="10" fill="hold" grpId="0" nodeType="clickEffect">
+                                  <p:stCondLst>
+                                    <p:cond delay="0"/>
+                                  </p:stCondLst>
+                                  <p:childTnLst>
+                                    <p:set>
+                                      <p:cBhvr>
+                                        <p:cTn id="36" dur="1" fill="hold">
+                                          <p:stCondLst>
+                                            <p:cond delay="0"/>
+                                          </p:stCondLst>
+                                        </p:cTn>
+                                        <p:tgtEl>
+                                          <p:spTgt spid="3">
+                                            <p:txEl>
+                                              <p:pRg st="7" end="7"/>
+                                            </p:txEl>
+                                          </p:spTgt>
+                                        </p:tgtEl>
+                                        <p:attrNameLst>
+                                          <p:attrName>style.visibility</p:attrName>
+                                        </p:attrNameLst>
+                                      </p:cBhvr>
+                                      <p:to>
+                                        <p:strVal val="visible"/>
+                                      </p:to>
+                                    </p:set>
+                                    <p:animEffect transition="in" filter="blinds(horizontal)">
+                                      <p:cBhvr>
+                                        <p:cTn id="37" dur="500"/>
+                                        <p:tgtEl>
+                                          <p:spTgt spid="3">
+                                            <p:txEl>
+                                              <p:pRg st="7" end="7"/>
+                                            </p:txEl>
+                                          </p:spTgt>
+                                        </p:tgtEl>
+                                      </p:cBhvr>
+                                    </p:animEffect>
+                                  </p:childTnLst>
+                                </p:cTn>
+                              </p:par>
+                            </p:childTnLst>
+                          </p:cTn>
+                        </p:par>
+                      </p:childTnLst>
+                    </p:cTn>
+                  </p:par>
+                  <p:par>
+                    <p:cTn id="38" fill="hold">
+                      <p:stCondLst>
+                        <p:cond delay="indefinite"/>
+                      </p:stCondLst>
+                      <p:childTnLst>
+                        <p:par>
+                          <p:cTn id="39" fill="hold">
+                            <p:stCondLst>
+                              <p:cond delay="0"/>
+                            </p:stCondLst>
+                            <p:childTnLst>
+                              <p:par>
+                                <p:cTn id="40" presetID="3" presetClass="entr" presetSubtype="10" fill="hold" grpId="0" nodeType="clickEffect">
+                                  <p:stCondLst>
+                                    <p:cond delay="0"/>
+                                  </p:stCondLst>
+                                  <p:childTnLst>
+                                    <p:set>
+                                      <p:cBhvr>
+                                        <p:cTn id="41" dur="1" fill="hold">
+                                          <p:stCondLst>
+                                            <p:cond delay="0"/>
+                                          </p:stCondLst>
+                                        </p:cTn>
+                                        <p:tgtEl>
+                                          <p:spTgt spid="3">
+                                            <p:txEl>
+                                              <p:pRg st="8" end="8"/>
+                                            </p:txEl>
+                                          </p:spTgt>
+                                        </p:tgtEl>
+                                        <p:attrNameLst>
+                                          <p:attrName>style.visibility</p:attrName>
+                                        </p:attrNameLst>
+                                      </p:cBhvr>
+                                      <p:to>
+                                        <p:strVal val="visible"/>
+                                      </p:to>
+                                    </p:set>
+                                    <p:animEffect transition="in" filter="blinds(horizontal)">
+                                      <p:cBhvr>
+                                        <p:cTn id="42" dur="500"/>
+                                        <p:tgtEl>
+                                          <p:spTgt spid="3">
+                                            <p:txEl>
+                                              <p:pRg st="8" end="8"/>
                                             </p:txEl>
                                           </p:spTgt>
                                         </p:tgtEl>
@@ -12414,10 +12965,10 @@
           <a:p>
             <a:pPr algn="l"/>
             <a:r>
-              <a:rPr lang="en-US" b="1">
-                <a:sym typeface="+mn-ea"/>
-              </a:rPr>
-              <a:t>Cookie</a:t>
+              <a:rPr lang="zh-CN" altLang="en-US" b="1">
+                <a:sym typeface="+mn-ea"/>
+              </a:rPr>
+              <a:t>分布式事务</a:t>
             </a:r>
             <a:endParaRPr lang="en-US" b="1">
               <a:sym typeface="+mn-ea"/>
@@ -12446,33 +12997,277 @@
             <a:normAutofit lnSpcReduction="10000"/>
           </a:bodyPr>
           <a:p>
-            <a:pPr>
+            <a:pPr marL="0" indent="0">
               <a:buFont typeface="+mj-ea"/>
-              <a:buAutoNum type="circleNumDbPlain"/>
+              <a:buNone/>
             </a:pPr>
             <a:r>
-              <a:rPr lang="en-US" altLang="zh-CN" sz="2000">
-                <a:sym typeface="+mn-ea"/>
-              </a:rPr>
-              <a:t>Cookie</a:t>
-            </a:r>
-            <a:r>
-              <a:rPr lang="zh-CN" altLang="en-US" sz="2000">
-                <a:sym typeface="+mn-ea"/>
-              </a:rPr>
-              <a:t>是纯文本的，不宜明文保存类似密码等敏感信息。</a:t>
-            </a:r>
-            <a:endParaRPr lang="zh-CN" altLang="en-US" sz="2000">
+              <a:rPr lang="en-US" altLang="zh-CN" sz="1750">
+                <a:sym typeface="+mn-ea"/>
+              </a:rPr>
+              <a:t>         3&gt; </a:t>
+            </a:r>
+            <a:r>
+              <a:rPr lang="zh-CN" altLang="en-US" sz="1750" b="1">
+                <a:sym typeface="+mn-ea"/>
+              </a:rPr>
+              <a:t>幻读</a:t>
+            </a:r>
+            <a:r>
+              <a:rPr lang="en-US" altLang="zh-CN" sz="1750">
+                <a:sym typeface="+mn-ea"/>
+              </a:rPr>
+              <a:t>:系统管理员A将数据库中所有学生的成绩从具体分数改为ABCDE等级，但是系统管理员B就在这个时候插入了一条具体分数的记录，当系统管理员A改结束后发现还有一条记录没有改过来，就好像发生了幻觉一样，这就叫幻读。</a:t>
+            </a:r>
+            <a:endParaRPr lang="en-US" altLang="zh-CN" sz="1750">
+              <a:sym typeface="+mn-ea"/>
+            </a:endParaRPr>
+          </a:p>
+          <a:p>
+            <a:pPr marL="0" indent="0">
+              <a:buFont typeface="+mj-ea"/>
+              <a:buNone/>
+            </a:pPr>
+            <a:r>
+              <a:rPr lang="zh-CN" altLang="en-US" sz="1750">
+                <a:sym typeface="+mn-ea"/>
+              </a:rPr>
+              <a:t>               </a:t>
+            </a:r>
+            <a:r>
+              <a:rPr lang="zh-CN" altLang="en-US" sz="1750">
+                <a:solidFill>
+                  <a:srgbClr val="FF0000"/>
+                </a:solidFill>
+                <a:sym typeface="+mn-ea"/>
+              </a:rPr>
+              <a:t>示例</a:t>
+            </a:r>
+            <a:r>
+              <a:rPr lang="en-US" altLang="zh-CN" sz="1750">
+                <a:sym typeface="+mn-ea"/>
+              </a:rPr>
+              <a:t>:</a:t>
+            </a:r>
+            <a:r>
+              <a:rPr lang="zh-CN" altLang="en-US" sz="1750">
+                <a:sym typeface="+mn-ea"/>
+              </a:rPr>
+              <a:t>程序员某一天去消费，花了2千元，然后他的妻子去查看他今天的消费记录（全表扫描FTS，妻子事务开启），看到确实是花了2千元，就在这个时候，程序员花了1万买了一部电脑，即新增INSERT了一条消费记录，并提交。当妻子打印程序员的消费记录清单时（妻子事务提交），发现花了1.2万元，似乎出现了幻觉</a:t>
+            </a:r>
+            <a:r>
+              <a:rPr lang="en-US" altLang="zh-CN" sz="1750">
+                <a:sym typeface="+mn-ea"/>
+              </a:rPr>
+              <a:t>...</a:t>
+            </a:r>
+            <a:endParaRPr lang="zh-CN" altLang="en-US" sz="1750">
+              <a:sym typeface="+mn-ea"/>
+            </a:endParaRPr>
+          </a:p>
+          <a:p>
+            <a:pPr marL="0" indent="0">
+              <a:buFont typeface="+mj-ea"/>
+              <a:buNone/>
+            </a:pPr>
+            <a:r>
+              <a:rPr lang="zh-CN" altLang="en-US" sz="1750">
+                <a:sym typeface="+mn-ea"/>
+              </a:rPr>
+              <a:t>               </a:t>
+            </a:r>
+            <a:r>
+              <a:rPr lang="zh-CN" altLang="en-US" sz="1750">
+                <a:solidFill>
+                  <a:srgbClr val="FF0000"/>
+                </a:solidFill>
+                <a:sym typeface="+mn-ea"/>
+              </a:rPr>
+              <a:t>分析</a:t>
+            </a:r>
+            <a:r>
+              <a:rPr lang="en-US" altLang="zh-CN" sz="1750">
+                <a:sym typeface="+mn-ea"/>
+              </a:rPr>
+              <a:t>:</a:t>
+            </a:r>
+            <a:r>
+              <a:rPr lang="zh-CN" altLang="en-US" sz="1750">
+                <a:sym typeface="+mn-ea"/>
+              </a:rPr>
+              <a:t>妻子明明看到的是消费</a:t>
+            </a:r>
+            <a:r>
+              <a:rPr lang="en-US" altLang="zh-CN" sz="1750">
+                <a:sym typeface="+mn-ea"/>
+              </a:rPr>
+              <a:t>2</a:t>
+            </a:r>
+            <a:r>
+              <a:rPr lang="zh-CN" altLang="en-US" sz="1750">
+                <a:sym typeface="+mn-ea"/>
+              </a:rPr>
+              <a:t>千元，但是打印出来却是消费</a:t>
+            </a:r>
+            <a:r>
+              <a:rPr lang="en-US" altLang="zh-CN" sz="1750">
+                <a:sym typeface="+mn-ea"/>
+              </a:rPr>
+              <a:t>1.2</a:t>
+            </a:r>
+            <a:r>
+              <a:rPr lang="zh-CN" altLang="en-US" sz="1750">
+                <a:sym typeface="+mn-ea"/>
+              </a:rPr>
+              <a:t>万。这就是幻读。</a:t>
+            </a:r>
+            <a:endParaRPr lang="zh-CN" altLang="en-US" sz="1750">
+              <a:sym typeface="+mn-ea"/>
+            </a:endParaRPr>
+          </a:p>
+          <a:p>
+            <a:pPr marL="0" indent="0">
+              <a:buFont typeface="+mj-ea"/>
+              <a:buNone/>
+            </a:pPr>
+            <a:endParaRPr lang="zh-CN" altLang="en-US" sz="1750">
               <a:solidFill>
                 <a:schemeClr val="tx1"/>
               </a:solidFill>
             </a:endParaRPr>
           </a:p>
           <a:p>
-            <a:pPr>
+            <a:pPr marL="0" indent="0">
               <a:buFont typeface="+mj-ea"/>
-              <a:buAutoNum type="circleNumDbPlain"/>
+              <a:buNone/>
             </a:pPr>
+            <a:r>
+              <a:rPr lang="en-US" altLang="zh-CN" sz="1750">
+                <a:sym typeface="+mn-ea"/>
+              </a:rPr>
+              <a:t>         </a:t>
+            </a:r>
+            <a:r>
+              <a:rPr lang="zh-CN" altLang="en-US" sz="1750">
+                <a:solidFill>
+                  <a:srgbClr val="FF0000"/>
+                </a:solidFill>
+                <a:sym typeface="+mn-ea"/>
+              </a:rPr>
+              <a:t>不可重复读和幻读的区别</a:t>
+            </a:r>
+            <a:r>
+              <a:rPr lang="en-US" altLang="zh-CN" sz="1750">
+                <a:sym typeface="+mn-ea"/>
+              </a:rPr>
+              <a:t>:</a:t>
+            </a:r>
+            <a:endParaRPr lang="en-US" altLang="zh-CN" sz="1750">
+              <a:sym typeface="+mn-ea"/>
+            </a:endParaRPr>
+          </a:p>
+          <a:p>
+            <a:pPr marL="0" indent="0">
+              <a:buFont typeface="+mj-ea"/>
+              <a:buNone/>
+            </a:pPr>
+            <a:r>
+              <a:rPr lang="en-US" altLang="zh-CN" sz="1750">
+                <a:solidFill>
+                  <a:schemeClr val="tx1"/>
+                </a:solidFill>
+              </a:rPr>
+              <a:t>	不可重复读对应的是UPDATE操作</a:t>
+            </a:r>
+            <a:r>
+              <a:rPr lang="zh-CN" altLang="en-US" sz="1750">
+                <a:solidFill>
+                  <a:schemeClr val="tx1"/>
+                </a:solidFill>
+              </a:rPr>
+              <a:t>；</a:t>
+            </a:r>
+            <a:r>
+              <a:rPr lang="zh-CN" altLang="en-US" sz="1750">
+                <a:solidFill>
+                  <a:schemeClr val="tx1"/>
+                </a:solidFill>
+              </a:rPr>
+              <a:t>幻读对应的是插入INSERT操作。</a:t>
+            </a:r>
+            <a:endParaRPr lang="zh-CN" altLang="en-US" sz="1750">
+              <a:solidFill>
+                <a:schemeClr val="tx1"/>
+              </a:solidFill>
+            </a:endParaRPr>
+          </a:p>
+          <a:p>
+            <a:pPr marL="0" indent="0">
+              <a:buFont typeface="+mj-ea"/>
+              <a:buNone/>
+            </a:pPr>
+            <a:endParaRPr lang="zh-CN" altLang="en-US" sz="1750">
+              <a:solidFill>
+                <a:schemeClr val="tx1"/>
+              </a:solidFill>
+            </a:endParaRPr>
+          </a:p>
+          <a:p>
+            <a:pPr marL="0" indent="0">
+              <a:buFont typeface="+mj-ea"/>
+              <a:buNone/>
+            </a:pPr>
+            <a:r>
+              <a:rPr lang="en-US" altLang="zh-CN" sz="1750">
+                <a:solidFill>
+                  <a:schemeClr val="tx1"/>
+                </a:solidFill>
+              </a:rPr>
+              <a:t>          </a:t>
+            </a:r>
+            <a:r>
+              <a:rPr lang="zh-CN" altLang="en-US" sz="1750">
+                <a:solidFill>
+                  <a:srgbClr val="FF0000"/>
+                </a:solidFill>
+              </a:rPr>
+              <a:t>思考</a:t>
+            </a:r>
+            <a:r>
+              <a:rPr lang="zh-CN" altLang="en-US" sz="1750">
+                <a:solidFill>
+                  <a:schemeClr val="tx1"/>
+                </a:solidFill>
+              </a:rPr>
+              <a:t>：</a:t>
+            </a:r>
+            <a:endParaRPr lang="zh-CN" altLang="en-US" sz="1750">
+              <a:solidFill>
+                <a:schemeClr val="tx1"/>
+              </a:solidFill>
+            </a:endParaRPr>
+          </a:p>
+          <a:p>
+            <a:pPr marL="0" indent="0">
+              <a:buFont typeface="+mj-ea"/>
+              <a:buNone/>
+            </a:pPr>
+            <a:r>
+              <a:rPr lang="en-US" altLang="zh-CN" sz="1750">
+                <a:solidFill>
+                  <a:schemeClr val="tx1"/>
+                </a:solidFill>
+              </a:rPr>
+              <a:t>	</a:t>
+            </a:r>
+            <a:r>
+              <a:rPr lang="zh-CN" altLang="en-US" sz="1750">
+                <a:solidFill>
+                  <a:schemeClr val="tx1"/>
+                </a:solidFill>
+              </a:rPr>
+              <a:t>如何解决这些问题？</a:t>
+            </a:r>
             <a:endParaRPr lang="zh-CN" altLang="en-US" sz="1750">
               <a:solidFill>
                 <a:schemeClr val="tx1"/>
@@ -12541,6 +13336,372 @@
                                           <p:spTgt spid="3">
                                             <p:txEl>
                                               <p:pRg st="0" end="0"/>
+                                            </p:txEl>
+                                          </p:spTgt>
+                                        </p:tgtEl>
+                                      </p:cBhvr>
+                                    </p:animEffect>
+                                  </p:childTnLst>
+                                </p:cTn>
+                              </p:par>
+                            </p:childTnLst>
+                          </p:cTn>
+                        </p:par>
+                      </p:childTnLst>
+                    </p:cTn>
+                  </p:par>
+                  <p:par>
+                    <p:cTn id="8" fill="hold">
+                      <p:stCondLst>
+                        <p:cond delay="indefinite"/>
+                      </p:stCondLst>
+                      <p:childTnLst>
+                        <p:par>
+                          <p:cTn id="9" fill="hold">
+                            <p:stCondLst>
+                              <p:cond delay="0"/>
+                            </p:stCondLst>
+                            <p:childTnLst>
+                              <p:par>
+                                <p:cTn id="10" presetID="3" presetClass="entr" presetSubtype="10" fill="hold" grpId="0" nodeType="clickEffect">
+                                  <p:stCondLst>
+                                    <p:cond delay="0"/>
+                                  </p:stCondLst>
+                                  <p:childTnLst>
+                                    <p:set>
+                                      <p:cBhvr>
+                                        <p:cTn id="11" dur="1" fill="hold">
+                                          <p:stCondLst>
+                                            <p:cond delay="0"/>
+                                          </p:stCondLst>
+                                        </p:cTn>
+                                        <p:tgtEl>
+                                          <p:spTgt spid="3">
+                                            <p:txEl>
+                                              <p:pRg st="1" end="1"/>
+                                            </p:txEl>
+                                          </p:spTgt>
+                                        </p:tgtEl>
+                                        <p:attrNameLst>
+                                          <p:attrName>style.visibility</p:attrName>
+                                        </p:attrNameLst>
+                                      </p:cBhvr>
+                                      <p:to>
+                                        <p:strVal val="visible"/>
+                                      </p:to>
+                                    </p:set>
+                                    <p:animEffect transition="in" filter="blinds(horizontal)">
+                                      <p:cBhvr>
+                                        <p:cTn id="12" dur="500"/>
+                                        <p:tgtEl>
+                                          <p:spTgt spid="3">
+                                            <p:txEl>
+                                              <p:pRg st="1" end="1"/>
+                                            </p:txEl>
+                                          </p:spTgt>
+                                        </p:tgtEl>
+                                      </p:cBhvr>
+                                    </p:animEffect>
+                                  </p:childTnLst>
+                                </p:cTn>
+                              </p:par>
+                            </p:childTnLst>
+                          </p:cTn>
+                        </p:par>
+                      </p:childTnLst>
+                    </p:cTn>
+                  </p:par>
+                  <p:par>
+                    <p:cTn id="13" fill="hold">
+                      <p:stCondLst>
+                        <p:cond delay="indefinite"/>
+                      </p:stCondLst>
+                      <p:childTnLst>
+                        <p:par>
+                          <p:cTn id="14" fill="hold">
+                            <p:stCondLst>
+                              <p:cond delay="0"/>
+                            </p:stCondLst>
+                            <p:childTnLst>
+                              <p:par>
+                                <p:cTn id="15" presetID="3" presetClass="entr" presetSubtype="10" fill="hold" grpId="0" nodeType="clickEffect">
+                                  <p:stCondLst>
+                                    <p:cond delay="0"/>
+                                  </p:stCondLst>
+                                  <p:childTnLst>
+                                    <p:set>
+                                      <p:cBhvr>
+                                        <p:cTn id="16" dur="1" fill="hold">
+                                          <p:stCondLst>
+                                            <p:cond delay="0"/>
+                                          </p:stCondLst>
+                                        </p:cTn>
+                                        <p:tgtEl>
+                                          <p:spTgt spid="3">
+                                            <p:txEl>
+                                              <p:pRg st="2" end="2"/>
+                                            </p:txEl>
+                                          </p:spTgt>
+                                        </p:tgtEl>
+                                        <p:attrNameLst>
+                                          <p:attrName>style.visibility</p:attrName>
+                                        </p:attrNameLst>
+                                      </p:cBhvr>
+                                      <p:to>
+                                        <p:strVal val="visible"/>
+                                      </p:to>
+                                    </p:set>
+                                    <p:animEffect transition="in" filter="blinds(horizontal)">
+                                      <p:cBhvr>
+                                        <p:cTn id="17" dur="500"/>
+                                        <p:tgtEl>
+                                          <p:spTgt spid="3">
+                                            <p:txEl>
+                                              <p:pRg st="2" end="2"/>
+                                            </p:txEl>
+                                          </p:spTgt>
+                                        </p:tgtEl>
+                                      </p:cBhvr>
+                                    </p:animEffect>
+                                  </p:childTnLst>
+                                </p:cTn>
+                              </p:par>
+                            </p:childTnLst>
+                          </p:cTn>
+                        </p:par>
+                      </p:childTnLst>
+                    </p:cTn>
+                  </p:par>
+                  <p:par>
+                    <p:cTn id="18" fill="hold">
+                      <p:stCondLst>
+                        <p:cond delay="indefinite"/>
+                      </p:stCondLst>
+                      <p:childTnLst>
+                        <p:par>
+                          <p:cTn id="19" fill="hold">
+                            <p:stCondLst>
+                              <p:cond delay="0"/>
+                            </p:stCondLst>
+                            <p:childTnLst>
+                              <p:par>
+                                <p:cTn id="20" presetID="3" presetClass="entr" presetSubtype="10" fill="hold" grpId="0" nodeType="clickEffect">
+                                  <p:stCondLst>
+                                    <p:cond delay="0"/>
+                                  </p:stCondLst>
+                                  <p:childTnLst>
+                                    <p:set>
+                                      <p:cBhvr>
+                                        <p:cTn id="21" dur="1" fill="hold">
+                                          <p:stCondLst>
+                                            <p:cond delay="0"/>
+                                          </p:stCondLst>
+                                        </p:cTn>
+                                        <p:tgtEl>
+                                          <p:spTgt spid="3">
+                                            <p:txEl>
+                                              <p:pRg st="4" end="4"/>
+                                            </p:txEl>
+                                          </p:spTgt>
+                                        </p:tgtEl>
+                                        <p:attrNameLst>
+                                          <p:attrName>style.visibility</p:attrName>
+                                        </p:attrNameLst>
+                                      </p:cBhvr>
+                                      <p:to>
+                                        <p:strVal val="visible"/>
+                                      </p:to>
+                                    </p:set>
+                                    <p:animEffect transition="in" filter="blinds(horizontal)">
+                                      <p:cBhvr>
+                                        <p:cTn id="22" dur="500"/>
+                                        <p:tgtEl>
+                                          <p:spTgt spid="3">
+                                            <p:txEl>
+                                              <p:pRg st="4" end="4"/>
+                                            </p:txEl>
+                                          </p:spTgt>
+                                        </p:tgtEl>
+                                      </p:cBhvr>
+                                    </p:animEffect>
+                                  </p:childTnLst>
+                                </p:cTn>
+                              </p:par>
+                            </p:childTnLst>
+                          </p:cTn>
+                        </p:par>
+                      </p:childTnLst>
+                    </p:cTn>
+                  </p:par>
+                  <p:par>
+                    <p:cTn id="23" fill="hold">
+                      <p:stCondLst>
+                        <p:cond delay="indefinite"/>
+                      </p:stCondLst>
+                      <p:childTnLst>
+                        <p:par>
+                          <p:cTn id="24" fill="hold">
+                            <p:stCondLst>
+                              <p:cond delay="0"/>
+                            </p:stCondLst>
+                            <p:childTnLst>
+                              <p:par>
+                                <p:cTn id="25" presetID="3" presetClass="entr" presetSubtype="10" fill="hold" grpId="0" nodeType="clickEffect">
+                                  <p:stCondLst>
+                                    <p:cond delay="0"/>
+                                  </p:stCondLst>
+                                  <p:childTnLst>
+                                    <p:set>
+                                      <p:cBhvr>
+                                        <p:cTn id="26" dur="1" fill="hold">
+                                          <p:stCondLst>
+                                            <p:cond delay="0"/>
+                                          </p:stCondLst>
+                                        </p:cTn>
+                                        <p:tgtEl>
+                                          <p:spTgt spid="3">
+                                            <p:txEl>
+                                              <p:pRg st="5" end="5"/>
+                                            </p:txEl>
+                                          </p:spTgt>
+                                        </p:tgtEl>
+                                        <p:attrNameLst>
+                                          <p:attrName>style.visibility</p:attrName>
+                                        </p:attrNameLst>
+                                      </p:cBhvr>
+                                      <p:to>
+                                        <p:strVal val="visible"/>
+                                      </p:to>
+                                    </p:set>
+                                    <p:animEffect transition="in" filter="blinds(horizontal)">
+                                      <p:cBhvr>
+                                        <p:cTn id="27" dur="500"/>
+                                        <p:tgtEl>
+                                          <p:spTgt spid="3">
+                                            <p:txEl>
+                                              <p:pRg st="5" end="5"/>
+                                            </p:txEl>
+                                          </p:spTgt>
+                                        </p:tgtEl>
+                                      </p:cBhvr>
+                                    </p:animEffect>
+                                  </p:childTnLst>
+                                </p:cTn>
+                              </p:par>
+                            </p:childTnLst>
+                          </p:cTn>
+                        </p:par>
+                      </p:childTnLst>
+                    </p:cTn>
+                  </p:par>
+                  <p:par>
+                    <p:cTn id="28" fill="hold">
+                      <p:stCondLst>
+                        <p:cond delay="indefinite"/>
+                      </p:stCondLst>
+                      <p:childTnLst>
+                        <p:par>
+                          <p:cTn id="29" fill="hold">
+                            <p:stCondLst>
+                              <p:cond delay="0"/>
+                            </p:stCondLst>
+                            <p:childTnLst>
+                              <p:par>
+                                <p:cTn id="30" presetID="3" presetClass="entr" presetSubtype="10" fill="hold" grpId="0" nodeType="clickEffect">
+                                  <p:stCondLst>
+                                    <p:cond delay="0"/>
+                                  </p:stCondLst>
+                                  <p:childTnLst>
+                                    <p:set>
+                                      <p:cBhvr>
+                                        <p:cTn id="31" dur="1" fill="hold">
+                                          <p:stCondLst>
+                                            <p:cond delay="0"/>
+                                          </p:stCondLst>
+                                        </p:cTn>
+                                        <p:tgtEl>
+                                          <p:spTgt spid="3">
+                                            <p:txEl>
+                                              <p:pRg st="7" end="7"/>
+                                            </p:txEl>
+                                          </p:spTgt>
+                                        </p:tgtEl>
+                                        <p:attrNameLst>
+                                          <p:attrName>style.visibility</p:attrName>
+                                        </p:attrNameLst>
+                                      </p:cBhvr>
+                                      <p:to>
+                                        <p:strVal val="visible"/>
+                                      </p:to>
+                                    </p:set>
+                                    <p:animEffect transition="in" filter="blinds(horizontal)">
+                                      <p:cBhvr>
+                                        <p:cTn id="32" dur="500"/>
+                                        <p:tgtEl>
+                                          <p:spTgt spid="3">
+                                            <p:txEl>
+                                              <p:pRg st="7" end="7"/>
+                                            </p:txEl>
+                                          </p:spTgt>
+                                        </p:tgtEl>
+                                      </p:cBhvr>
+                                    </p:animEffect>
+                                  </p:childTnLst>
+                                </p:cTn>
+                              </p:par>
+                            </p:childTnLst>
+                          </p:cTn>
+                        </p:par>
+                      </p:childTnLst>
+                    </p:cTn>
+                  </p:par>
+                  <p:par>
+                    <p:cTn id="33" fill="hold">
+                      <p:stCondLst>
+                        <p:cond delay="indefinite"/>
+                      </p:stCondLst>
+                      <p:childTnLst>
+                        <p:par>
+                          <p:cTn id="34" fill="hold">
+                            <p:stCondLst>
+                              <p:cond delay="0"/>
+                            </p:stCondLst>
+                            <p:childTnLst>
+                              <p:par>
+                                <p:cTn id="35" presetID="3" presetClass="entr" presetSubtype="10" fill="hold" grpId="0" nodeType="clickEffect">
+                                  <p:stCondLst>
+                                    <p:cond delay="0"/>
+                                  </p:stCondLst>
+                                  <p:childTnLst>
+                                    <p:set>
+                                      <p:cBhvr>
+                                        <p:cTn id="36" dur="1" fill="hold">
+                                          <p:stCondLst>
+                                            <p:cond delay="0"/>
+                                          </p:stCondLst>
+                                        </p:cTn>
+                                        <p:tgtEl>
+                                          <p:spTgt spid="3">
+                                            <p:txEl>
+                                              <p:pRg st="8" end="8"/>
+                                            </p:txEl>
+                                          </p:spTgt>
+                                        </p:tgtEl>
+                                        <p:attrNameLst>
+                                          <p:attrName>style.visibility</p:attrName>
+                                        </p:attrNameLst>
+                                      </p:cBhvr>
+                                      <p:to>
+                                        <p:strVal val="visible"/>
+                                      </p:to>
+                                    </p:set>
+                                    <p:animEffect transition="in" filter="blinds(horizontal)">
+                                      <p:cBhvr>
+                                        <p:cTn id="37" dur="500"/>
+                                        <p:tgtEl>
+                                          <p:spTgt spid="3">
+                                            <p:txEl>
+                                              <p:pRg st="8" end="8"/>
                                             </p:txEl>
                                           </p:spTgt>
                                         </p:tgtEl>
@@ -12617,28 +13778,10 @@
           <a:p>
             <a:pPr algn="l"/>
             <a:r>
-              <a:rPr lang="en-US" b="1">
-                <a:sym typeface="+mn-ea"/>
-              </a:rPr>
-              <a:t>Cookie</a:t>
-            </a:r>
-            <a:r>
               <a:rPr lang="zh-CN" altLang="en-US" b="1">
                 <a:sym typeface="+mn-ea"/>
               </a:rPr>
-              <a:t>扩展：</a:t>
-            </a:r>
-            <a:r>
-              <a:rPr lang="en-US" altLang="zh-CN" b="1">
-                <a:sym typeface="+mn-ea"/>
-              </a:rPr>
-              <a:t>CSRF</a:t>
-            </a:r>
-            <a:r>
-              <a:rPr lang="zh-CN" altLang="en-US" b="1">
-                <a:sym typeface="+mn-ea"/>
-              </a:rPr>
-              <a:t>攻击</a:t>
+              <a:t>分布式事务</a:t>
             </a:r>
             <a:endParaRPr lang="zh-CN" altLang="en-US" b="1">
               <a:sym typeface="+mn-ea"/>
@@ -12659,12 +13802,12 @@
         <p:spPr>
           <a:xfrm>
             <a:off x="457200" y="1143000"/>
-            <a:ext cx="8296910" cy="1684655"/>
+            <a:ext cx="8296910" cy="5509260"/>
           </a:xfrm>
         </p:spPr>
         <p:txBody>
           <a:bodyPr>
-            <a:normAutofit lnSpcReduction="10000"/>
+            <a:normAutofit fontScale="90000" lnSpcReduction="10000"/>
           </a:bodyPr>
           <a:p>
             <a:pPr marL="0" indent="0">
@@ -12672,58 +13815,521 @@
             </a:pPr>
             <a:r>
               <a:rPr lang="en-US" altLang="zh-CN" sz="2000"/>
-              <a:t>1. </a:t>
-            </a:r>
-            <a:r>
-              <a:rPr lang="zh-CN" altLang="en-US" sz="2000"/>
-              <a:t>什么是</a:t>
-            </a:r>
-            <a:r>
-              <a:rPr lang="en-US" altLang="zh-CN" sz="2000"/>
-              <a:t>CSRF</a:t>
-            </a:r>
-            <a:r>
-              <a:rPr lang="zh-CN" altLang="en-US" sz="2000"/>
-              <a:t>攻击</a:t>
-            </a:r>
-            <a:endParaRPr lang="en-US" altLang="zh-CN" sz="2000"/>
+              <a:t>4</a:t>
+            </a:r>
+            <a:r>
+              <a:rPr lang="en-US" altLang="zh-CN" sz="2000" b="1"/>
+              <a:t>. </a:t>
+            </a:r>
+            <a:r>
+              <a:rPr sz="2000" b="1"/>
+              <a:t>事务的四种隔离级别</a:t>
+            </a:r>
+            <a:endParaRPr sz="2000" b="1"/>
           </a:p>
           <a:p>
             <a:pPr marL="0" indent="0">
               <a:buNone/>
             </a:pPr>
-            <a:r>
-              <a:rPr lang="en-US" altLang="zh-CN" sz="2000"/>
-              <a:t>         CSRF（Cross Site Request Forgery），中文是跨站点请求伪造。CSRF攻击者在用户已经登录目标网站之后，诱使用户访问一个攻击页面，利用目标网站对用户的信任，以用户身份在攻击页面对目标网站发起伪造用户操作的请求，达到攻击目的。</a:t>
-            </a:r>
             <a:endParaRPr lang="en-US" altLang="zh-CN" sz="2000"/>
+          </a:p>
+          <a:p>
+            <a:pPr marL="0" indent="0">
+              <a:buNone/>
+            </a:pPr>
+            <a:r>
+              <a:rPr lang="en-US" altLang="zh-CN" sz="2000">
+                <a:sym typeface="+mn-ea"/>
+              </a:rPr>
+              <a:t>         </a:t>
+            </a:r>
+            <a:r>
+              <a:rPr lang="en-US" altLang="zh-CN" sz="1800">
+                <a:latin typeface="+mn-ea"/>
+                <a:cs typeface="+mn-ea"/>
+                <a:sym typeface="+mn-ea"/>
+              </a:rPr>
+              <a:t>1&gt; </a:t>
+            </a:r>
+            <a:r>
+              <a:rPr lang="zh-CN" altLang="en-US" sz="1800" b="1">
+                <a:latin typeface="+mn-ea"/>
+                <a:cs typeface="+mn-ea"/>
+                <a:sym typeface="+mn-ea"/>
+              </a:rPr>
+              <a:t>读未提交</a:t>
+            </a:r>
+            <a:r>
+              <a:rPr lang="en-US" altLang="zh-CN" sz="1800" b="1">
+                <a:latin typeface="+mn-ea"/>
+                <a:cs typeface="+mn-ea"/>
+                <a:sym typeface="+mn-ea"/>
+              </a:rPr>
+              <a:t>(read-uncommitted)</a:t>
+            </a:r>
+            <a:r>
+              <a:rPr lang="en-US" altLang="zh-CN" sz="1800">
+                <a:latin typeface="+mn-ea"/>
+                <a:cs typeface="+mn-ea"/>
+                <a:sym typeface="+mn-ea"/>
+              </a:rPr>
+              <a:t>:</a:t>
+            </a:r>
+            <a:r>
+              <a:rPr lang="zh-CN" altLang="en-US" sz="1800">
+                <a:latin typeface="+mn-ea"/>
+                <a:cs typeface="+mn-ea"/>
+                <a:sym typeface="+mn-ea"/>
+              </a:rPr>
+              <a:t>一个事务可以读取另一个未提交事务的数据。会导致脏读、不可重复读、幻读。</a:t>
+            </a:r>
+            <a:endParaRPr lang="zh-CN" altLang="en-US" sz="1800">
+              <a:latin typeface="+mn-ea"/>
+              <a:cs typeface="+mn-ea"/>
+              <a:sym typeface="+mn-ea"/>
+            </a:endParaRPr>
+          </a:p>
+          <a:p>
+            <a:pPr marL="0" indent="0">
+              <a:buNone/>
+            </a:pPr>
+            <a:endParaRPr lang="zh-CN" altLang="en-US" sz="1800">
+              <a:latin typeface="+mn-ea"/>
+              <a:cs typeface="+mn-ea"/>
+              <a:sym typeface="+mn-ea"/>
+            </a:endParaRPr>
+          </a:p>
+          <a:p>
+            <a:pPr marL="0" indent="0">
+              <a:buNone/>
+            </a:pPr>
+            <a:r>
+              <a:rPr lang="en-US" altLang="zh-CN" sz="1800">
+                <a:latin typeface="+mn-ea"/>
+                <a:cs typeface="+mn-ea"/>
+                <a:sym typeface="+mn-ea"/>
+              </a:rPr>
+              <a:t>     2&gt; </a:t>
+            </a:r>
+            <a:r>
+              <a:rPr sz="1800" b="1">
+                <a:latin typeface="+mn-ea"/>
+                <a:cs typeface="+mn-ea"/>
+                <a:sym typeface="+mn-ea"/>
+              </a:rPr>
+              <a:t>读</a:t>
+            </a:r>
+            <a:r>
+              <a:rPr lang="zh-CN" sz="1800" b="1">
+                <a:latin typeface="+mn-ea"/>
+                <a:cs typeface="+mn-ea"/>
+                <a:sym typeface="+mn-ea"/>
+              </a:rPr>
+              <a:t>提交</a:t>
+            </a:r>
+            <a:r>
+              <a:rPr sz="1800" b="1">
+                <a:latin typeface="+mn-ea"/>
+                <a:cs typeface="+mn-ea"/>
+                <a:sym typeface="+mn-ea"/>
+              </a:rPr>
+              <a:t>（</a:t>
+            </a:r>
+            <a:r>
+              <a:rPr sz="1800">
+                <a:latin typeface="+mn-ea"/>
+                <a:cs typeface="+mn-ea"/>
+                <a:sym typeface="+mn-ea"/>
+              </a:rPr>
+              <a:t>read-committed</a:t>
+            </a:r>
+            <a:r>
+              <a:rPr sz="1800" b="1">
+                <a:latin typeface="+mn-ea"/>
+                <a:cs typeface="+mn-ea"/>
+                <a:sym typeface="+mn-ea"/>
+              </a:rPr>
+              <a:t>）</a:t>
+            </a:r>
+            <a:r>
+              <a:rPr lang="en-US" altLang="zh-CN" sz="1800">
+                <a:latin typeface="+mn-ea"/>
+                <a:cs typeface="+mn-ea"/>
+                <a:sym typeface="+mn-ea"/>
+              </a:rPr>
+              <a:t>:</a:t>
+            </a:r>
+            <a:r>
+              <a:rPr lang="zh-CN" altLang="en-US" sz="1800">
+                <a:latin typeface="+mn-ea"/>
+                <a:cs typeface="+mn-ea"/>
+                <a:sym typeface="+mn-ea"/>
+              </a:rPr>
+              <a:t>一个事务要等另一个事务提交后才能读取数据。只会锁住相应的行</a:t>
+            </a:r>
+            <a:r>
+              <a:rPr lang="en-US" altLang="zh-CN" sz="1800">
+                <a:latin typeface="+mn-ea"/>
+                <a:cs typeface="+mn-ea"/>
+                <a:sym typeface="+mn-ea"/>
+              </a:rPr>
+              <a:t>,</a:t>
+            </a:r>
+            <a:r>
+              <a:rPr lang="zh-CN" altLang="en-US" sz="1800">
+                <a:latin typeface="+mn-ea"/>
+                <a:cs typeface="+mn-ea"/>
+                <a:sym typeface="+mn-ea"/>
+              </a:rPr>
+              <a:t>只能解决脏读问题。</a:t>
+            </a:r>
+            <a:endParaRPr lang="zh-CN" altLang="en-US" sz="1800">
+              <a:latin typeface="+mn-ea"/>
+              <a:cs typeface="+mn-ea"/>
+              <a:sym typeface="+mn-ea"/>
+            </a:endParaRPr>
+          </a:p>
+          <a:p>
+            <a:pPr marL="0" indent="0">
+              <a:buNone/>
+            </a:pPr>
+            <a:endParaRPr lang="zh-CN" altLang="en-US" sz="1800">
+              <a:latin typeface="+mn-ea"/>
+              <a:cs typeface="+mn-ea"/>
+              <a:sym typeface="+mn-ea"/>
+            </a:endParaRPr>
+          </a:p>
+          <a:p>
+            <a:pPr marL="0" indent="0">
+              <a:buNone/>
+            </a:pPr>
+            <a:r>
+              <a:rPr lang="en-US" altLang="zh-CN" sz="1800">
+                <a:latin typeface="+mn-ea"/>
+                <a:cs typeface="+mn-ea"/>
+                <a:sym typeface="+mn-ea"/>
+              </a:rPr>
+              <a:t>     3&gt; </a:t>
+            </a:r>
+            <a:r>
+              <a:rPr lang="zh-CN" altLang="en-US" sz="1800" b="1">
+                <a:latin typeface="+mn-ea"/>
+                <a:cs typeface="+mn-ea"/>
+                <a:sym typeface="+mn-ea"/>
+              </a:rPr>
+              <a:t>可</a:t>
+            </a:r>
+            <a:r>
+              <a:rPr sz="1800" b="1">
+                <a:latin typeface="+mn-ea"/>
+                <a:cs typeface="+mn-ea"/>
+                <a:sym typeface="+mn-ea"/>
+              </a:rPr>
+              <a:t>重复读（</a:t>
+            </a:r>
+            <a:r>
+              <a:rPr sz="1800">
+                <a:latin typeface="+mn-ea"/>
+                <a:cs typeface="+mn-ea"/>
+                <a:sym typeface="+mn-ea"/>
+              </a:rPr>
+              <a:t>repeatable-read</a:t>
+            </a:r>
+            <a:r>
+              <a:rPr sz="1800" b="1">
+                <a:latin typeface="+mn-ea"/>
+                <a:cs typeface="+mn-ea"/>
+                <a:sym typeface="+mn-ea"/>
+              </a:rPr>
+              <a:t>）</a:t>
+            </a:r>
+            <a:r>
+              <a:rPr lang="en-US" altLang="zh-CN" sz="1800">
+                <a:latin typeface="+mn-ea"/>
+                <a:cs typeface="+mn-ea"/>
+                <a:sym typeface="+mn-ea"/>
+              </a:rPr>
+              <a:t>:</a:t>
+            </a:r>
+            <a:r>
+              <a:rPr lang="zh-CN" altLang="en-US" sz="1800">
+                <a:latin typeface="+mn-ea"/>
+                <a:cs typeface="+mn-ea"/>
+                <a:sym typeface="+mn-ea"/>
+              </a:rPr>
+              <a:t>就是在开始读取数据（事务开启）时，不再允许修改操作。能解决脏读和不可重复读的问题</a:t>
+            </a:r>
+            <a:r>
+              <a:rPr lang="en-US" altLang="zh-CN" sz="1800">
+                <a:latin typeface="+mn-ea"/>
+                <a:cs typeface="+mn-ea"/>
+                <a:sym typeface="+mn-ea"/>
+              </a:rPr>
+              <a:t>,如果检索条件有索引（包括主键索引）的时候，默认加锁方式是</a:t>
+            </a:r>
+            <a:r>
+              <a:rPr lang="en-US" altLang="zh-CN" sz="1800" b="1">
+                <a:latin typeface="+mn-ea"/>
+                <a:cs typeface="+mn-ea"/>
+                <a:sym typeface="+mn-ea"/>
+              </a:rPr>
+              <a:t>next-key</a:t>
+            </a:r>
+            <a:r>
+              <a:rPr lang="en-US" altLang="zh-CN" sz="1800">
+                <a:latin typeface="+mn-ea"/>
+                <a:cs typeface="+mn-ea"/>
+                <a:sym typeface="+mn-ea"/>
+              </a:rPr>
+              <a:t> 锁；如果检索条件没有索引，更新数据时会锁住整张表。一个间隙被事务加了锁，其他事务是不能在这个间隙插入记录的，这样可以防止幻读</a:t>
+            </a:r>
+            <a:r>
+              <a:rPr lang="zh-CN" altLang="en-US" sz="1800">
+                <a:latin typeface="+mn-ea"/>
+                <a:cs typeface="+mn-ea"/>
+                <a:sym typeface="+mn-ea"/>
+              </a:rPr>
+              <a:t>。</a:t>
+            </a:r>
+            <a:endParaRPr lang="zh-CN" altLang="en-US" sz="1800">
+              <a:latin typeface="+mn-ea"/>
+              <a:cs typeface="+mn-ea"/>
+              <a:sym typeface="+mn-ea"/>
+            </a:endParaRPr>
+          </a:p>
+          <a:p>
+            <a:pPr marL="0" indent="0">
+              <a:buNone/>
+            </a:pPr>
+            <a:endParaRPr lang="zh-CN" altLang="en-US" sz="1800">
+              <a:latin typeface="+mn-ea"/>
+              <a:cs typeface="+mn-ea"/>
+              <a:sym typeface="+mn-ea"/>
+            </a:endParaRPr>
+          </a:p>
+          <a:p>
+            <a:pPr marL="0" indent="0">
+              <a:buNone/>
+            </a:pPr>
+            <a:r>
+              <a:rPr lang="en-US" altLang="zh-CN" sz="1800">
+                <a:latin typeface="+mn-ea"/>
+                <a:cs typeface="+mn-ea"/>
+                <a:sym typeface="+mn-ea"/>
+              </a:rPr>
+              <a:t>     4&gt; </a:t>
+            </a:r>
+            <a:r>
+              <a:rPr sz="1800" b="1">
+                <a:latin typeface="+mn-ea"/>
+                <a:cs typeface="+mn-ea"/>
+                <a:sym typeface="+mn-ea"/>
+              </a:rPr>
+              <a:t>串行化（</a:t>
+            </a:r>
+            <a:r>
+              <a:rPr sz="1800">
+                <a:latin typeface="+mn-ea"/>
+                <a:cs typeface="+mn-ea"/>
+                <a:sym typeface="+mn-ea"/>
+              </a:rPr>
+              <a:t>serializable</a:t>
+            </a:r>
+            <a:r>
+              <a:rPr sz="1800" b="1">
+                <a:latin typeface="+mn-ea"/>
+                <a:cs typeface="+mn-ea"/>
+                <a:sym typeface="+mn-ea"/>
+              </a:rPr>
+              <a:t>）</a:t>
+            </a:r>
+            <a:r>
+              <a:rPr lang="en-US" altLang="zh-CN" sz="1800">
+                <a:latin typeface="+mn-ea"/>
+                <a:cs typeface="+mn-ea"/>
+                <a:sym typeface="+mn-ea"/>
+              </a:rPr>
+              <a:t>:</a:t>
+            </a:r>
+            <a:r>
+              <a:rPr lang="zh-CN" altLang="en-US" sz="1800">
+                <a:latin typeface="+mn-ea"/>
+                <a:cs typeface="+mn-ea"/>
+                <a:sym typeface="+mn-ea"/>
+              </a:rPr>
+              <a:t>是最高的事务隔离级别，在该级别下，事务串行化顺序执行，可以避免脏读、不可重复读与幻读。</a:t>
+            </a:r>
+            <a:r>
+              <a:rPr lang="zh-CN" altLang="en-US" sz="1800">
+                <a:solidFill>
+                  <a:srgbClr val="FF0000"/>
+                </a:solidFill>
+                <a:latin typeface="+mn-ea"/>
+                <a:cs typeface="+mn-ea"/>
+                <a:sym typeface="+mn-ea"/>
+              </a:rPr>
+              <a:t>但是这种事务隔离级别效率低下，读写数据都会锁住整张表</a:t>
+            </a:r>
+            <a:r>
+              <a:rPr lang="en-US" altLang="zh-CN" sz="1800">
+                <a:solidFill>
+                  <a:srgbClr val="FF0000"/>
+                </a:solidFill>
+                <a:latin typeface="+mn-ea"/>
+                <a:cs typeface="+mn-ea"/>
+                <a:sym typeface="+mn-ea"/>
+              </a:rPr>
+              <a:t>,</a:t>
+            </a:r>
+            <a:r>
+              <a:rPr lang="zh-CN" altLang="en-US" sz="1800">
+                <a:solidFill>
+                  <a:srgbClr val="FF0000"/>
+                </a:solidFill>
+                <a:latin typeface="+mn-ea"/>
+                <a:cs typeface="+mn-ea"/>
+                <a:sym typeface="+mn-ea"/>
+              </a:rPr>
+              <a:t>比较耗数据库性能，一般不使用</a:t>
+            </a:r>
+            <a:r>
+              <a:rPr lang="zh-CN" altLang="en-US" sz="1800">
+                <a:latin typeface="+mn-ea"/>
+                <a:cs typeface="+mn-ea"/>
+                <a:sym typeface="+mn-ea"/>
+              </a:rPr>
+              <a:t>。</a:t>
+            </a:r>
+            <a:endParaRPr lang="zh-CN" altLang="en-US" sz="1800">
+              <a:latin typeface="+mn-ea"/>
+              <a:cs typeface="+mn-ea"/>
+              <a:sym typeface="+mn-ea"/>
+            </a:endParaRPr>
+          </a:p>
+          <a:p>
+            <a:pPr marL="0" indent="0">
+              <a:buNone/>
+            </a:pPr>
+            <a:endParaRPr lang="zh-CN" altLang="en-US" sz="1800">
+              <a:latin typeface="+mn-ea"/>
+              <a:cs typeface="+mn-ea"/>
+              <a:sym typeface="+mn-ea"/>
+            </a:endParaRPr>
+          </a:p>
+          <a:p>
+            <a:pPr marL="0" indent="0">
+              <a:buNone/>
+            </a:pPr>
+            <a:r>
+              <a:rPr lang="zh-CN" altLang="en-US" sz="1800">
+                <a:latin typeface="+mn-ea"/>
+                <a:cs typeface="+mn-ea"/>
+                <a:sym typeface="+mn-ea"/>
+              </a:rPr>
+              <a:t>     隔离级别越高，越能保证数据的完整性和一致性，但是对并发性能的影响也越大。Mysql的默认隔离级别是</a:t>
+            </a:r>
+            <a:r>
+              <a:rPr lang="en-US" altLang="zh-CN" sz="1800">
+                <a:latin typeface="+mn-ea"/>
+                <a:cs typeface="+mn-ea"/>
+                <a:sym typeface="+mn-ea"/>
+              </a:rPr>
+              <a:t>r</a:t>
+            </a:r>
+            <a:r>
+              <a:rPr lang="zh-CN" altLang="en-US" sz="1800">
+                <a:latin typeface="+mn-ea"/>
+                <a:cs typeface="+mn-ea"/>
+                <a:sym typeface="+mn-ea"/>
+              </a:rPr>
+              <a:t>epeatable</a:t>
+            </a:r>
+            <a:r>
+              <a:rPr lang="en-US" altLang="zh-CN" sz="1800">
+                <a:latin typeface="+mn-ea"/>
+                <a:cs typeface="+mn-ea"/>
+                <a:sym typeface="+mn-ea"/>
+              </a:rPr>
+              <a:t>-</a:t>
+            </a:r>
+            <a:r>
+              <a:rPr lang="zh-CN" altLang="en-US" sz="1800">
+                <a:latin typeface="+mn-ea"/>
+                <a:cs typeface="+mn-ea"/>
+                <a:sym typeface="+mn-ea"/>
+              </a:rPr>
+              <a:t>read。</a:t>
+            </a:r>
+            <a:r>
+              <a:rPr lang="zh-CN" altLang="en-US" sz="1800">
+                <a:latin typeface="+mn-ea"/>
+                <a:cs typeface="+mn-ea"/>
+                <a:sym typeface="+mn-ea"/>
+              </a:rPr>
+              <a:t>Sql Server、Oracle</a:t>
+            </a:r>
+            <a:r>
+              <a:rPr lang="zh-CN" altLang="en-US" sz="1800">
+                <a:latin typeface="+mn-ea"/>
+                <a:cs typeface="+mn-ea"/>
+                <a:sym typeface="+mn-ea"/>
+              </a:rPr>
+              <a:t>默认的事务隔离级别是</a:t>
+            </a:r>
+            <a:r>
+              <a:rPr lang="en-US" altLang="zh-CN" sz="1800">
+                <a:latin typeface="+mn-ea"/>
+                <a:cs typeface="+mn-ea"/>
+                <a:sym typeface="+mn-ea"/>
+              </a:rPr>
+              <a:t>r</a:t>
+            </a:r>
+            <a:r>
+              <a:rPr lang="zh-CN" altLang="en-US" sz="1800">
+                <a:latin typeface="+mn-ea"/>
+                <a:cs typeface="+mn-ea"/>
+                <a:sym typeface="+mn-ea"/>
+              </a:rPr>
+              <a:t>ead</a:t>
+            </a:r>
+            <a:r>
+              <a:rPr lang="en-US" altLang="zh-CN" sz="1800">
+                <a:latin typeface="+mn-ea"/>
+                <a:cs typeface="+mn-ea"/>
+                <a:sym typeface="+mn-ea"/>
+              </a:rPr>
+              <a:t>-</a:t>
+            </a:r>
+            <a:r>
+              <a:rPr lang="zh-CN" altLang="en-US" sz="1800">
+                <a:latin typeface="+mn-ea"/>
+                <a:cs typeface="+mn-ea"/>
+                <a:sym typeface="+mn-ea"/>
+              </a:rPr>
+              <a:t>committed。</a:t>
+            </a:r>
+            <a:endParaRPr lang="zh-CN" altLang="en-US" sz="1800">
+              <a:latin typeface="+mn-ea"/>
+              <a:cs typeface="+mn-ea"/>
+              <a:sym typeface="+mn-ea"/>
+            </a:endParaRPr>
+          </a:p>
+          <a:p>
+            <a:pPr marL="0" indent="0">
+              <a:buNone/>
+            </a:pPr>
+            <a:r>
+              <a:rPr lang="zh-CN" altLang="en-US" sz="2000">
+                <a:sym typeface="+mn-ea"/>
+              </a:rPr>
+              <a:t>    </a:t>
+            </a:r>
+            <a:endParaRPr lang="zh-CN" altLang="en-US" sz="2000">
+              <a:sym typeface="+mn-ea"/>
+            </a:endParaRPr>
           </a:p>
         </p:txBody>
       </p:sp>
-      <p:pic>
-        <p:nvPicPr>
-          <p:cNvPr id="4" name="图片 3"/>
-          <p:cNvPicPr>
-            <a:picLocks noChangeAspect="1"/>
-          </p:cNvPicPr>
-          <p:nvPr/>
-        </p:nvPicPr>
-        <p:blipFill>
-          <a:blip r:embed="rId1"/>
-          <a:stretch>
-            <a:fillRect/>
-          </a:stretch>
-        </p:blipFill>
-        <p:spPr>
-          <a:xfrm>
-            <a:off x="793115" y="2750185"/>
-            <a:ext cx="7557770" cy="3758565"/>
-          </a:xfrm>
-          <a:prstGeom prst="rect">
-            <a:avLst/>
-          </a:prstGeom>
-        </p:spPr>
-      </p:pic>
     </p:spTree>
   </p:cSld>
   <p:clrMapOvr>
@@ -12826,7 +14432,7 @@
                                         <p:tgtEl>
                                           <p:spTgt spid="3">
                                             <p:txEl>
-                                              <p:pRg st="1" end="1"/>
+                                              <p:pRg st="2" end="2"/>
                                             </p:txEl>
                                           </p:spTgt>
                                         </p:tgtEl>
@@ -12844,7 +14450,7 @@
                                         <p:tgtEl>
                                           <p:spTgt spid="3">
                                             <p:txEl>
-                                              <p:pRg st="1" end="1"/>
+                                              <p:pRg st="2" end="2"/>
                                             </p:txEl>
                                           </p:spTgt>
                                         </p:tgtEl>
@@ -12872,7 +14478,7 @@
                             </p:stCondLst>
                             <p:childTnLst>
                               <p:par>
-                                <p:cTn id="15" presetID="3" presetClass="entr" presetSubtype="10" fill="hold" nodeType="clickEffect">
+                                <p:cTn id="15" presetID="3" presetClass="entr" presetSubtype="10" fill="hold" grpId="0" nodeType="clickEffect">
                                   <p:stCondLst>
                                     <p:cond delay="0"/>
                                   </p:stCondLst>
@@ -12885,7 +14491,11 @@
                                           </p:stCondLst>
                                         </p:cTn>
                                         <p:tgtEl>
-                                          <p:spTgt spid="4"/>
+                                          <p:spTgt spid="3">
+                                            <p:txEl>
+                                              <p:pRg st="4" end="4"/>
+                                            </p:txEl>
+                                          </p:spTgt>
                                         </p:tgtEl>
                                         <p:attrNameLst>
                                           <p:attrName>style.visibility</p:attrName>
@@ -12899,7 +14509,255 @@
                                       <p:cBhvr>
                                         <p:cTn id="17" dur="500"/>
                                         <p:tgtEl>
-                                          <p:spTgt spid="4"/>
+                                          <p:spTgt spid="3">
+                                            <p:txEl>
+                                              <p:pRg st="4" end="4"/>
+                                            </p:txEl>
+                                          </p:spTgt>
+                                        </p:tgtEl>
+                                      </p:cBhvr>
+                                    </p:animEffect>
+                                  </p:childTnLst>
+                                </p:cTn>
+                              </p:par>
+                            </p:childTnLst>
+                          </p:cTn>
+                        </p:par>
+                      </p:childTnLst>
+                    </p:cTn>
+                  </p:par>
+                  <p:par>
+                    <p:cTn id="18" fill="hold">
+                      <p:stCondLst>
+                        <p:cond delay="indefinite"/>
+                      </p:stCondLst>
+                      <p:childTnLst>
+                        <p:par>
+                          <p:cTn id="19" fill="hold">
+                            <p:stCondLst>
+                              <p:cond delay="0"/>
+                            </p:stCondLst>
+                            <p:childTnLst>
+                              <p:par>
+                                <p:cTn id="20" presetID="3" presetClass="entr" presetSubtype="10" fill="hold" grpId="0" nodeType="clickEffect">
+                                  <p:stCondLst>
+                                    <p:cond delay="0"/>
+                                  </p:stCondLst>
+                                  <p:childTnLst>
+                                    <p:set>
+                                      <p:cBhvr>
+                                        <p:cTn id="21" dur="1" fill="hold">
+                                          <p:stCondLst>
+                                            <p:cond delay="0"/>
+                                          </p:stCondLst>
+                                        </p:cTn>
+                                        <p:tgtEl>
+                                          <p:spTgt spid="3">
+                                            <p:txEl>
+                                              <p:pRg st="6" end="6"/>
+                                            </p:txEl>
+                                          </p:spTgt>
+                                        </p:tgtEl>
+                                        <p:attrNameLst>
+                                          <p:attrName>style.visibility</p:attrName>
+                                        </p:attrNameLst>
+                                      </p:cBhvr>
+                                      <p:to>
+                                        <p:strVal val="visible"/>
+                                      </p:to>
+                                    </p:set>
+                                    <p:animEffect transition="in" filter="blinds(horizontal)">
+                                      <p:cBhvr>
+                                        <p:cTn id="22" dur="500"/>
+                                        <p:tgtEl>
+                                          <p:spTgt spid="3">
+                                            <p:txEl>
+                                              <p:pRg st="6" end="6"/>
+                                            </p:txEl>
+                                          </p:spTgt>
+                                        </p:tgtEl>
+                                      </p:cBhvr>
+                                    </p:animEffect>
+                                  </p:childTnLst>
+                                </p:cTn>
+                              </p:par>
+                            </p:childTnLst>
+                          </p:cTn>
+                        </p:par>
+                      </p:childTnLst>
+                    </p:cTn>
+                  </p:par>
+                  <p:par>
+                    <p:cTn id="23" fill="hold">
+                      <p:stCondLst>
+                        <p:cond delay="indefinite"/>
+                      </p:stCondLst>
+                      <p:childTnLst>
+                        <p:par>
+                          <p:cTn id="24" fill="hold">
+                            <p:stCondLst>
+                              <p:cond delay="0"/>
+                            </p:stCondLst>
+                            <p:childTnLst>
+                              <p:par>
+                                <p:cTn id="25" presetID="3" presetClass="entr" presetSubtype="10" fill="hold" grpId="0" nodeType="clickEffect">
+                                  <p:stCondLst>
+                                    <p:cond delay="0"/>
+                                  </p:stCondLst>
+                                  <p:childTnLst>
+                                    <p:set>
+                                      <p:cBhvr>
+                                        <p:cTn id="26" dur="1" fill="hold">
+                                          <p:stCondLst>
+                                            <p:cond delay="0"/>
+                                          </p:stCondLst>
+                                        </p:cTn>
+                                        <p:tgtEl>
+                                          <p:spTgt spid="3">
+                                            <p:txEl>
+                                              <p:pRg st="8" end="8"/>
+                                            </p:txEl>
+                                          </p:spTgt>
+                                        </p:tgtEl>
+                                        <p:attrNameLst>
+                                          <p:attrName>style.visibility</p:attrName>
+                                        </p:attrNameLst>
+                                      </p:cBhvr>
+                                      <p:to>
+                                        <p:strVal val="visible"/>
+                                      </p:to>
+                                    </p:set>
+                                    <p:animEffect transition="in" filter="blinds(horizontal)">
+                                      <p:cBhvr>
+                                        <p:cTn id="27" dur="500"/>
+                                        <p:tgtEl>
+                                          <p:spTgt spid="3">
+                                            <p:txEl>
+                                              <p:pRg st="8" end="8"/>
+                                            </p:txEl>
+                                          </p:spTgt>
+                                        </p:tgtEl>
+                                      </p:cBhvr>
+                                    </p:animEffect>
+                                  </p:childTnLst>
+                                </p:cTn>
+                              </p:par>
+                            </p:childTnLst>
+                          </p:cTn>
+                        </p:par>
+                      </p:childTnLst>
+                    </p:cTn>
+                  </p:par>
+                  <p:par>
+                    <p:cTn id="28" fill="hold">
+                      <p:stCondLst>
+                        <p:cond delay="indefinite"/>
+                      </p:stCondLst>
+                      <p:childTnLst>
+                        <p:par>
+                          <p:cTn id="29" fill="hold">
+                            <p:stCondLst>
+                              <p:cond delay="0"/>
+                            </p:stCondLst>
+                            <p:childTnLst>
+                              <p:par>
+                                <p:cTn id="30" presetID="3" presetClass="entr" presetSubtype="10" fill="hold" grpId="0" nodeType="clickEffect">
+                                  <p:stCondLst>
+                                    <p:cond delay="0"/>
+                                  </p:stCondLst>
+                                  <p:childTnLst>
+                                    <p:set>
+                                      <p:cBhvr>
+                                        <p:cTn id="31" dur="1" fill="hold">
+                                          <p:stCondLst>
+                                            <p:cond delay="0"/>
+                                          </p:stCondLst>
+                                        </p:cTn>
+                                        <p:tgtEl>
+                                          <p:spTgt spid="3">
+                                            <p:txEl>
+                                              <p:pRg st="10" end="10"/>
+                                            </p:txEl>
+                                          </p:spTgt>
+                                        </p:tgtEl>
+                                        <p:attrNameLst>
+                                          <p:attrName>style.visibility</p:attrName>
+                                        </p:attrNameLst>
+                                      </p:cBhvr>
+                                      <p:to>
+                                        <p:strVal val="visible"/>
+                                      </p:to>
+                                    </p:set>
+                                    <p:animEffect transition="in" filter="blinds(horizontal)">
+                                      <p:cBhvr>
+                                        <p:cTn id="32" dur="500"/>
+                                        <p:tgtEl>
+                                          <p:spTgt spid="3">
+                                            <p:txEl>
+                                              <p:pRg st="10" end="10"/>
+                                            </p:txEl>
+                                          </p:spTgt>
+                                        </p:tgtEl>
+                                      </p:cBhvr>
+                                    </p:animEffect>
+                                  </p:childTnLst>
+                                </p:cTn>
+                              </p:par>
+                            </p:childTnLst>
+                          </p:cTn>
+                        </p:par>
+                      </p:childTnLst>
+                    </p:cTn>
+                  </p:par>
+                  <p:par>
+                    <p:cTn id="33" fill="hold">
+                      <p:stCondLst>
+                        <p:cond delay="indefinite"/>
+                      </p:stCondLst>
+                      <p:childTnLst>
+                        <p:par>
+                          <p:cTn id="34" fill="hold">
+                            <p:stCondLst>
+                              <p:cond delay="0"/>
+                            </p:stCondLst>
+                            <p:childTnLst>
+                              <p:par>
+                                <p:cTn id="35" presetID="3" presetClass="entr" presetSubtype="10" fill="hold" grpId="0" nodeType="clickEffect">
+                                  <p:stCondLst>
+                                    <p:cond delay="0"/>
+                                  </p:stCondLst>
+                                  <p:childTnLst>
+                                    <p:set>
+                                      <p:cBhvr>
+                                        <p:cTn id="36" dur="1" fill="hold">
+                                          <p:stCondLst>
+                                            <p:cond delay="0"/>
+                                          </p:stCondLst>
+                                        </p:cTn>
+                                        <p:tgtEl>
+                                          <p:spTgt spid="3">
+                                            <p:txEl>
+                                              <p:pRg st="11" end="11"/>
+                                            </p:txEl>
+                                          </p:spTgt>
+                                        </p:tgtEl>
+                                        <p:attrNameLst>
+                                          <p:attrName>style.visibility</p:attrName>
+                                        </p:attrNameLst>
+                                      </p:cBhvr>
+                                      <p:to>
+                                        <p:strVal val="visible"/>
+                                      </p:to>
+                                    </p:set>
+                                    <p:animEffect transition="in" filter="blinds(horizontal)">
+                                      <p:cBhvr>
+                                        <p:cTn id="37" dur="500"/>
+                                        <p:tgtEl>
+                                          <p:spTgt spid="3">
+                                            <p:txEl>
+                                              <p:pRg st="11" end="11"/>
+                                            </p:txEl>
+                                          </p:spTgt>
                                         </p:tgtEl>
                                       </p:cBhvr>
                                     </p:animEffect>
@@ -12974,28 +14832,10 @@
           <a:p>
             <a:pPr algn="l"/>
             <a:r>
-              <a:rPr lang="en-US" b="1">
-                <a:sym typeface="+mn-ea"/>
-              </a:rPr>
-              <a:t>Cookie</a:t>
-            </a:r>
-            <a:r>
               <a:rPr lang="zh-CN" altLang="en-US" b="1">
                 <a:sym typeface="+mn-ea"/>
               </a:rPr>
-              <a:t>扩展：</a:t>
-            </a:r>
-            <a:r>
-              <a:rPr lang="en-US" altLang="zh-CN" b="1">
-                <a:sym typeface="+mn-ea"/>
-              </a:rPr>
-              <a:t>CSRF</a:t>
-            </a:r>
-            <a:r>
-              <a:rPr lang="zh-CN" altLang="en-US" b="1">
-                <a:sym typeface="+mn-ea"/>
-              </a:rPr>
-              <a:t>攻击</a:t>
+              <a:t>分布式事务</a:t>
             </a:r>
             <a:endParaRPr lang="zh-CN" altLang="en-US" b="1">
               <a:sym typeface="+mn-ea"/>
@@ -13028,22 +14868,10 @@
               <a:buNone/>
             </a:pPr>
             <a:r>
-              <a:rPr lang="en-US" altLang="zh-CN" sz="2000"/>
-              <a:t>2. </a:t>
-            </a:r>
-            <a:r>
               <a:rPr lang="zh-CN" altLang="en-US" sz="2000"/>
-              <a:t>如何防止</a:t>
-            </a:r>
-            <a:r>
-              <a:rPr lang="en-US" altLang="zh-CN" sz="2000"/>
-              <a:t>CSRF</a:t>
-            </a:r>
-            <a:r>
-              <a:rPr lang="zh-CN" altLang="en-US" sz="2000"/>
-              <a:t>攻击</a:t>
-            </a:r>
-            <a:endParaRPr lang="en-US" altLang="zh-CN" sz="2000"/>
+              <a:t>补充：</a:t>
+            </a:r>
+            <a:endParaRPr lang="zh-CN" altLang="en-US" sz="2000"/>
           </a:p>
           <a:p>
             <a:pPr marL="0" indent="0">
@@ -13051,99 +14879,9 @@
             </a:pPr>
             <a:r>
               <a:rPr lang="en-US" altLang="zh-CN" sz="2000"/>
-              <a:t>         CSRF攻击是源于Web的隐式身份验证机制！Web的身份验证机制虽然可以保证一个请求是来自于某个用户的浏览器，但却无法保证该请求是用户批准发送的。</a:t>
+              <a:t>         </a:t>
             </a:r>
             <a:endParaRPr lang="en-US" altLang="zh-CN" sz="2000"/>
-          </a:p>
-          <a:p>
-            <a:pPr marL="457200" indent="-457200">
-              <a:buFont typeface="+mj-ea"/>
-              <a:buAutoNum type="circleNumDbPlain"/>
-            </a:pPr>
-            <a:r>
-              <a:rPr lang="zh-CN" altLang="en-US" sz="2000">
-                <a:sym typeface="+mn-ea"/>
-              </a:rPr>
-              <a:t>验证码交互：强制用户必须与应用进行交互，才能完成最终请求。但是出于用户体验考虑，网站不能给所有的操作都加上验证码。因此验证码只能作为一种辅助手段，不能作为主要解决方案。</a:t>
-            </a:r>
-            <a:endParaRPr lang="zh-CN" altLang="en-US" sz="2000"/>
-          </a:p>
-          <a:p>
-            <a:pPr marL="457200" indent="-457200">
-              <a:buFont typeface="+mj-ea"/>
-              <a:buAutoNum type="circleNumDbPlain"/>
-            </a:pPr>
-            <a:r>
-              <a:rPr lang="zh-CN" altLang="en-US" sz="2000">
-                <a:sym typeface="+mn-ea"/>
-              </a:rPr>
-              <a:t>校验HTTP Referer字段（常用）：Referer Check在Web最常见的应用就是"防止图片盗链"。同理，Referer Check也可以被用于检查请求是否来自合法的"源"（Referer值是否是指定页面，或者网站的域），如果都不是，那么就极可能是CSRF攻击。</a:t>
-            </a:r>
-            <a:endParaRPr lang="zh-CN" altLang="en-US" sz="2000"/>
-          </a:p>
-          <a:p>
-            <a:pPr marL="457200" indent="-457200">
-              <a:buFont typeface="+mj-ea"/>
-              <a:buAutoNum type="circleNumDbPlain"/>
-            </a:pPr>
-            <a:r>
-              <a:rPr lang="zh-CN" altLang="en-US" sz="2000"/>
-              <a:t>Anti CSRF Token（常用）：在用户请求后生成并下发一个</a:t>
-            </a:r>
-            <a:r>
-              <a:rPr lang="en-US" altLang="zh-CN" sz="2000"/>
-              <a:t>Token</a:t>
-            </a:r>
-            <a:r>
-              <a:rPr lang="zh-CN" altLang="en-US" sz="2000"/>
-              <a:t>串，在后续的请求中将</a:t>
-            </a:r>
-            <a:r>
-              <a:rPr lang="en-US" altLang="zh-CN" sz="2000"/>
-              <a:t>Token</a:t>
-            </a:r>
-            <a:r>
-              <a:rPr lang="zh-CN" altLang="en-US" sz="2000"/>
-              <a:t>串放在请求头或请求参数中传递到服务器，由服务器验证此</a:t>
-            </a:r>
-            <a:r>
-              <a:rPr lang="en-US" altLang="zh-CN" sz="2000"/>
-              <a:t>Token</a:t>
-            </a:r>
-            <a:r>
-              <a:rPr lang="zh-CN" altLang="en-US" sz="2000"/>
-              <a:t>是否属于当前用户。</a:t>
-            </a:r>
-            <a:endParaRPr lang="zh-CN" altLang="en-US" sz="2000"/>
-          </a:p>
-          <a:p>
-            <a:pPr marL="0" indent="0">
-              <a:buFont typeface="+mj-ea"/>
-              <a:buNone/>
-            </a:pPr>
-            <a:endParaRPr lang="zh-CN" altLang="en-US" sz="2000"/>
-          </a:p>
-          <a:p>
-            <a:pPr marL="0" indent="0">
-              <a:buFont typeface="+mj-ea"/>
-              <a:buNone/>
-            </a:pPr>
-            <a:r>
-              <a:rPr lang="zh-CN" altLang="en-US" sz="2000"/>
-              <a:t>注意： </a:t>
-            </a:r>
-            <a:endParaRPr lang="zh-CN" altLang="en-US" sz="2000"/>
-          </a:p>
-          <a:p>
-            <a:pPr marL="0" indent="0">
-              <a:buFont typeface="+mj-ea"/>
-              <a:buNone/>
-            </a:pPr>
-            <a:r>
-              <a:rPr lang="zh-CN" altLang="en-US" sz="2000"/>
-              <a:t>         CSRF的Token仅仅用于对抗CSRF攻击。当网站同时存在XSS漏洞（跨站脚本攻击）时候，那这个方案也是空谈。所以XSS带来的问题，应该使用XSS的防御方案予以解决。</a:t>
-            </a:r>
-            <a:endParaRPr lang="zh-CN" altLang="en-US" sz="2000"/>
           </a:p>
         </p:txBody>
       </p:sp>
@@ -13268,311 +15006,6 @@
                                           <p:spTgt spid="3">
                                             <p:txEl>
                                               <p:pRg st="1" end="1"/>
-                                            </p:txEl>
-                                          </p:spTgt>
-                                        </p:tgtEl>
-                                      </p:cBhvr>
-                                    </p:animEffect>
-                                  </p:childTnLst>
-                                </p:cTn>
-                              </p:par>
-                            </p:childTnLst>
-                          </p:cTn>
-                        </p:par>
-                      </p:childTnLst>
-                    </p:cTn>
-                  </p:par>
-                  <p:par>
-                    <p:cTn id="13" fill="hold">
-                      <p:stCondLst>
-                        <p:cond delay="indefinite"/>
-                      </p:stCondLst>
-                      <p:childTnLst>
-                        <p:par>
-                          <p:cTn id="14" fill="hold">
-                            <p:stCondLst>
-                              <p:cond delay="0"/>
-                            </p:stCondLst>
-                            <p:childTnLst>
-                              <p:par>
-                                <p:cTn id="15" presetID="3" presetClass="entr" presetSubtype="10" fill="hold" grpId="0" nodeType="clickEffect">
-                                  <p:stCondLst>
-                                    <p:cond delay="0"/>
-                                  </p:stCondLst>
-                                  <p:childTnLst>
-                                    <p:set>
-                                      <p:cBhvr>
-                                        <p:cTn id="16" dur="1" fill="hold">
-                                          <p:stCondLst>
-                                            <p:cond delay="0"/>
-                                          </p:stCondLst>
-                                        </p:cTn>
-                                        <p:tgtEl>
-                                          <p:spTgt spid="3">
-                                            <p:txEl>
-                                              <p:pRg st="2" end="2"/>
-                                            </p:txEl>
-                                          </p:spTgt>
-                                        </p:tgtEl>
-                                        <p:attrNameLst>
-                                          <p:attrName>style.visibility</p:attrName>
-                                        </p:attrNameLst>
-                                      </p:cBhvr>
-                                      <p:to>
-                                        <p:strVal val="visible"/>
-                                      </p:to>
-                                    </p:set>
-                                    <p:animEffect transition="in" filter="blinds(horizontal)">
-                                      <p:cBhvr>
-                                        <p:cTn id="17" dur="500"/>
-                                        <p:tgtEl>
-                                          <p:spTgt spid="3">
-                                            <p:txEl>
-                                              <p:pRg st="2" end="2"/>
-                                            </p:txEl>
-                                          </p:spTgt>
-                                        </p:tgtEl>
-                                      </p:cBhvr>
-                                    </p:animEffect>
-                                  </p:childTnLst>
-                                </p:cTn>
-                              </p:par>
-                            </p:childTnLst>
-                          </p:cTn>
-                        </p:par>
-                      </p:childTnLst>
-                    </p:cTn>
-                  </p:par>
-                  <p:par>
-                    <p:cTn id="18" fill="hold">
-                      <p:stCondLst>
-                        <p:cond delay="indefinite"/>
-                      </p:stCondLst>
-                      <p:childTnLst>
-                        <p:par>
-                          <p:cTn id="19" fill="hold">
-                            <p:stCondLst>
-                              <p:cond delay="0"/>
-                            </p:stCondLst>
-                            <p:childTnLst>
-                              <p:par>
-                                <p:cTn id="20" presetID="3" presetClass="entr" presetSubtype="10" fill="hold" grpId="0" nodeType="clickEffect">
-                                  <p:stCondLst>
-                                    <p:cond delay="0"/>
-                                  </p:stCondLst>
-                                  <p:childTnLst>
-                                    <p:set>
-                                      <p:cBhvr>
-                                        <p:cTn id="21" dur="1" fill="hold">
-                                          <p:stCondLst>
-                                            <p:cond delay="0"/>
-                                          </p:stCondLst>
-                                        </p:cTn>
-                                        <p:tgtEl>
-                                          <p:spTgt spid="3">
-                                            <p:txEl>
-                                              <p:pRg st="3" end="3"/>
-                                            </p:txEl>
-                                          </p:spTgt>
-                                        </p:tgtEl>
-                                        <p:attrNameLst>
-                                          <p:attrName>style.visibility</p:attrName>
-                                        </p:attrNameLst>
-                                      </p:cBhvr>
-                                      <p:to>
-                                        <p:strVal val="visible"/>
-                                      </p:to>
-                                    </p:set>
-                                    <p:animEffect transition="in" filter="blinds(horizontal)">
-                                      <p:cBhvr>
-                                        <p:cTn id="22" dur="500"/>
-                                        <p:tgtEl>
-                                          <p:spTgt spid="3">
-                                            <p:txEl>
-                                              <p:pRg st="3" end="3"/>
-                                            </p:txEl>
-                                          </p:spTgt>
-                                        </p:tgtEl>
-                                      </p:cBhvr>
-                                    </p:animEffect>
-                                  </p:childTnLst>
-                                </p:cTn>
-                              </p:par>
-                            </p:childTnLst>
-                          </p:cTn>
-                        </p:par>
-                      </p:childTnLst>
-                    </p:cTn>
-                  </p:par>
-                  <p:par>
-                    <p:cTn id="23" fill="hold">
-                      <p:stCondLst>
-                        <p:cond delay="indefinite"/>
-                      </p:stCondLst>
-                      <p:childTnLst>
-                        <p:par>
-                          <p:cTn id="24" fill="hold">
-                            <p:stCondLst>
-                              <p:cond delay="0"/>
-                            </p:stCondLst>
-                            <p:childTnLst>
-                              <p:par>
-                                <p:cTn id="25" presetID="3" presetClass="entr" presetSubtype="10" fill="hold" grpId="0" nodeType="clickEffect">
-                                  <p:stCondLst>
-                                    <p:cond delay="0"/>
-                                  </p:stCondLst>
-                                  <p:childTnLst>
-                                    <p:set>
-                                      <p:cBhvr>
-                                        <p:cTn id="26" dur="1" fill="hold">
-                                          <p:stCondLst>
-                                            <p:cond delay="0"/>
-                                          </p:stCondLst>
-                                        </p:cTn>
-                                        <p:tgtEl>
-                                          <p:spTgt spid="3">
-                                            <p:txEl>
-                                              <p:pRg st="4" end="4"/>
-                                            </p:txEl>
-                                          </p:spTgt>
-                                        </p:tgtEl>
-                                        <p:attrNameLst>
-                                          <p:attrName>style.visibility</p:attrName>
-                                        </p:attrNameLst>
-                                      </p:cBhvr>
-                                      <p:to>
-                                        <p:strVal val="visible"/>
-                                      </p:to>
-                                    </p:set>
-                                    <p:animEffect transition="in" filter="blinds(horizontal)">
-                                      <p:cBhvr>
-                                        <p:cTn id="27" dur="500"/>
-                                        <p:tgtEl>
-                                          <p:spTgt spid="3">
-                                            <p:txEl>
-                                              <p:pRg st="4" end="4"/>
-                                            </p:txEl>
-                                          </p:spTgt>
-                                        </p:tgtEl>
-                                      </p:cBhvr>
-                                    </p:animEffect>
-                                  </p:childTnLst>
-                                </p:cTn>
-                              </p:par>
-                            </p:childTnLst>
-                          </p:cTn>
-                        </p:par>
-                      </p:childTnLst>
-                    </p:cTn>
-                  </p:par>
-                  <p:par>
-                    <p:cTn id="28" fill="hold">
-                      <p:stCondLst>
-                        <p:cond delay="indefinite"/>
-                      </p:stCondLst>
-                      <p:childTnLst>
-                        <p:par>
-                          <p:cTn id="29" fill="hold">
-                            <p:stCondLst>
-                              <p:cond delay="0"/>
-                            </p:stCondLst>
-                            <p:childTnLst>
-                              <p:par>
-                                <p:cTn id="30" presetID="3" presetClass="entr" presetSubtype="10" fill="hold" grpId="0" nodeType="clickEffect">
-                                  <p:stCondLst>
-                                    <p:cond delay="0"/>
-                                  </p:stCondLst>
-                                  <p:childTnLst>
-                                    <p:set>
-                                      <p:cBhvr>
-                                        <p:cTn id="31" dur="1" fill="hold">
-                                          <p:stCondLst>
-                                            <p:cond delay="0"/>
-                                          </p:stCondLst>
-                                        </p:cTn>
-                                        <p:tgtEl>
-                                          <p:spTgt spid="3">
-                                            <p:txEl>
-                                              <p:pRg st="6" end="6"/>
-                                            </p:txEl>
-                                          </p:spTgt>
-                                        </p:tgtEl>
-                                        <p:attrNameLst>
-                                          <p:attrName>style.visibility</p:attrName>
-                                        </p:attrNameLst>
-                                      </p:cBhvr>
-                                      <p:to>
-                                        <p:strVal val="visible"/>
-                                      </p:to>
-                                    </p:set>
-                                    <p:animEffect transition="in" filter="blinds(horizontal)">
-                                      <p:cBhvr>
-                                        <p:cTn id="32" dur="500"/>
-                                        <p:tgtEl>
-                                          <p:spTgt spid="3">
-                                            <p:txEl>
-                                              <p:pRg st="6" end="6"/>
-                                            </p:txEl>
-                                          </p:spTgt>
-                                        </p:tgtEl>
-                                      </p:cBhvr>
-                                    </p:animEffect>
-                                  </p:childTnLst>
-                                </p:cTn>
-                              </p:par>
-                            </p:childTnLst>
-                          </p:cTn>
-                        </p:par>
-                      </p:childTnLst>
-                    </p:cTn>
-                  </p:par>
-                  <p:par>
-                    <p:cTn id="33" fill="hold">
-                      <p:stCondLst>
-                        <p:cond delay="indefinite"/>
-                      </p:stCondLst>
-                      <p:childTnLst>
-                        <p:par>
-                          <p:cTn id="34" fill="hold">
-                            <p:stCondLst>
-                              <p:cond delay="0"/>
-                            </p:stCondLst>
-                            <p:childTnLst>
-                              <p:par>
-                                <p:cTn id="35" presetID="3" presetClass="entr" presetSubtype="10" fill="hold" grpId="0" nodeType="clickEffect">
-                                  <p:stCondLst>
-                                    <p:cond delay="0"/>
-                                  </p:stCondLst>
-                                  <p:childTnLst>
-                                    <p:set>
-                                      <p:cBhvr>
-                                        <p:cTn id="36" dur="1" fill="hold">
-                                          <p:stCondLst>
-                                            <p:cond delay="0"/>
-                                          </p:stCondLst>
-                                        </p:cTn>
-                                        <p:tgtEl>
-                                          <p:spTgt spid="3">
-                                            <p:txEl>
-                                              <p:pRg st="7" end="7"/>
-                                            </p:txEl>
-                                          </p:spTgt>
-                                        </p:tgtEl>
-                                        <p:attrNameLst>
-                                          <p:attrName>style.visibility</p:attrName>
-                                        </p:attrNameLst>
-                                      </p:cBhvr>
-                                      <p:to>
-                                        <p:strVal val="visible"/>
-                                      </p:to>
-                                    </p:set>
-                                    <p:animEffect transition="in" filter="blinds(horizontal)">
-                                      <p:cBhvr>
-                                        <p:cTn id="37" dur="500"/>
-                                        <p:tgtEl>
-                                          <p:spTgt spid="3">
-                                            <p:txEl>
-                                              <p:pRg st="7" end="7"/>
                                             </p:txEl>
                                           </p:spTgt>
                                         </p:tgtEl>

--- a/我的.pptx
+++ b/我的.pptx
@@ -8,7 +8,7 @@
     <p:notesMasterId r:id="rId4"/>
   </p:notesMasterIdLst>
   <p:handoutMasterIdLst>
-    <p:handoutMasterId r:id="rId36"/>
+    <p:handoutMasterId r:id="rId40"/>
   </p:handoutMasterIdLst>
   <p:sldIdLst>
     <p:sldId id="256" r:id="rId3"/>
@@ -34,15 +34,19 @@
     <p:sldId id="1665" r:id="rId24"/>
     <p:sldId id="1666" r:id="rId25"/>
     <p:sldId id="1667" r:id="rId26"/>
-    <p:sldId id="1668" r:id="rId27"/>
-    <p:sldId id="1638" r:id="rId28"/>
-    <p:sldId id="1640" r:id="rId29"/>
-    <p:sldId id="1639" r:id="rId30"/>
-    <p:sldId id="1642" r:id="rId31"/>
-    <p:sldId id="1643" r:id="rId32"/>
-    <p:sldId id="1644" r:id="rId33"/>
-    <p:sldId id="1645" r:id="rId34"/>
-    <p:sldId id="1646" r:id="rId35"/>
+    <p:sldId id="1685" r:id="rId27"/>
+    <p:sldId id="1668" r:id="rId28"/>
+    <p:sldId id="1680" r:id="rId29"/>
+    <p:sldId id="1681" r:id="rId30"/>
+    <p:sldId id="1682" r:id="rId31"/>
+    <p:sldId id="1683" r:id="rId32"/>
+    <p:sldId id="1640" r:id="rId33"/>
+    <p:sldId id="1684" r:id="rId34"/>
+    <p:sldId id="1642" r:id="rId35"/>
+    <p:sldId id="1643" r:id="rId36"/>
+    <p:sldId id="1644" r:id="rId37"/>
+    <p:sldId id="1645" r:id="rId38"/>
+    <p:sldId id="1646" r:id="rId39"/>
   </p:sldIdLst>
   <p:sldSz cx="9144000" cy="6858000" type="screen4x3"/>
   <p:notesSz cx="6858000" cy="9144000"/>
@@ -52,7 +56,7 @@
     </p:custShow>
   </p:custShowLst>
   <p:custDataLst>
-    <p:tags r:id="rId41"/>
+    <p:tags r:id="rId45"/>
   </p:custDataLst>
   <p:defaultTextStyle>
     <a:defPPr>
@@ -156,15 +160,6 @@
 <p:cmAuthorLst xmlns:a="http://schemas.openxmlformats.org/drawingml/2006/main" xmlns:r="http://schemas.openxmlformats.org/officeDocument/2006/relationships" xmlns:p="http://schemas.openxmlformats.org/presentationml/2006/main">
   <p:cmAuthor id="1" name="Administrator" initials="A" lastIdx="2" clrIdx="0"/>
 </p:cmAuthorLst>
-</file>
-
-<file path=ppt/comments/comment1.xml><?xml version="1.0" encoding="utf-8"?>
-<p:cmLst xmlns:a="http://schemas.openxmlformats.org/drawingml/2006/main" xmlns:r="http://schemas.openxmlformats.org/officeDocument/2006/relationships" xmlns:p="http://schemas.openxmlformats.org/presentationml/2006/main">
-  <p:cm authorId="1" dt="2020-11-22T22:18:54.366" idx="1">
-    <p:pos x="10" y="10"/>
-    <p:text/>
-  </p:cm>
-</p:cmLst>
 </file>
 
 <file path=ppt/handoutMasters/handoutMaster1.xml><?xml version="1.0" encoding="utf-8"?>
@@ -2288,6 +2283,270 @@
 </file>
 
 <file path=ppt/notesSlides/notesSlide31.xml><?xml version="1.0" encoding="utf-8"?>
+<p:notes xmlns:a="http://schemas.openxmlformats.org/drawingml/2006/main" xmlns:r="http://schemas.openxmlformats.org/officeDocument/2006/relationships" xmlns:p="http://schemas.openxmlformats.org/presentationml/2006/main">
+  <p:cSld>
+    <p:spTree>
+      <p:nvGrpSpPr>
+        <p:cNvPr id="1" name=""/>
+        <p:cNvGrpSpPr/>
+        <p:nvPr/>
+      </p:nvGrpSpPr>
+      <p:grpSpPr/>
+      <p:sp>
+        <p:nvSpPr>
+          <p:cNvPr id="2" name="幻灯片图像占位符 1"/>
+          <p:cNvSpPr/>
+          <p:nvPr>
+            <p:ph type="sldImg" idx="2"/>
+          </p:nvPr>
+        </p:nvSpPr>
+        <p:spPr/>
+      </p:sp>
+      <p:sp>
+        <p:nvSpPr>
+          <p:cNvPr id="3" name="文本占位符 2"/>
+          <p:cNvSpPr/>
+          <p:nvPr>
+            <p:ph type="body" idx="3"/>
+          </p:nvPr>
+        </p:nvSpPr>
+        <p:spPr/>
+        <p:txBody>
+          <a:bodyPr/>
+          <a:p>
+            <a:endParaRPr lang="zh-CN" altLang="en-US"/>
+          </a:p>
+        </p:txBody>
+      </p:sp>
+      <p:sp>
+        <p:nvSpPr>
+          <p:cNvPr id="4" name="页眉占位符 3"/>
+          <p:cNvSpPr>
+            <a:spLocks noGrp="1"/>
+          </p:cNvSpPr>
+          <p:nvPr>
+            <p:ph type="hdr" sz="quarter"/>
+          </p:nvPr>
+        </p:nvSpPr>
+        <p:spPr/>
+        <p:txBody>
+          <a:bodyPr/>
+          <a:p>
+            <a:r>
+              <a:rPr lang="zh-CN" altLang="en-US" smtClean="0"/>
+              <a:t>易居尚</a:t>
+            </a:r>
+            <a:endParaRPr lang="zh-CN" altLang="en-US"/>
+          </a:p>
+        </p:txBody>
+      </p:sp>
+    </p:spTree>
+  </p:cSld>
+  <p:clrMapOvr>
+    <a:masterClrMapping/>
+  </p:clrMapOvr>
+</p:notes>
+</file>
+
+<file path=ppt/notesSlides/notesSlide32.xml><?xml version="1.0" encoding="utf-8"?>
+<p:notes xmlns:a="http://schemas.openxmlformats.org/drawingml/2006/main" xmlns:r="http://schemas.openxmlformats.org/officeDocument/2006/relationships" xmlns:p="http://schemas.openxmlformats.org/presentationml/2006/main">
+  <p:cSld>
+    <p:spTree>
+      <p:nvGrpSpPr>
+        <p:cNvPr id="1" name=""/>
+        <p:cNvGrpSpPr/>
+        <p:nvPr/>
+      </p:nvGrpSpPr>
+      <p:grpSpPr/>
+      <p:sp>
+        <p:nvSpPr>
+          <p:cNvPr id="2" name="幻灯片图像占位符 1"/>
+          <p:cNvSpPr/>
+          <p:nvPr>
+            <p:ph type="sldImg" idx="2"/>
+          </p:nvPr>
+        </p:nvSpPr>
+        <p:spPr/>
+      </p:sp>
+      <p:sp>
+        <p:nvSpPr>
+          <p:cNvPr id="3" name="文本占位符 2"/>
+          <p:cNvSpPr/>
+          <p:nvPr>
+            <p:ph type="body" idx="3"/>
+          </p:nvPr>
+        </p:nvSpPr>
+        <p:spPr/>
+        <p:txBody>
+          <a:bodyPr/>
+          <a:p>
+            <a:endParaRPr lang="zh-CN" altLang="en-US"/>
+          </a:p>
+        </p:txBody>
+      </p:sp>
+      <p:sp>
+        <p:nvSpPr>
+          <p:cNvPr id="4" name="页眉占位符 3"/>
+          <p:cNvSpPr>
+            <a:spLocks noGrp="1"/>
+          </p:cNvSpPr>
+          <p:nvPr>
+            <p:ph type="hdr" sz="quarter"/>
+          </p:nvPr>
+        </p:nvSpPr>
+        <p:spPr/>
+        <p:txBody>
+          <a:bodyPr/>
+          <a:p>
+            <a:r>
+              <a:rPr lang="zh-CN" altLang="en-US" smtClean="0"/>
+              <a:t>易居尚</a:t>
+            </a:r>
+            <a:endParaRPr lang="zh-CN" altLang="en-US"/>
+          </a:p>
+        </p:txBody>
+      </p:sp>
+    </p:spTree>
+  </p:cSld>
+  <p:clrMapOvr>
+    <a:masterClrMapping/>
+  </p:clrMapOvr>
+</p:notes>
+</file>
+
+<file path=ppt/notesSlides/notesSlide33.xml><?xml version="1.0" encoding="utf-8"?>
+<p:notes xmlns:a="http://schemas.openxmlformats.org/drawingml/2006/main" xmlns:r="http://schemas.openxmlformats.org/officeDocument/2006/relationships" xmlns:p="http://schemas.openxmlformats.org/presentationml/2006/main">
+  <p:cSld>
+    <p:spTree>
+      <p:nvGrpSpPr>
+        <p:cNvPr id="1" name=""/>
+        <p:cNvGrpSpPr/>
+        <p:nvPr/>
+      </p:nvGrpSpPr>
+      <p:grpSpPr/>
+      <p:sp>
+        <p:nvSpPr>
+          <p:cNvPr id="2" name="幻灯片图像占位符 1"/>
+          <p:cNvSpPr/>
+          <p:nvPr>
+            <p:ph type="sldImg" idx="2"/>
+          </p:nvPr>
+        </p:nvSpPr>
+        <p:spPr/>
+      </p:sp>
+      <p:sp>
+        <p:nvSpPr>
+          <p:cNvPr id="3" name="文本占位符 2"/>
+          <p:cNvSpPr/>
+          <p:nvPr>
+            <p:ph type="body" idx="3"/>
+          </p:nvPr>
+        </p:nvSpPr>
+        <p:spPr/>
+        <p:txBody>
+          <a:bodyPr/>
+          <a:p>
+            <a:endParaRPr lang="zh-CN" altLang="en-US"/>
+          </a:p>
+        </p:txBody>
+      </p:sp>
+      <p:sp>
+        <p:nvSpPr>
+          <p:cNvPr id="4" name="页眉占位符 3"/>
+          <p:cNvSpPr>
+            <a:spLocks noGrp="1"/>
+          </p:cNvSpPr>
+          <p:nvPr>
+            <p:ph type="hdr" sz="quarter"/>
+          </p:nvPr>
+        </p:nvSpPr>
+        <p:spPr/>
+        <p:txBody>
+          <a:bodyPr/>
+          <a:p>
+            <a:r>
+              <a:rPr lang="zh-CN" altLang="en-US" smtClean="0"/>
+              <a:t>易居尚</a:t>
+            </a:r>
+            <a:endParaRPr lang="zh-CN" altLang="en-US"/>
+          </a:p>
+        </p:txBody>
+      </p:sp>
+    </p:spTree>
+  </p:cSld>
+  <p:clrMapOvr>
+    <a:masterClrMapping/>
+  </p:clrMapOvr>
+</p:notes>
+</file>
+
+<file path=ppt/notesSlides/notesSlide34.xml><?xml version="1.0" encoding="utf-8"?>
+<p:notes xmlns:a="http://schemas.openxmlformats.org/drawingml/2006/main" xmlns:r="http://schemas.openxmlformats.org/officeDocument/2006/relationships" xmlns:p="http://schemas.openxmlformats.org/presentationml/2006/main">
+  <p:cSld>
+    <p:spTree>
+      <p:nvGrpSpPr>
+        <p:cNvPr id="1" name=""/>
+        <p:cNvGrpSpPr/>
+        <p:nvPr/>
+      </p:nvGrpSpPr>
+      <p:grpSpPr/>
+      <p:sp>
+        <p:nvSpPr>
+          <p:cNvPr id="2" name="幻灯片图像占位符 1"/>
+          <p:cNvSpPr/>
+          <p:nvPr>
+            <p:ph type="sldImg" idx="2"/>
+          </p:nvPr>
+        </p:nvSpPr>
+        <p:spPr/>
+      </p:sp>
+      <p:sp>
+        <p:nvSpPr>
+          <p:cNvPr id="3" name="文本占位符 2"/>
+          <p:cNvSpPr/>
+          <p:nvPr>
+            <p:ph type="body" idx="3"/>
+          </p:nvPr>
+        </p:nvSpPr>
+        <p:spPr/>
+        <p:txBody>
+          <a:bodyPr/>
+          <a:p>
+            <a:endParaRPr lang="zh-CN" altLang="en-US"/>
+          </a:p>
+        </p:txBody>
+      </p:sp>
+      <p:sp>
+        <p:nvSpPr>
+          <p:cNvPr id="4" name="页眉占位符 3"/>
+          <p:cNvSpPr>
+            <a:spLocks noGrp="1"/>
+          </p:cNvSpPr>
+          <p:nvPr>
+            <p:ph type="hdr" sz="quarter"/>
+          </p:nvPr>
+        </p:nvSpPr>
+        <p:spPr/>
+        <p:txBody>
+          <a:bodyPr/>
+          <a:p>
+            <a:r>
+              <a:rPr lang="zh-CN" altLang="en-US" smtClean="0"/>
+              <a:t>易居尚</a:t>
+            </a:r>
+            <a:endParaRPr lang="zh-CN" altLang="en-US"/>
+          </a:p>
+        </p:txBody>
+      </p:sp>
+    </p:spTree>
+  </p:cSld>
+  <p:clrMapOvr>
+    <a:masterClrMapping/>
+  </p:clrMapOvr>
+</p:notes>
+</file>
+
+<file path=ppt/notesSlides/notesSlide35.xml><?xml version="1.0" encoding="utf-8"?>
 <p:notes xmlns:a="http://schemas.openxmlformats.org/drawingml/2006/main" xmlns:r="http://schemas.openxmlformats.org/officeDocument/2006/relationships" xmlns:p="http://schemas.openxmlformats.org/presentationml/2006/main">
   <p:cSld>
     <p:spTree>
@@ -10359,6 +10618,18 @@
               <a:buNone/>
             </a:pPr>
             <a:r>
+              <a:rPr lang="en-US" altLang="zh-CN" sz="2000">
+                <a:sym typeface="+mn-ea"/>
+              </a:rPr>
+              <a:t>2</a:t>
+            </a:r>
+            <a:r>
+              <a:rPr lang="zh-CN" altLang="en-US" sz="2000">
+                <a:sym typeface="+mn-ea"/>
+              </a:rPr>
+              <a:t>、</a:t>
+            </a:r>
+            <a:r>
               <a:rPr lang="zh-CN" altLang="en-US" sz="2000">
                 <a:sym typeface="+mn-ea"/>
               </a:rPr>
@@ -11272,16 +11543,22 @@
               <a:buNone/>
             </a:pPr>
             <a:r>
-              <a:rPr lang="en-US" altLang="zh-CN" sz="2000">
-                <a:sym typeface="+mn-ea"/>
-              </a:rPr>
-              <a:t>2.</a:t>
-            </a:r>
-            <a:r>
               <a:rPr sz="2000">
                 <a:sym typeface="+mn-ea"/>
               </a:rPr>
-              <a:t>TCC ( Try、Confirm、Cancel )</a:t>
+              <a:t>TCC </a:t>
+            </a:r>
+            <a:r>
+              <a:rPr lang="zh-CN" sz="2000">
+                <a:sym typeface="+mn-ea"/>
+              </a:rPr>
+              <a:t>解决方案</a:t>
+            </a:r>
+            <a:r>
+              <a:rPr sz="2000">
+                <a:sym typeface="+mn-ea"/>
+              </a:rPr>
+              <a:t>( Try、Confirm、Cancel )</a:t>
             </a:r>
             <a:endParaRPr sz="2000">
               <a:sym typeface="+mn-ea"/>
@@ -13683,7 +13960,7 @@
               <a:rPr lang="zh-CN" altLang="en-US" sz="1800">
                 <a:sym typeface="+mn-ea"/>
               </a:rPr>
-              <a:t>           3、在数据库表中加一个状态字段（未处理，已处理），数据操作时判断未处理时再处理。</a:t>
+              <a:t>         3、在数据库表中加一个状态字段（未处理，已处理），数据操作时判断未处理时再处理。</a:t>
             </a:r>
             <a:endParaRPr lang="zh-CN" altLang="en-US" sz="1800">
               <a:sym typeface="+mn-ea"/>
@@ -14267,6 +14544,12 @@
               <a:buNone/>
             </a:pPr>
             <a:r>
+              <a:rPr lang="en-US" altLang="zh-CN" sz="1800" b="1">
+                <a:sym typeface="+mn-ea"/>
+              </a:rPr>
+              <a:t>TCC</a:t>
+            </a:r>
+            <a:r>
               <a:rPr lang="zh-CN" altLang="en-US" sz="1800" b="1">
                 <a:sym typeface="+mn-ea"/>
               </a:rPr>
@@ -14314,15 +14597,6 @@
               <a:buFont typeface="+mj-ea"/>
               <a:buNone/>
             </a:pPr>
-            <a:endParaRPr lang="zh-CN" altLang="en-US" sz="1800" b="1">
-              <a:sym typeface="+mn-ea"/>
-            </a:endParaRPr>
-          </a:p>
-          <a:p>
-            <a:pPr marL="0" indent="0">
-              <a:buFont typeface="+mj-ea"/>
-              <a:buNone/>
-            </a:pPr>
             <a:r>
               <a:rPr lang="zh-CN" altLang="en-US" sz="1800" b="1">
                 <a:sym typeface="+mn-ea"/>
@@ -14341,15 +14615,6 @@
               </a:rPr>
               <a:t>的操作：</a:t>
             </a:r>
-            <a:endParaRPr lang="zh-CN" altLang="en-US" sz="1800" b="1">
-              <a:sym typeface="+mn-ea"/>
-            </a:endParaRPr>
-          </a:p>
-          <a:p>
-            <a:pPr marL="0" indent="0">
-              <a:buFont typeface="+mj-ea"/>
-              <a:buNone/>
-            </a:pPr>
             <a:endParaRPr lang="zh-CN" altLang="en-US" sz="1800" b="1">
               <a:sym typeface="+mn-ea"/>
             </a:endParaRPr>
@@ -14435,8 +14700,8 @@
         </p:blipFill>
         <p:spPr>
           <a:xfrm>
-            <a:off x="563245" y="2124075"/>
-            <a:ext cx="2828925" cy="1000125"/>
+            <a:off x="2127885" y="1805305"/>
+            <a:ext cx="3042920" cy="920750"/>
           </a:xfrm>
           <a:prstGeom prst="rect">
             <a:avLst/>
@@ -14459,7 +14724,7 @@
         </p:blipFill>
         <p:spPr>
           <a:xfrm>
-            <a:off x="563245" y="3405505"/>
+            <a:off x="2196465" y="2880995"/>
             <a:ext cx="3200400" cy="696595"/>
           </a:xfrm>
           <a:prstGeom prst="rect">
@@ -14694,7 +14959,7 @@
                                         <p:tgtEl>
                                           <p:spTgt spid="3">
                                             <p:txEl>
-                                              <p:pRg st="6" end="6"/>
+                                              <p:pRg st="5" end="5"/>
                                             </p:txEl>
                                           </p:spTgt>
                                         </p:tgtEl>
@@ -14712,7 +14977,7 @@
                                         <p:tgtEl>
                                           <p:spTgt spid="3">
                                             <p:txEl>
-                                              <p:pRg st="6" end="6"/>
+                                              <p:pRg st="5" end="5"/>
                                             </p:txEl>
                                           </p:spTgt>
                                         </p:tgtEl>
@@ -14755,7 +15020,7 @@
                                         <p:tgtEl>
                                           <p:spTgt spid="3">
                                             <p:txEl>
-                                              <p:pRg st="9" end="9"/>
+                                              <p:pRg st="7" end="7"/>
                                             </p:txEl>
                                           </p:spTgt>
                                         </p:tgtEl>
@@ -14773,7 +15038,7 @@
                                         <p:tgtEl>
                                           <p:spTgt spid="3">
                                             <p:txEl>
-                                              <p:pRg st="9" end="9"/>
+                                              <p:pRg st="7" end="7"/>
                                             </p:txEl>
                                           </p:spTgt>
                                         </p:tgtEl>
@@ -14816,7 +15081,7 @@
                                         <p:tgtEl>
                                           <p:spTgt spid="3">
                                             <p:txEl>
-                                              <p:pRg st="10" end="10"/>
+                                              <p:pRg st="8" end="8"/>
                                             </p:txEl>
                                           </p:spTgt>
                                         </p:tgtEl>
@@ -14834,7 +15099,7 @@
                                         <p:tgtEl>
                                           <p:spTgt spid="3">
                                             <p:txEl>
-                                              <p:pRg st="10" end="10"/>
+                                              <p:pRg st="8" end="8"/>
                                             </p:txEl>
                                           </p:spTgt>
                                         </p:tgtEl>
@@ -14877,7 +15142,7 @@
                                         <p:tgtEl>
                                           <p:spTgt spid="3">
                                             <p:txEl>
-                                              <p:pRg st="11" end="11"/>
+                                              <p:pRg st="9" end="9"/>
                                             </p:txEl>
                                           </p:spTgt>
                                         </p:tgtEl>
@@ -14895,7 +15160,7 @@
                                         <p:tgtEl>
                                           <p:spTgt spid="3">
                                             <p:txEl>
-                                              <p:pRg st="11" end="11"/>
+                                              <p:pRg st="9" end="9"/>
                                             </p:txEl>
                                           </p:spTgt>
                                         </p:tgtEl>
@@ -15902,7 +16167,7 @@
         </p:nvSpPr>
         <p:spPr>
           <a:xfrm>
-            <a:off x="457200" y="1142365"/>
+            <a:off x="427355" y="1090930"/>
             <a:ext cx="8289290" cy="5627370"/>
           </a:xfrm>
         </p:spPr>
@@ -15922,6 +16187,12 @@
               <a:t>优化后的</a:t>
             </a:r>
             <a:r>
+              <a:rPr lang="en-US" altLang="zh-CN" sz="1800" b="1">
+                <a:sym typeface="+mn-ea"/>
+              </a:rPr>
+              <a:t>TCC</a:t>
+            </a:r>
+            <a:r>
               <a:rPr lang="zh-CN" altLang="en-US" sz="1800" b="1">
                 <a:sym typeface="+mn-ea"/>
               </a:rPr>
@@ -16077,30 +16348,6 @@
               <a:buFont typeface="+mj-ea"/>
               <a:buNone/>
             </a:pPr>
-            <a:endParaRPr lang="zh-CN" altLang="en-US" sz="1800" b="1">
-              <a:sym typeface="+mn-ea"/>
-            </a:endParaRPr>
-          </a:p>
-          <a:p>
-            <a:pPr marL="0" indent="0">
-              <a:buFont typeface="+mj-ea"/>
-              <a:buNone/>
-            </a:pPr>
-            <a:endParaRPr lang="zh-CN" altLang="en-US" sz="1800" b="1">
-              <a:sym typeface="+mn-ea"/>
-            </a:endParaRPr>
-          </a:p>
-          <a:p>
-            <a:pPr marL="0" indent="0">
-              <a:buFont typeface="+mj-ea"/>
-              <a:buNone/>
-            </a:pPr>
-            <a:r>
-              <a:rPr lang="zh-CN" altLang="en-US" sz="1800" b="1">
-                <a:sym typeface="+mn-ea"/>
-              </a:rPr>
-              <a:t>参考：https://blog.csdn.net/zhao1299002788/article/details/103245138</a:t>
-            </a:r>
             <a:endParaRPr lang="zh-CN" altLang="en-US" sz="1800" b="1">
               <a:sym typeface="+mn-ea"/>
             </a:endParaRPr>
@@ -16133,7 +16380,7 @@
         <p:spPr>
           <a:xfrm>
             <a:off x="584200" y="1782445"/>
-            <a:ext cx="2969260" cy="2326640"/>
+            <a:ext cx="2892425" cy="2266315"/>
           </a:xfrm>
           <a:prstGeom prst="rect">
             <a:avLst/>
@@ -16156,8 +16403,8 @@
         </p:blipFill>
         <p:spPr>
           <a:xfrm>
-            <a:off x="583565" y="4468495"/>
-            <a:ext cx="2969895" cy="1824355"/>
+            <a:off x="584200" y="4391025"/>
+            <a:ext cx="2891790" cy="1675130"/>
           </a:xfrm>
           <a:prstGeom prst="rect">
             <a:avLst/>
@@ -16346,67 +16593,6 @@
                                           <p:spTgt spid="3">
                                             <p:txEl>
                                               <p:pRg st="9" end="9"/>
-                                            </p:txEl>
-                                          </p:spTgt>
-                                        </p:tgtEl>
-                                      </p:cBhvr>
-                                    </p:animEffect>
-                                  </p:childTnLst>
-                                </p:cTn>
-                              </p:par>
-                            </p:childTnLst>
-                          </p:cTn>
-                        </p:par>
-                      </p:childTnLst>
-                    </p:cTn>
-                  </p:par>
-                  <p:par>
-                    <p:cTn id="18" fill="hold">
-                      <p:stCondLst>
-                        <p:cond delay="indefinite"/>
-                      </p:stCondLst>
-                      <p:childTnLst>
-                        <p:par>
-                          <p:cTn id="19" fill="hold">
-                            <p:stCondLst>
-                              <p:cond delay="0"/>
-                            </p:stCondLst>
-                            <p:childTnLst>
-                              <p:par>
-                                <p:cTn id="20" presetID="3" presetClass="entr" presetSubtype="10" fill="hold" grpId="0" nodeType="clickEffect">
-                                  <p:stCondLst>
-                                    <p:cond delay="0"/>
-                                  </p:stCondLst>
-                                  <p:childTnLst>
-                                    <p:set>
-                                      <p:cBhvr>
-                                        <p:cTn id="21" dur="1" fill="hold">
-                                          <p:stCondLst>
-                                            <p:cond delay="0"/>
-                                          </p:stCondLst>
-                                        </p:cTn>
-                                        <p:tgtEl>
-                                          <p:spTgt spid="3">
-                                            <p:txEl>
-                                              <p:pRg st="16" end="16"/>
-                                            </p:txEl>
-                                          </p:spTgt>
-                                        </p:tgtEl>
-                                        <p:attrNameLst>
-                                          <p:attrName>style.visibility</p:attrName>
-                                        </p:attrNameLst>
-                                      </p:cBhvr>
-                                      <p:to>
-                                        <p:strVal val="visible"/>
-                                      </p:to>
-                                    </p:set>
-                                    <p:animEffect transition="in" filter="blinds(horizontal)">
-                                      <p:cBhvr>
-                                        <p:cTn id="22" dur="500"/>
-                                        <p:tgtEl>
-                                          <p:spTgt spid="3">
-                                            <p:txEl>
-                                              <p:pRg st="16" end="16"/>
                                             </p:txEl>
                                           </p:spTgt>
                                         </p:tgtEl>
@@ -16524,8 +16710,8 @@
         </p:nvSpPr>
         <p:spPr>
           <a:xfrm>
-            <a:off x="457200" y="1142365"/>
-            <a:ext cx="8289290" cy="5585460"/>
+            <a:off x="427355" y="1090930"/>
+            <a:ext cx="8289290" cy="5627370"/>
           </a:xfrm>
         </p:spPr>
         <p:txBody>
@@ -16538,22 +16724,10 @@
               <a:buNone/>
             </a:pPr>
             <a:r>
-              <a:rPr lang="en-US" altLang="zh-CN" sz="1800" b="1">
-                <a:sym typeface="+mn-ea"/>
-              </a:rPr>
-              <a:t>3</a:t>
-            </a:r>
-            <a:r>
               <a:rPr lang="zh-CN" altLang="en-US" sz="1800" b="1">
                 <a:sym typeface="+mn-ea"/>
               </a:rPr>
-              <a:t>、</a:t>
-            </a:r>
-            <a:r>
-              <a:rPr lang="zh-CN" altLang="en-US" sz="1800" b="1">
-                <a:sym typeface="+mn-ea"/>
-              </a:rPr>
-              <a:t>可靠消息最终一致性</a:t>
+              <a:t>小结</a:t>
             </a:r>
             <a:endParaRPr lang="zh-CN" altLang="en-US" sz="1800" b="1">
               <a:sym typeface="+mn-ea"/>
@@ -16568,7 +16742,7 @@
               <a:rPr lang="zh-CN" altLang="en-US" sz="1800" b="1">
                 <a:sym typeface="+mn-ea"/>
               </a:rPr>
-              <a:t>https://blog.csdn.net/zhao1299002788/article/details/103283158</a:t>
+              <a:t>如果拿TCC事务的处理流程与2PC两阶段提交做比较，2PC通常都是在跨库的DB层面，而TCC则在应用层面的处 理，需要通过业务逻辑来实现。这种分布式事务的实现方式的优势在于，可以让应用自己定义数据操作的粒度，使得降低锁冲突、提高吞吐量成为可能。</a:t>
             </a:r>
             <a:endParaRPr lang="zh-CN" altLang="en-US" sz="1800" b="1">
               <a:sym typeface="+mn-ea"/>
@@ -16583,7 +16757,7 @@
               <a:rPr lang="zh-CN" altLang="en-US" sz="1800" b="1">
                 <a:sym typeface="+mn-ea"/>
               </a:rPr>
-              <a:t>https://blog.csdn.net/iamlake/article/details/102890299#%EF%BC%88%E4%BA%8C%EF%BC%89%E3%80%81TCC%E4%BA%8B%E5%8A%A1%E8%A1%A5%E5%81%BF%E5%9E%8B%E6%96%B9%E6%A1%88</a:t>
+              <a:t>而不足之处则在于对应用的侵入性非常强，业务逻辑的每个分支都需要实现try、confirm、cancel三个操作。此外，其实现难度也比较大，需要按照网络状态、系统故障等不同的失败原因实现不同的回滚策略。</a:t>
             </a:r>
             <a:endParaRPr lang="zh-CN" altLang="en-US" sz="1800" b="1">
               <a:sym typeface="+mn-ea"/>
@@ -16594,12 +16768,6 @@
               <a:buFont typeface="+mj-ea"/>
               <a:buNone/>
             </a:pPr>
-            <a:r>
-              <a:rPr lang="zh-CN" altLang="en-US" sz="1800" b="1">
-                <a:sym typeface="+mn-ea"/>
-              </a:rPr>
-              <a:t>https://blog.csdn.net/iamlake/article/details/102890299#%EF%BC%88%E4%B8%80%EF%BC%89%E3%80%81%E5%9F%BA%E4%BA%8E%E5%8F%AF%E9%9D%A0%E6%B6%88%E6%81%AF%E7%9A%84%E6%9C%80%E7%BB%88%E4%B8%80%E8%87%B4%E6%80%A7%E6%96%B9%E6%A1%88%E6%A6%82%E8%BF%B0</a:t>
-            </a:r>
             <a:endParaRPr lang="zh-CN" altLang="en-US" sz="1800" b="1">
               <a:sym typeface="+mn-ea"/>
             </a:endParaRPr>
@@ -16610,11 +16778,101 @@
               <a:buNone/>
             </a:pPr>
             <a:r>
+              <a:rPr lang="en-US" altLang="zh-CN" sz="1800" b="1">
+                <a:sym typeface="+mn-ea"/>
+              </a:rPr>
+              <a:t>Hmily</a:t>
+            </a:r>
+            <a:r>
               <a:rPr lang="zh-CN" altLang="en-US" sz="1800" b="1">
                 <a:sym typeface="+mn-ea"/>
               </a:rPr>
-              <a:t>https://blog.csdn.net/oldshaui/article/details/88743085</a:t>
-            </a:r>
+              <a:t>、</a:t>
+            </a:r>
+            <a:r>
+              <a:rPr lang="en-US" altLang="zh-CN" sz="1800" b="1">
+                <a:sym typeface="+mn-ea"/>
+              </a:rPr>
+              <a:t>tcc-transaction</a:t>
+            </a:r>
+            <a:r>
+              <a:rPr lang="zh-CN" altLang="en-US" sz="1800" b="1">
+                <a:sym typeface="+mn-ea"/>
+              </a:rPr>
+              <a:t>、</a:t>
+            </a:r>
+            <a:r>
+              <a:rPr lang="en-US" altLang="zh-CN" sz="1800" b="1">
+                <a:sym typeface="+mn-ea"/>
+              </a:rPr>
+              <a:t>byteTCC</a:t>
+            </a:r>
+            <a:r>
+              <a:rPr lang="zh-CN" altLang="en-US" sz="1800" b="1">
+                <a:sym typeface="+mn-ea"/>
+              </a:rPr>
+              <a:t>等</a:t>
+            </a:r>
+            <a:endParaRPr lang="zh-CN" altLang="en-US" sz="1800" b="1">
+              <a:sym typeface="+mn-ea"/>
+            </a:endParaRPr>
+          </a:p>
+          <a:p>
+            <a:pPr marL="0" indent="0">
+              <a:buFont typeface="+mj-ea"/>
+              <a:buNone/>
+            </a:pPr>
+            <a:endParaRPr lang="zh-CN" altLang="en-US" sz="1800" b="1">
+              <a:sym typeface="+mn-ea"/>
+            </a:endParaRPr>
+          </a:p>
+          <a:p>
+            <a:pPr marL="0" indent="0">
+              <a:buFont typeface="+mj-ea"/>
+              <a:buNone/>
+            </a:pPr>
+            <a:endParaRPr lang="zh-CN" altLang="en-US" sz="1800" b="1">
+              <a:sym typeface="+mn-ea"/>
+            </a:endParaRPr>
+          </a:p>
+          <a:p>
+            <a:pPr marL="0" indent="0">
+              <a:buFont typeface="+mj-ea"/>
+              <a:buNone/>
+            </a:pPr>
+            <a:endParaRPr lang="zh-CN" altLang="en-US" sz="1800" b="1">
+              <a:sym typeface="+mn-ea"/>
+            </a:endParaRPr>
+          </a:p>
+          <a:p>
+            <a:pPr marL="0" indent="0">
+              <a:buFont typeface="+mj-ea"/>
+              <a:buNone/>
+            </a:pPr>
+            <a:endParaRPr lang="zh-CN" altLang="en-US" sz="1800" b="1">
+              <a:sym typeface="+mn-ea"/>
+            </a:endParaRPr>
+          </a:p>
+          <a:p>
+            <a:pPr marL="0" indent="0">
+              <a:buFont typeface="+mj-ea"/>
+              <a:buNone/>
+            </a:pPr>
+            <a:r>
+              <a:rPr lang="zh-CN" altLang="en-US" sz="1800" b="1">
+                <a:sym typeface="+mn-ea"/>
+              </a:rPr>
+              <a:t>参考：https://blog.csdn.net/zhao1299002788/article/details/103245138</a:t>
+            </a:r>
+            <a:endParaRPr lang="zh-CN" altLang="en-US" sz="1800" b="1">
+              <a:sym typeface="+mn-ea"/>
+            </a:endParaRPr>
+          </a:p>
+          <a:p>
+            <a:pPr marL="0" indent="0">
+              <a:buFont typeface="+mj-ea"/>
+              <a:buNone/>
+            </a:pPr>
             <a:endParaRPr lang="zh-CN" altLang="en-US" sz="1800" b="1">
               <a:sym typeface="+mn-ea"/>
             </a:endParaRPr>
@@ -16638,9 +16896,6 @@
                     <p:cTn id="3" fill="hold">
                       <p:stCondLst>
                         <p:cond delay="indefinite"/>
-                        <p:cond evt="onBegin" delay="0">
-                          <p:tn val="2"/>
-                        </p:cond>
                       </p:stCondLst>
                       <p:childTnLst>
                         <p:par>
@@ -16650,7 +16905,7 @@
                             </p:stCondLst>
                             <p:childTnLst>
                               <p:par>
-                                <p:cTn id="5" presetID="3" presetClass="entr" presetSubtype="10" fill="hold" grpId="0" nodeType="withEffect">
+                                <p:cTn id="5" presetID="3" presetClass="entr" presetSubtype="10" fill="hold" grpId="0" nodeType="clickEffect">
                                   <p:stCondLst>
                                     <p:cond delay="0"/>
                                   </p:stCondLst>
@@ -16848,7 +17103,7 @@
                                         <p:tgtEl>
                                           <p:spTgt spid="3">
                                             <p:txEl>
-                                              <p:pRg st="3" end="3"/>
+                                              <p:pRg st="4" end="4"/>
                                             </p:txEl>
                                           </p:spTgt>
                                         </p:tgtEl>
@@ -16866,7 +17121,7 @@
                                         <p:tgtEl>
                                           <p:spTgt spid="3">
                                             <p:txEl>
-                                              <p:pRg st="3" end="3"/>
+                                              <p:pRg st="4" end="4"/>
                                             </p:txEl>
                                           </p:spTgt>
                                         </p:tgtEl>
@@ -16909,7 +17164,7 @@
                                         <p:tgtEl>
                                           <p:spTgt spid="3">
                                             <p:txEl>
-                                              <p:pRg st="4" end="4"/>
+                                              <p:pRg st="9" end="9"/>
                                             </p:txEl>
                                           </p:spTgt>
                                         </p:tgtEl>
@@ -16927,7 +17182,7 @@
                                         <p:tgtEl>
                                           <p:spTgt spid="3">
                                             <p:txEl>
-                                              <p:pRg st="4" end="4"/>
+                                              <p:pRg st="9" end="9"/>
                                             </p:txEl>
                                           </p:spTgt>
                                         </p:tgtEl>
@@ -17004,24 +17259,136 @@
           <a:p>
             <a:pPr algn="l"/>
             <a:r>
-              <a:rPr lang="zh-CN" b="1">
-                <a:sym typeface="+mn-ea"/>
-              </a:rPr>
-              <a:t>基于会话的</a:t>
+              <a:rPr lang="zh-CN" altLang="en-US" b="1">
+                <a:sym typeface="+mn-ea"/>
+              </a:rPr>
+              <a:t>分布式事务</a:t>
             </a:r>
             <a:r>
               <a:rPr lang="en-US" altLang="zh-CN" b="1">
                 <a:sym typeface="+mn-ea"/>
               </a:rPr>
-              <a:t>SSO--</a:t>
+              <a:t>-</a:t>
             </a:r>
             <a:r>
               <a:rPr lang="zh-CN" altLang="en-US" b="1">
                 <a:sym typeface="+mn-ea"/>
               </a:rPr>
-              <a:t>部署示意图</a:t>
-            </a:r>
-            <a:endParaRPr lang="zh-CN" altLang="en-US" b="1">
+              <a:t>协议及</a:t>
+            </a:r>
+            <a:r>
+              <a:rPr lang="zh-CN" altLang="en-US" b="1">
+                <a:sym typeface="+mn-ea"/>
+              </a:rPr>
+              <a:t>解决方案</a:t>
+            </a:r>
+            <a:endParaRPr lang="en-US" altLang="zh-CN" b="1">
+              <a:sym typeface="+mn-ea"/>
+            </a:endParaRPr>
+          </a:p>
+        </p:txBody>
+      </p:sp>
+      <p:sp>
+        <p:nvSpPr>
+          <p:cNvPr id="3" name="内容占位符 2"/>
+          <p:cNvSpPr>
+            <a:spLocks noGrp="1"/>
+          </p:cNvSpPr>
+          <p:nvPr>
+            <p:ph idx="1"/>
+          </p:nvPr>
+        </p:nvSpPr>
+        <p:spPr>
+          <a:xfrm>
+            <a:off x="457200" y="1142365"/>
+            <a:ext cx="8289290" cy="5585460"/>
+          </a:xfrm>
+        </p:spPr>
+        <p:txBody>
+          <a:bodyPr>
+            <a:noAutofit/>
+          </a:bodyPr>
+          <a:p>
+            <a:pPr marL="0" indent="0">
+              <a:buFont typeface="+mj-ea"/>
+              <a:buNone/>
+            </a:pPr>
+            <a:r>
+              <a:rPr lang="en-US" altLang="zh-CN" sz="1800" b="1">
+                <a:sym typeface="+mn-ea"/>
+              </a:rPr>
+              <a:t>3</a:t>
+            </a:r>
+            <a:r>
+              <a:rPr lang="zh-CN" altLang="en-US" sz="1800" b="1">
+                <a:sym typeface="+mn-ea"/>
+              </a:rPr>
+              <a:t>、</a:t>
+            </a:r>
+            <a:r>
+              <a:rPr lang="zh-CN" altLang="en-US" sz="1800" b="1">
+                <a:sym typeface="+mn-ea"/>
+              </a:rPr>
+              <a:t>可靠消息最终一致性</a:t>
+            </a:r>
+            <a:endParaRPr lang="zh-CN" altLang="en-US" sz="1800" b="1">
+              <a:sym typeface="+mn-ea"/>
+            </a:endParaRPr>
+          </a:p>
+          <a:p>
+            <a:pPr marL="0" indent="0">
+              <a:buFont typeface="+mj-ea"/>
+              <a:buNone/>
+            </a:pPr>
+            <a:r>
+              <a:rPr lang="zh-CN" altLang="en-US" sz="1800" b="1">
+                <a:sym typeface="+mn-ea"/>
+              </a:rPr>
+              <a:t>       当事务发起并执行完本地事务后，发出一条消息到消息中间件，事务消费方从消息中间件接收消息，一次达到事务的最终一致性，避免了</a:t>
+            </a:r>
+            <a:r>
+              <a:rPr lang="zh-CN" altLang="en-US" sz="1800" b="1">
+                <a:sym typeface="+mn-ea"/>
+              </a:rPr>
+              <a:t>分布式事务中的同步阻塞操作的影响</a:t>
+            </a:r>
+            <a:r>
+              <a:rPr lang="zh-CN" altLang="en-US" sz="1800" b="1">
+                <a:sym typeface="+mn-ea"/>
+              </a:rPr>
+              <a:t>。</a:t>
+            </a:r>
+            <a:endParaRPr lang="zh-CN" altLang="en-US" sz="1800" b="1">
+              <a:sym typeface="+mn-ea"/>
+            </a:endParaRPr>
+          </a:p>
+          <a:p>
+            <a:pPr marL="0" indent="0">
+              <a:buFont typeface="+mj-ea"/>
+              <a:buNone/>
+            </a:pPr>
+            <a:r>
+              <a:rPr lang="zh-CN" altLang="en-US" sz="1800" b="1">
+                <a:sym typeface="+mn-ea"/>
+              </a:rPr>
+              <a:t>        </a:t>
+            </a:r>
+            <a:endParaRPr lang="zh-CN" altLang="en-US" sz="1800" b="1">
+              <a:sym typeface="+mn-ea"/>
+            </a:endParaRPr>
+          </a:p>
+          <a:p>
+            <a:pPr marL="0" indent="0">
+              <a:buFont typeface="+mj-ea"/>
+              <a:buNone/>
+            </a:pPr>
+            <a:r>
+              <a:rPr lang="zh-CN" altLang="en-US" sz="1800" b="1">
+                <a:sym typeface="+mn-ea"/>
+              </a:rPr>
+              <a:t>       </a:t>
+            </a:r>
+            <a:endParaRPr lang="zh-CN" altLang="en-US" sz="1800" b="1">
               <a:sym typeface="+mn-ea"/>
             </a:endParaRPr>
           </a:p>
@@ -17032,6 +17399,287 @@
   <p:clrMapOvr>
     <a:masterClrMapping/>
   </p:clrMapOvr>
+  <p:timing>
+    <p:tnLst>
+      <p:par>
+        <p:cTn id="1" dur="indefinite" restart="never" nodeType="tmRoot">
+          <p:childTnLst>
+            <p:seq concurrent="1" nextAc="seek">
+              <p:cTn id="2" dur="indefinite" nodeType="mainSeq">
+                <p:childTnLst>
+                  <p:par>
+                    <p:cTn id="3" fill="hold">
+                      <p:stCondLst>
+                        <p:cond delay="indefinite"/>
+                        <p:cond evt="onBegin" delay="0">
+                          <p:tn val="2"/>
+                        </p:cond>
+                      </p:stCondLst>
+                      <p:childTnLst>
+                        <p:par>
+                          <p:cTn id="4" fill="hold">
+                            <p:stCondLst>
+                              <p:cond delay="0"/>
+                            </p:stCondLst>
+                            <p:childTnLst>
+                              <p:par>
+                                <p:cTn id="5" presetID="3" presetClass="entr" presetSubtype="10" fill="hold" grpId="0" nodeType="withEffect">
+                                  <p:stCondLst>
+                                    <p:cond delay="0"/>
+                                  </p:stCondLst>
+                                  <p:childTnLst>
+                                    <p:set>
+                                      <p:cBhvr>
+                                        <p:cTn id="6" dur="1" fill="hold">
+                                          <p:stCondLst>
+                                            <p:cond delay="0"/>
+                                          </p:stCondLst>
+                                        </p:cTn>
+                                        <p:tgtEl>
+                                          <p:spTgt spid="3">
+                                            <p:txEl>
+                                              <p:pRg st="0" end="0"/>
+                                            </p:txEl>
+                                          </p:spTgt>
+                                        </p:tgtEl>
+                                        <p:attrNameLst>
+                                          <p:attrName>style.visibility</p:attrName>
+                                        </p:attrNameLst>
+                                      </p:cBhvr>
+                                      <p:to>
+                                        <p:strVal val="visible"/>
+                                      </p:to>
+                                    </p:set>
+                                    <p:animEffect transition="in" filter="blinds(horizontal)">
+                                      <p:cBhvr>
+                                        <p:cTn id="7" dur="500"/>
+                                        <p:tgtEl>
+                                          <p:spTgt spid="3">
+                                            <p:txEl>
+                                              <p:pRg st="0" end="0"/>
+                                            </p:txEl>
+                                          </p:spTgt>
+                                        </p:tgtEl>
+                                      </p:cBhvr>
+                                    </p:animEffect>
+                                  </p:childTnLst>
+                                </p:cTn>
+                              </p:par>
+                            </p:childTnLst>
+                          </p:cTn>
+                        </p:par>
+                      </p:childTnLst>
+                    </p:cTn>
+                  </p:par>
+                  <p:par>
+                    <p:cTn id="8" fill="hold">
+                      <p:stCondLst>
+                        <p:cond delay="indefinite"/>
+                      </p:stCondLst>
+                      <p:childTnLst>
+                        <p:par>
+                          <p:cTn id="9" fill="hold">
+                            <p:stCondLst>
+                              <p:cond delay="0"/>
+                            </p:stCondLst>
+                            <p:childTnLst>
+                              <p:par>
+                                <p:cTn id="10" presetID="3" presetClass="entr" presetSubtype="10" fill="hold" grpId="0" nodeType="clickEffect">
+                                  <p:stCondLst>
+                                    <p:cond delay="0"/>
+                                  </p:stCondLst>
+                                  <p:childTnLst>
+                                    <p:set>
+                                      <p:cBhvr>
+                                        <p:cTn id="11" dur="1" fill="hold">
+                                          <p:stCondLst>
+                                            <p:cond delay="0"/>
+                                          </p:stCondLst>
+                                        </p:cTn>
+                                        <p:tgtEl>
+                                          <p:spTgt spid="3">
+                                            <p:txEl>
+                                              <p:pRg st="1" end="1"/>
+                                            </p:txEl>
+                                          </p:spTgt>
+                                        </p:tgtEl>
+                                        <p:attrNameLst>
+                                          <p:attrName>style.visibility</p:attrName>
+                                        </p:attrNameLst>
+                                      </p:cBhvr>
+                                      <p:to>
+                                        <p:strVal val="visible"/>
+                                      </p:to>
+                                    </p:set>
+                                    <p:animEffect transition="in" filter="blinds(horizontal)">
+                                      <p:cBhvr>
+                                        <p:cTn id="12" dur="500"/>
+                                        <p:tgtEl>
+                                          <p:spTgt spid="3">
+                                            <p:txEl>
+                                              <p:pRg st="1" end="1"/>
+                                            </p:txEl>
+                                          </p:spTgt>
+                                        </p:tgtEl>
+                                      </p:cBhvr>
+                                    </p:animEffect>
+                                  </p:childTnLst>
+                                </p:cTn>
+                              </p:par>
+                            </p:childTnLst>
+                          </p:cTn>
+                        </p:par>
+                      </p:childTnLst>
+                    </p:cTn>
+                  </p:par>
+                  <p:par>
+                    <p:cTn id="13" fill="hold">
+                      <p:stCondLst>
+                        <p:cond delay="indefinite"/>
+                      </p:stCondLst>
+                      <p:childTnLst>
+                        <p:par>
+                          <p:cTn id="14" fill="hold">
+                            <p:stCondLst>
+                              <p:cond delay="0"/>
+                            </p:stCondLst>
+                            <p:childTnLst>
+                              <p:par>
+                                <p:cTn id="15" presetID="3" presetClass="entr" presetSubtype="10" fill="hold" grpId="0" nodeType="clickEffect">
+                                  <p:stCondLst>
+                                    <p:cond delay="0"/>
+                                  </p:stCondLst>
+                                  <p:childTnLst>
+                                    <p:set>
+                                      <p:cBhvr>
+                                        <p:cTn id="16" dur="1" fill="hold">
+                                          <p:stCondLst>
+                                            <p:cond delay="0"/>
+                                          </p:stCondLst>
+                                        </p:cTn>
+                                        <p:tgtEl>
+                                          <p:spTgt spid="3">
+                                            <p:txEl>
+                                              <p:pRg st="2" end="2"/>
+                                            </p:txEl>
+                                          </p:spTgt>
+                                        </p:tgtEl>
+                                        <p:attrNameLst>
+                                          <p:attrName>style.visibility</p:attrName>
+                                        </p:attrNameLst>
+                                      </p:cBhvr>
+                                      <p:to>
+                                        <p:strVal val="visible"/>
+                                      </p:to>
+                                    </p:set>
+                                    <p:animEffect transition="in" filter="blinds(horizontal)">
+                                      <p:cBhvr>
+                                        <p:cTn id="17" dur="500"/>
+                                        <p:tgtEl>
+                                          <p:spTgt spid="3">
+                                            <p:txEl>
+                                              <p:pRg st="2" end="2"/>
+                                            </p:txEl>
+                                          </p:spTgt>
+                                        </p:tgtEl>
+                                      </p:cBhvr>
+                                    </p:animEffect>
+                                  </p:childTnLst>
+                                </p:cTn>
+                              </p:par>
+                            </p:childTnLst>
+                          </p:cTn>
+                        </p:par>
+                      </p:childTnLst>
+                    </p:cTn>
+                  </p:par>
+                  <p:par>
+                    <p:cTn id="18" fill="hold">
+                      <p:stCondLst>
+                        <p:cond delay="indefinite"/>
+                      </p:stCondLst>
+                      <p:childTnLst>
+                        <p:par>
+                          <p:cTn id="19" fill="hold">
+                            <p:stCondLst>
+                              <p:cond delay="0"/>
+                            </p:stCondLst>
+                            <p:childTnLst>
+                              <p:par>
+                                <p:cTn id="20" presetID="3" presetClass="entr" presetSubtype="10" fill="hold" grpId="0" nodeType="clickEffect">
+                                  <p:stCondLst>
+                                    <p:cond delay="0"/>
+                                  </p:stCondLst>
+                                  <p:childTnLst>
+                                    <p:set>
+                                      <p:cBhvr>
+                                        <p:cTn id="21" dur="1" fill="hold">
+                                          <p:stCondLst>
+                                            <p:cond delay="0"/>
+                                          </p:stCondLst>
+                                        </p:cTn>
+                                        <p:tgtEl>
+                                          <p:spTgt spid="3">
+                                            <p:txEl>
+                                              <p:pRg st="3" end="3"/>
+                                            </p:txEl>
+                                          </p:spTgt>
+                                        </p:tgtEl>
+                                        <p:attrNameLst>
+                                          <p:attrName>style.visibility</p:attrName>
+                                        </p:attrNameLst>
+                                      </p:cBhvr>
+                                      <p:to>
+                                        <p:strVal val="visible"/>
+                                      </p:to>
+                                    </p:set>
+                                    <p:animEffect transition="in" filter="blinds(horizontal)">
+                                      <p:cBhvr>
+                                        <p:cTn id="22" dur="500"/>
+                                        <p:tgtEl>
+                                          <p:spTgt spid="3">
+                                            <p:txEl>
+                                              <p:pRg st="3" end="3"/>
+                                            </p:txEl>
+                                          </p:spTgt>
+                                        </p:tgtEl>
+                                      </p:cBhvr>
+                                    </p:animEffect>
+                                  </p:childTnLst>
+                                </p:cTn>
+                              </p:par>
+                            </p:childTnLst>
+                          </p:cTn>
+                        </p:par>
+                      </p:childTnLst>
+                    </p:cTn>
+                  </p:par>
+                </p:childTnLst>
+              </p:cTn>
+              <p:prevCondLst>
+                <p:cond evt="onPrev" delay="0">
+                  <p:tgtEl>
+                    <p:sldTgt/>
+                  </p:tgtEl>
+                </p:cond>
+              </p:prevCondLst>
+              <p:nextCondLst>
+                <p:cond evt="onNext" delay="0">
+                  <p:tgtEl>
+                    <p:sldTgt/>
+                  </p:tgtEl>
+                </p:cond>
+              </p:nextCondLst>
+            </p:seq>
+          </p:childTnLst>
+        </p:cTn>
+      </p:par>
+    </p:tnLst>
+    <p:bldLst>
+      <p:bldP spid="3" grpId="0" build="p"/>
+      <p:bldP spid="3" grpId="1" build="p"/>
+    </p:bldLst>
+  </p:timing>
 </p:sld>
 </file>
 
@@ -17068,24 +17716,202 @@
           <a:p>
             <a:pPr algn="l"/>
             <a:r>
-              <a:rPr lang="zh-CN" b="1">
-                <a:sym typeface="+mn-ea"/>
-              </a:rPr>
-              <a:t>基于会话的</a:t>
+              <a:rPr lang="zh-CN" altLang="en-US" b="1">
+                <a:sym typeface="+mn-ea"/>
+              </a:rPr>
+              <a:t>分布式事务</a:t>
             </a:r>
             <a:r>
               <a:rPr lang="en-US" altLang="zh-CN" b="1">
                 <a:sym typeface="+mn-ea"/>
               </a:rPr>
-              <a:t>SSO--</a:t>
+              <a:t>-</a:t>
             </a:r>
             <a:r>
               <a:rPr lang="zh-CN" altLang="en-US" b="1">
                 <a:sym typeface="+mn-ea"/>
               </a:rPr>
-              <a:t>登录</a:t>
-            </a:r>
-            <a:endParaRPr lang="zh-CN" altLang="en-US" b="1">
+              <a:t>协议及</a:t>
+            </a:r>
+            <a:r>
+              <a:rPr lang="zh-CN" altLang="en-US" b="1">
+                <a:sym typeface="+mn-ea"/>
+              </a:rPr>
+              <a:t>解决方案</a:t>
+            </a:r>
+            <a:endParaRPr lang="en-US" altLang="zh-CN" b="1">
+              <a:sym typeface="+mn-ea"/>
+            </a:endParaRPr>
+          </a:p>
+        </p:txBody>
+      </p:sp>
+      <p:sp>
+        <p:nvSpPr>
+          <p:cNvPr id="3" name="内容占位符 2"/>
+          <p:cNvSpPr>
+            <a:spLocks noGrp="1"/>
+          </p:cNvSpPr>
+          <p:nvPr>
+            <p:ph idx="1"/>
+          </p:nvPr>
+        </p:nvSpPr>
+        <p:spPr>
+          <a:xfrm>
+            <a:off x="457200" y="1142365"/>
+            <a:ext cx="8289290" cy="5585460"/>
+          </a:xfrm>
+        </p:spPr>
+        <p:txBody>
+          <a:bodyPr>
+            <a:noAutofit/>
+          </a:bodyPr>
+          <a:p>
+            <a:pPr marL="0" indent="0">
+              <a:buFont typeface="+mj-ea"/>
+              <a:buNone/>
+            </a:pPr>
+            <a:endParaRPr lang="zh-CN" altLang="en-US" sz="1800" b="1">
+              <a:sym typeface="+mn-ea"/>
+            </a:endParaRPr>
+          </a:p>
+          <a:p>
+            <a:pPr marL="0" indent="0">
+              <a:buFont typeface="+mj-ea"/>
+              <a:buNone/>
+            </a:pPr>
+            <a:endParaRPr lang="zh-CN" altLang="en-US" sz="1800" b="1">
+              <a:sym typeface="+mn-ea"/>
+            </a:endParaRPr>
+          </a:p>
+          <a:p>
+            <a:pPr marL="0" indent="0">
+              <a:buFont typeface="+mj-ea"/>
+              <a:buNone/>
+            </a:pPr>
+            <a:endParaRPr lang="zh-CN" altLang="en-US" sz="1800" b="1">
+              <a:sym typeface="+mn-ea"/>
+            </a:endParaRPr>
+          </a:p>
+          <a:p>
+            <a:pPr marL="0" indent="0">
+              <a:buFont typeface="+mj-ea"/>
+              <a:buNone/>
+            </a:pPr>
+            <a:r>
+              <a:rPr lang="zh-CN" altLang="en-US" sz="1800" b="1">
+                <a:sym typeface="+mn-ea"/>
+              </a:rPr>
+              <a:t>事务发起方和消息中间件之间，事务参与方（消息消费方）和消息中间件之间都是通过网络通信，因此可靠消息最终一致性方案要解决以下几个问题 ：</a:t>
+            </a:r>
+            <a:endParaRPr lang="zh-CN" altLang="en-US" sz="1800" b="1">
+              <a:sym typeface="+mn-ea"/>
+            </a:endParaRPr>
+          </a:p>
+          <a:p>
+            <a:pPr marL="0" indent="0">
+              <a:buFont typeface="+mj-ea"/>
+              <a:buNone/>
+            </a:pPr>
+            <a:r>
+              <a:rPr lang="en-US" altLang="zh-CN" sz="1800" b="1">
+                <a:sym typeface="+mn-ea"/>
+              </a:rPr>
+              <a:t>1</a:t>
+            </a:r>
+            <a:r>
+              <a:rPr lang="zh-CN" altLang="en-US" sz="1800" b="1">
+                <a:sym typeface="+mn-ea"/>
+              </a:rPr>
+              <a:t>、本地事务与消息发送的原子性问题</a:t>
+            </a:r>
+            <a:endParaRPr lang="zh-CN" altLang="en-US" sz="1800" b="1">
+              <a:sym typeface="+mn-ea"/>
+            </a:endParaRPr>
+          </a:p>
+          <a:p>
+            <a:pPr marL="0" indent="0">
+              <a:buFont typeface="+mj-ea"/>
+              <a:buNone/>
+            </a:pPr>
+            <a:r>
+              <a:rPr lang="en-US" altLang="zh-CN" sz="1800" b="1">
+                <a:sym typeface="+mn-ea"/>
+              </a:rPr>
+              <a:t>	事务发起方在本地事务执行成功后消息必须发出去，否则就丢弃消息。即实现本地事务和消息发送的原子性，要么都成功，要么都失败。</a:t>
+            </a:r>
+            <a:endParaRPr lang="en-US" altLang="zh-CN" sz="1800" b="1">
+              <a:sym typeface="+mn-ea"/>
+            </a:endParaRPr>
+          </a:p>
+          <a:p>
+            <a:pPr marL="0" indent="0">
+              <a:buFont typeface="+mj-ea"/>
+              <a:buNone/>
+            </a:pPr>
+            <a:r>
+              <a:rPr lang="en-US" altLang="zh-CN" sz="1800" b="1">
+                <a:sym typeface="+mn-ea"/>
+              </a:rPr>
+              <a:t>2</a:t>
+            </a:r>
+            <a:r>
+              <a:rPr lang="zh-CN" altLang="en-US" sz="1800" b="1">
+                <a:sym typeface="+mn-ea"/>
+              </a:rPr>
+              <a:t>、事务参与方接收消息的可靠性</a:t>
+            </a:r>
+            <a:endParaRPr lang="zh-CN" altLang="en-US" sz="1800" b="1">
+              <a:sym typeface="+mn-ea"/>
+            </a:endParaRPr>
+          </a:p>
+          <a:p>
+            <a:pPr marL="0" indent="0">
+              <a:buFont typeface="+mj-ea"/>
+              <a:buNone/>
+            </a:pPr>
+            <a:r>
+              <a:rPr lang="en-US" altLang="zh-CN" sz="1800" b="1">
+                <a:sym typeface="+mn-ea"/>
+              </a:rPr>
+              <a:t>	事务参与方必须能够从消息队列接收到消息，如果接收消息失败可以重复接收消息。</a:t>
+            </a:r>
+            <a:endParaRPr lang="en-US" altLang="zh-CN" sz="1800" b="1">
+              <a:sym typeface="+mn-ea"/>
+            </a:endParaRPr>
+          </a:p>
+          <a:p>
+            <a:pPr marL="0" indent="0">
+              <a:buFont typeface="+mj-ea"/>
+              <a:buNone/>
+            </a:pPr>
+            <a:r>
+              <a:rPr lang="en-US" altLang="zh-CN" sz="1800" b="1">
+                <a:sym typeface="+mn-ea"/>
+              </a:rPr>
+              <a:t>3</a:t>
+            </a:r>
+            <a:r>
+              <a:rPr lang="zh-CN" altLang="en-US" sz="1800" b="1">
+                <a:sym typeface="+mn-ea"/>
+              </a:rPr>
+              <a:t>、消息重复消费的问题</a:t>
+            </a:r>
+            <a:endParaRPr lang="zh-CN" altLang="en-US" sz="1800" b="1">
+              <a:sym typeface="+mn-ea"/>
+            </a:endParaRPr>
+          </a:p>
+          <a:p>
+            <a:pPr marL="0" indent="0">
+              <a:buFont typeface="+mj-ea"/>
+              <a:buNone/>
+            </a:pPr>
+            <a:r>
+              <a:rPr lang="en-US" altLang="zh-CN" sz="1800" b="1">
+                <a:sym typeface="+mn-ea"/>
+              </a:rPr>
+              <a:t>	由于网络2的存在，若某一个消费节点超时但是消费成功，此时消息中间件会重复投递此消息，就导致来消息的重复消费。要解决消息重复消费的问题就要实现事务参与方的方法幂等性。</a:t>
+            </a:r>
+            <a:endParaRPr lang="en-US" altLang="zh-CN" sz="1800" b="1">
               <a:sym typeface="+mn-ea"/>
             </a:endParaRPr>
           </a:p>
@@ -17093,7 +17919,7 @@
       </p:sp>
       <p:pic>
         <p:nvPicPr>
-          <p:cNvPr id="3" name="图片 2"/>
+          <p:cNvPr id="5" name="图片 4"/>
           <p:cNvPicPr>
             <a:picLocks noChangeAspect="1"/>
           </p:cNvPicPr>
@@ -17107,8 +17933,8 @@
         </p:blipFill>
         <p:spPr>
           <a:xfrm>
-            <a:off x="624205" y="1203325"/>
-            <a:ext cx="5334000" cy="5082540"/>
+            <a:off x="566420" y="1068070"/>
+            <a:ext cx="8120380" cy="1025525"/>
           </a:xfrm>
           <a:prstGeom prst="rect">
             <a:avLst/>
@@ -17120,6 +17946,467 @@
   <p:clrMapOvr>
     <a:masterClrMapping/>
   </p:clrMapOvr>
+  <p:timing>
+    <p:tnLst>
+      <p:par>
+        <p:cTn id="1" dur="indefinite" restart="never" nodeType="tmRoot">
+          <p:childTnLst>
+            <p:seq concurrent="1" nextAc="seek">
+              <p:cTn id="2" dur="indefinite" nodeType="mainSeq">
+                <p:childTnLst>
+                  <p:par>
+                    <p:cTn id="3" fill="hold">
+                      <p:stCondLst>
+                        <p:cond delay="indefinite"/>
+                      </p:stCondLst>
+                      <p:childTnLst>
+                        <p:par>
+                          <p:cTn id="4" fill="hold">
+                            <p:stCondLst>
+                              <p:cond delay="0"/>
+                            </p:stCondLst>
+                            <p:childTnLst>
+                              <p:par>
+                                <p:cTn id="5" presetID="3" presetClass="entr" presetSubtype="10" fill="hold" grpId="0" nodeType="clickEffect">
+                                  <p:stCondLst>
+                                    <p:cond delay="0"/>
+                                  </p:stCondLst>
+                                  <p:childTnLst>
+                                    <p:set>
+                                      <p:cBhvr>
+                                        <p:cTn id="6" dur="1" fill="hold">
+                                          <p:stCondLst>
+                                            <p:cond delay="0"/>
+                                          </p:stCondLst>
+                                        </p:cTn>
+                                        <p:tgtEl>
+                                          <p:spTgt spid="3">
+                                            <p:txEl>
+                                              <p:pRg st="3" end="3"/>
+                                            </p:txEl>
+                                          </p:spTgt>
+                                        </p:tgtEl>
+                                        <p:attrNameLst>
+                                          <p:attrName>style.visibility</p:attrName>
+                                        </p:attrNameLst>
+                                      </p:cBhvr>
+                                      <p:to>
+                                        <p:strVal val="visible"/>
+                                      </p:to>
+                                    </p:set>
+                                    <p:animEffect transition="in" filter="blinds(horizontal)">
+                                      <p:cBhvr>
+                                        <p:cTn id="7" dur="500"/>
+                                        <p:tgtEl>
+                                          <p:spTgt spid="3">
+                                            <p:txEl>
+                                              <p:pRg st="3" end="3"/>
+                                            </p:txEl>
+                                          </p:spTgt>
+                                        </p:tgtEl>
+                                      </p:cBhvr>
+                                    </p:animEffect>
+                                  </p:childTnLst>
+                                </p:cTn>
+                              </p:par>
+                            </p:childTnLst>
+                          </p:cTn>
+                        </p:par>
+                      </p:childTnLst>
+                    </p:cTn>
+                  </p:par>
+                  <p:par>
+                    <p:cTn id="8" fill="hold">
+                      <p:stCondLst>
+                        <p:cond delay="indefinite"/>
+                      </p:stCondLst>
+                      <p:childTnLst>
+                        <p:par>
+                          <p:cTn id="9" fill="hold">
+                            <p:stCondLst>
+                              <p:cond delay="0"/>
+                            </p:stCondLst>
+                            <p:childTnLst>
+                              <p:par>
+                                <p:cTn id="10" presetID="3" presetClass="entr" presetSubtype="10" fill="hold" grpId="0" nodeType="clickEffect">
+                                  <p:stCondLst>
+                                    <p:cond delay="0"/>
+                                  </p:stCondLst>
+                                  <p:childTnLst>
+                                    <p:set>
+                                      <p:cBhvr>
+                                        <p:cTn id="11" dur="1" fill="hold">
+                                          <p:stCondLst>
+                                            <p:cond delay="0"/>
+                                          </p:stCondLst>
+                                        </p:cTn>
+                                        <p:tgtEl>
+                                          <p:spTgt spid="3">
+                                            <p:txEl>
+                                              <p:pRg st="4" end="4"/>
+                                            </p:txEl>
+                                          </p:spTgt>
+                                        </p:tgtEl>
+                                        <p:attrNameLst>
+                                          <p:attrName>style.visibility</p:attrName>
+                                        </p:attrNameLst>
+                                      </p:cBhvr>
+                                      <p:to>
+                                        <p:strVal val="visible"/>
+                                      </p:to>
+                                    </p:set>
+                                    <p:animEffect transition="in" filter="blinds(horizontal)">
+                                      <p:cBhvr>
+                                        <p:cTn id="12" dur="500"/>
+                                        <p:tgtEl>
+                                          <p:spTgt spid="3">
+                                            <p:txEl>
+                                              <p:pRg st="4" end="4"/>
+                                            </p:txEl>
+                                          </p:spTgt>
+                                        </p:tgtEl>
+                                      </p:cBhvr>
+                                    </p:animEffect>
+                                  </p:childTnLst>
+                                </p:cTn>
+                              </p:par>
+                            </p:childTnLst>
+                          </p:cTn>
+                        </p:par>
+                      </p:childTnLst>
+                    </p:cTn>
+                  </p:par>
+                  <p:par>
+                    <p:cTn id="13" fill="hold">
+                      <p:stCondLst>
+                        <p:cond delay="indefinite"/>
+                      </p:stCondLst>
+                      <p:childTnLst>
+                        <p:par>
+                          <p:cTn id="14" fill="hold">
+                            <p:stCondLst>
+                              <p:cond delay="0"/>
+                            </p:stCondLst>
+                            <p:childTnLst>
+                              <p:par>
+                                <p:cTn id="15" presetID="3" presetClass="entr" presetSubtype="10" fill="hold" grpId="0" nodeType="clickEffect">
+                                  <p:stCondLst>
+                                    <p:cond delay="0"/>
+                                  </p:stCondLst>
+                                  <p:childTnLst>
+                                    <p:set>
+                                      <p:cBhvr>
+                                        <p:cTn id="16" dur="1" fill="hold">
+                                          <p:stCondLst>
+                                            <p:cond delay="0"/>
+                                          </p:stCondLst>
+                                        </p:cTn>
+                                        <p:tgtEl>
+                                          <p:spTgt spid="3">
+                                            <p:txEl>
+                                              <p:pRg st="5" end="5"/>
+                                            </p:txEl>
+                                          </p:spTgt>
+                                        </p:tgtEl>
+                                        <p:attrNameLst>
+                                          <p:attrName>style.visibility</p:attrName>
+                                        </p:attrNameLst>
+                                      </p:cBhvr>
+                                      <p:to>
+                                        <p:strVal val="visible"/>
+                                      </p:to>
+                                    </p:set>
+                                    <p:animEffect transition="in" filter="blinds(horizontal)">
+                                      <p:cBhvr>
+                                        <p:cTn id="17" dur="500"/>
+                                        <p:tgtEl>
+                                          <p:spTgt spid="3">
+                                            <p:txEl>
+                                              <p:pRg st="5" end="5"/>
+                                            </p:txEl>
+                                          </p:spTgt>
+                                        </p:tgtEl>
+                                      </p:cBhvr>
+                                    </p:animEffect>
+                                  </p:childTnLst>
+                                </p:cTn>
+                              </p:par>
+                            </p:childTnLst>
+                          </p:cTn>
+                        </p:par>
+                      </p:childTnLst>
+                    </p:cTn>
+                  </p:par>
+                  <p:par>
+                    <p:cTn id="18" fill="hold">
+                      <p:stCondLst>
+                        <p:cond delay="indefinite"/>
+                      </p:stCondLst>
+                      <p:childTnLst>
+                        <p:par>
+                          <p:cTn id="19" fill="hold">
+                            <p:stCondLst>
+                              <p:cond delay="0"/>
+                            </p:stCondLst>
+                            <p:childTnLst>
+                              <p:par>
+                                <p:cTn id="20" presetID="3" presetClass="entr" presetSubtype="10" fill="hold" grpId="0" nodeType="clickEffect">
+                                  <p:stCondLst>
+                                    <p:cond delay="0"/>
+                                  </p:stCondLst>
+                                  <p:childTnLst>
+                                    <p:set>
+                                      <p:cBhvr>
+                                        <p:cTn id="21" dur="1" fill="hold">
+                                          <p:stCondLst>
+                                            <p:cond delay="0"/>
+                                          </p:stCondLst>
+                                        </p:cTn>
+                                        <p:tgtEl>
+                                          <p:spTgt spid="3">
+                                            <p:txEl>
+                                              <p:pRg st="6" end="6"/>
+                                            </p:txEl>
+                                          </p:spTgt>
+                                        </p:tgtEl>
+                                        <p:attrNameLst>
+                                          <p:attrName>style.visibility</p:attrName>
+                                        </p:attrNameLst>
+                                      </p:cBhvr>
+                                      <p:to>
+                                        <p:strVal val="visible"/>
+                                      </p:to>
+                                    </p:set>
+                                    <p:animEffect transition="in" filter="blinds(horizontal)">
+                                      <p:cBhvr>
+                                        <p:cTn id="22" dur="500"/>
+                                        <p:tgtEl>
+                                          <p:spTgt spid="3">
+                                            <p:txEl>
+                                              <p:pRg st="6" end="6"/>
+                                            </p:txEl>
+                                          </p:spTgt>
+                                        </p:tgtEl>
+                                      </p:cBhvr>
+                                    </p:animEffect>
+                                  </p:childTnLst>
+                                </p:cTn>
+                              </p:par>
+                            </p:childTnLst>
+                          </p:cTn>
+                        </p:par>
+                      </p:childTnLst>
+                    </p:cTn>
+                  </p:par>
+                  <p:par>
+                    <p:cTn id="23" fill="hold">
+                      <p:stCondLst>
+                        <p:cond delay="indefinite"/>
+                      </p:stCondLst>
+                      <p:childTnLst>
+                        <p:par>
+                          <p:cTn id="24" fill="hold">
+                            <p:stCondLst>
+                              <p:cond delay="0"/>
+                            </p:stCondLst>
+                            <p:childTnLst>
+                              <p:par>
+                                <p:cTn id="25" presetID="3" presetClass="entr" presetSubtype="10" fill="hold" grpId="0" nodeType="clickEffect">
+                                  <p:stCondLst>
+                                    <p:cond delay="0"/>
+                                  </p:stCondLst>
+                                  <p:childTnLst>
+                                    <p:set>
+                                      <p:cBhvr>
+                                        <p:cTn id="26" dur="1" fill="hold">
+                                          <p:stCondLst>
+                                            <p:cond delay="0"/>
+                                          </p:stCondLst>
+                                        </p:cTn>
+                                        <p:tgtEl>
+                                          <p:spTgt spid="3">
+                                            <p:txEl>
+                                              <p:pRg st="7" end="7"/>
+                                            </p:txEl>
+                                          </p:spTgt>
+                                        </p:tgtEl>
+                                        <p:attrNameLst>
+                                          <p:attrName>style.visibility</p:attrName>
+                                        </p:attrNameLst>
+                                      </p:cBhvr>
+                                      <p:to>
+                                        <p:strVal val="visible"/>
+                                      </p:to>
+                                    </p:set>
+                                    <p:animEffect transition="in" filter="blinds(horizontal)">
+                                      <p:cBhvr>
+                                        <p:cTn id="27" dur="500"/>
+                                        <p:tgtEl>
+                                          <p:spTgt spid="3">
+                                            <p:txEl>
+                                              <p:pRg st="7" end="7"/>
+                                            </p:txEl>
+                                          </p:spTgt>
+                                        </p:tgtEl>
+                                      </p:cBhvr>
+                                    </p:animEffect>
+                                  </p:childTnLst>
+                                </p:cTn>
+                              </p:par>
+                            </p:childTnLst>
+                          </p:cTn>
+                        </p:par>
+                      </p:childTnLst>
+                    </p:cTn>
+                  </p:par>
+                  <p:par>
+                    <p:cTn id="28" fill="hold">
+                      <p:stCondLst>
+                        <p:cond delay="indefinite"/>
+                      </p:stCondLst>
+                      <p:childTnLst>
+                        <p:par>
+                          <p:cTn id="29" fill="hold">
+                            <p:stCondLst>
+                              <p:cond delay="0"/>
+                            </p:stCondLst>
+                            <p:childTnLst>
+                              <p:par>
+                                <p:cTn id="30" presetID="3" presetClass="entr" presetSubtype="10" fill="hold" grpId="0" nodeType="clickEffect">
+                                  <p:stCondLst>
+                                    <p:cond delay="0"/>
+                                  </p:stCondLst>
+                                  <p:childTnLst>
+                                    <p:set>
+                                      <p:cBhvr>
+                                        <p:cTn id="31" dur="1" fill="hold">
+                                          <p:stCondLst>
+                                            <p:cond delay="0"/>
+                                          </p:stCondLst>
+                                        </p:cTn>
+                                        <p:tgtEl>
+                                          <p:spTgt spid="3">
+                                            <p:txEl>
+                                              <p:pRg st="8" end="8"/>
+                                            </p:txEl>
+                                          </p:spTgt>
+                                        </p:tgtEl>
+                                        <p:attrNameLst>
+                                          <p:attrName>style.visibility</p:attrName>
+                                        </p:attrNameLst>
+                                      </p:cBhvr>
+                                      <p:to>
+                                        <p:strVal val="visible"/>
+                                      </p:to>
+                                    </p:set>
+                                    <p:animEffect transition="in" filter="blinds(horizontal)">
+                                      <p:cBhvr>
+                                        <p:cTn id="32" dur="500"/>
+                                        <p:tgtEl>
+                                          <p:spTgt spid="3">
+                                            <p:txEl>
+                                              <p:pRg st="8" end="8"/>
+                                            </p:txEl>
+                                          </p:spTgt>
+                                        </p:tgtEl>
+                                      </p:cBhvr>
+                                    </p:animEffect>
+                                  </p:childTnLst>
+                                </p:cTn>
+                              </p:par>
+                            </p:childTnLst>
+                          </p:cTn>
+                        </p:par>
+                      </p:childTnLst>
+                    </p:cTn>
+                  </p:par>
+                  <p:par>
+                    <p:cTn id="33" fill="hold">
+                      <p:stCondLst>
+                        <p:cond delay="indefinite"/>
+                      </p:stCondLst>
+                      <p:childTnLst>
+                        <p:par>
+                          <p:cTn id="34" fill="hold">
+                            <p:stCondLst>
+                              <p:cond delay="0"/>
+                            </p:stCondLst>
+                            <p:childTnLst>
+                              <p:par>
+                                <p:cTn id="35" presetID="3" presetClass="entr" presetSubtype="10" fill="hold" grpId="0" nodeType="clickEffect">
+                                  <p:stCondLst>
+                                    <p:cond delay="0"/>
+                                  </p:stCondLst>
+                                  <p:childTnLst>
+                                    <p:set>
+                                      <p:cBhvr>
+                                        <p:cTn id="36" dur="1" fill="hold">
+                                          <p:stCondLst>
+                                            <p:cond delay="0"/>
+                                          </p:stCondLst>
+                                        </p:cTn>
+                                        <p:tgtEl>
+                                          <p:spTgt spid="3">
+                                            <p:txEl>
+                                              <p:pRg st="9" end="9"/>
+                                            </p:txEl>
+                                          </p:spTgt>
+                                        </p:tgtEl>
+                                        <p:attrNameLst>
+                                          <p:attrName>style.visibility</p:attrName>
+                                        </p:attrNameLst>
+                                      </p:cBhvr>
+                                      <p:to>
+                                        <p:strVal val="visible"/>
+                                      </p:to>
+                                    </p:set>
+                                    <p:animEffect transition="in" filter="blinds(horizontal)">
+                                      <p:cBhvr>
+                                        <p:cTn id="37" dur="500"/>
+                                        <p:tgtEl>
+                                          <p:spTgt spid="3">
+                                            <p:txEl>
+                                              <p:pRg st="9" end="9"/>
+                                            </p:txEl>
+                                          </p:spTgt>
+                                        </p:tgtEl>
+                                      </p:cBhvr>
+                                    </p:animEffect>
+                                  </p:childTnLst>
+                                </p:cTn>
+                              </p:par>
+                            </p:childTnLst>
+                          </p:cTn>
+                        </p:par>
+                      </p:childTnLst>
+                    </p:cTn>
+                  </p:par>
+                </p:childTnLst>
+              </p:cTn>
+              <p:prevCondLst>
+                <p:cond evt="onPrev" delay="0">
+                  <p:tgtEl>
+                    <p:sldTgt/>
+                  </p:tgtEl>
+                </p:cond>
+              </p:prevCondLst>
+              <p:nextCondLst>
+                <p:cond evt="onNext" delay="0">
+                  <p:tgtEl>
+                    <p:sldTgt/>
+                  </p:tgtEl>
+                </p:cond>
+              </p:nextCondLst>
+            </p:seq>
+          </p:childTnLst>
+        </p:cTn>
+      </p:par>
+    </p:tnLst>
+    <p:bldLst>
+      <p:bldP spid="3" grpId="0" build="p"/>
+      <p:bldP spid="3" grpId="1" build="p"/>
+    </p:bldLst>
+  </p:timing>
 </p:sld>
 </file>
 
@@ -17156,24 +18443,115 @@
           <a:p>
             <a:pPr algn="l"/>
             <a:r>
-              <a:rPr lang="zh-CN" b="1">
-                <a:sym typeface="+mn-ea"/>
-              </a:rPr>
-              <a:t>基于会话的</a:t>
+              <a:rPr lang="zh-CN" altLang="en-US" b="1">
+                <a:sym typeface="+mn-ea"/>
+              </a:rPr>
+              <a:t>分布式事务</a:t>
             </a:r>
             <a:r>
               <a:rPr lang="en-US" altLang="zh-CN" b="1">
                 <a:sym typeface="+mn-ea"/>
               </a:rPr>
-              <a:t>SSO--</a:t>
+              <a:t>-</a:t>
             </a:r>
             <a:r>
               <a:rPr lang="zh-CN" altLang="en-US" b="1">
                 <a:sym typeface="+mn-ea"/>
               </a:rPr>
-              <a:t>注销</a:t>
-            </a:r>
-            <a:endParaRPr lang="zh-CN" altLang="en-US" b="1">
+              <a:t>协议及</a:t>
+            </a:r>
+            <a:r>
+              <a:rPr lang="zh-CN" altLang="en-US" b="1">
+                <a:sym typeface="+mn-ea"/>
+              </a:rPr>
+              <a:t>解决方案</a:t>
+            </a:r>
+            <a:endParaRPr lang="en-US" altLang="zh-CN" b="1">
+              <a:sym typeface="+mn-ea"/>
+            </a:endParaRPr>
+          </a:p>
+        </p:txBody>
+      </p:sp>
+      <p:sp>
+        <p:nvSpPr>
+          <p:cNvPr id="3" name="内容占位符 2"/>
+          <p:cNvSpPr>
+            <a:spLocks noGrp="1"/>
+          </p:cNvSpPr>
+          <p:nvPr>
+            <p:ph idx="1"/>
+          </p:nvPr>
+        </p:nvSpPr>
+        <p:spPr>
+          <a:xfrm>
+            <a:off x="457200" y="1142365"/>
+            <a:ext cx="8289290" cy="5585460"/>
+          </a:xfrm>
+        </p:spPr>
+        <p:txBody>
+          <a:bodyPr>
+            <a:noAutofit/>
+          </a:bodyPr>
+          <a:p>
+            <a:pPr marL="0" indent="0">
+              <a:buFont typeface="+mj-ea"/>
+              <a:buNone/>
+            </a:pPr>
+            <a:r>
+              <a:rPr lang="zh-CN" altLang="en-US" sz="1800" b="1">
+                <a:sym typeface="+mn-ea"/>
+              </a:rPr>
+              <a:t>本地消息表方案：</a:t>
+            </a:r>
+            <a:endParaRPr lang="zh-CN" altLang="en-US" sz="1800" b="1">
+              <a:sym typeface="+mn-ea"/>
+            </a:endParaRPr>
+          </a:p>
+          <a:p>
+            <a:pPr marL="0" indent="0">
+              <a:buFont typeface="+mj-ea"/>
+              <a:buNone/>
+            </a:pPr>
+            <a:r>
+              <a:rPr lang="en-US" altLang="zh-CN" sz="1800" b="1">
+                <a:sym typeface="+mn-ea"/>
+              </a:rPr>
+              <a:t>         此方案的核心是通过本地事务保证数据业务操作和消息的一致性，然后通过定时任务将消息发送至消息中间件，待确认消息发送给消费方成功再将消息删除。</a:t>
+            </a:r>
+            <a:endParaRPr lang="en-US" altLang="zh-CN" sz="1800" b="1">
+              <a:sym typeface="+mn-ea"/>
+            </a:endParaRPr>
+          </a:p>
+          <a:p>
+            <a:pPr marL="0" indent="0">
+              <a:buFont typeface="+mj-ea"/>
+              <a:buNone/>
+            </a:pPr>
+            <a:r>
+              <a:rPr lang="en-US" altLang="zh-CN" sz="1800" b="1">
+                <a:sym typeface="+mn-ea"/>
+              </a:rPr>
+              <a:t>        下面以注册送积分为例来说明 ：共有两个微服务交互，用户服务和积分服务，用户服务负责添加用户，积分服务负责增加积分。</a:t>
+            </a:r>
+            <a:endParaRPr lang="en-US" altLang="zh-CN" sz="1800" b="1">
+              <a:sym typeface="+mn-ea"/>
+            </a:endParaRPr>
+          </a:p>
+          <a:p>
+            <a:pPr marL="0" indent="0">
+              <a:buFont typeface="+mj-ea"/>
+              <a:buNone/>
+            </a:pPr>
+            <a:endParaRPr lang="en-US" altLang="zh-CN" sz="1800" b="1">
+              <a:sym typeface="+mn-ea"/>
+            </a:endParaRPr>
+          </a:p>
+          <a:p>
+            <a:pPr marL="0" indent="0">
+              <a:buFont typeface="+mj-ea"/>
+              <a:buNone/>
+            </a:pPr>
+            <a:endParaRPr lang="en-US" altLang="zh-CN" sz="1800" b="1">
               <a:sym typeface="+mn-ea"/>
             </a:endParaRPr>
           </a:p>
@@ -17181,7 +18559,7 @@
       </p:sp>
       <p:pic>
         <p:nvPicPr>
-          <p:cNvPr id="3" name="图片 2"/>
+          <p:cNvPr id="4" name="图片 3"/>
           <p:cNvPicPr>
             <a:picLocks noChangeAspect="1"/>
           </p:cNvPicPr>
@@ -17195,8 +18573,8 @@
         </p:blipFill>
         <p:spPr>
           <a:xfrm>
-            <a:off x="586105" y="1143000"/>
-            <a:ext cx="6648450" cy="4752975"/>
+            <a:off x="570230" y="2835910"/>
+            <a:ext cx="8315325" cy="3681095"/>
           </a:xfrm>
           <a:prstGeom prst="rect">
             <a:avLst/>
@@ -17208,6 +18586,16 @@
   <p:clrMapOvr>
     <a:masterClrMapping/>
   </p:clrMapOvr>
+  <p:timing>
+    <p:tnLst>
+      <p:par>
+        <p:cTn id="1" dur="indefinite" restart="never" nodeType="tmRoot"/>
+      </p:par>
+    </p:tnLst>
+    <p:bldLst>
+      <p:bldP spid="3" grpId="1" build="p"/>
+    </p:bldLst>
+  </p:timing>
 </p:sld>
 </file>
 
@@ -17244,28 +18632,28 @@
           <a:p>
             <a:pPr algn="l"/>
             <a:r>
-              <a:rPr lang="zh-CN" b="1">
-                <a:sym typeface="+mn-ea"/>
-              </a:rPr>
-              <a:t>基于</a:t>
+              <a:rPr lang="zh-CN" altLang="en-US" b="1">
+                <a:sym typeface="+mn-ea"/>
+              </a:rPr>
+              <a:t>分布式事务</a:t>
             </a:r>
             <a:r>
               <a:rPr lang="en-US" altLang="zh-CN" b="1">
                 <a:sym typeface="+mn-ea"/>
               </a:rPr>
-              <a:t>JWT</a:t>
-            </a:r>
-            <a:r>
-              <a:rPr lang="zh-CN" b="1">
-                <a:sym typeface="+mn-ea"/>
-              </a:rPr>
-              <a:t>的</a:t>
-            </a:r>
-            <a:r>
-              <a:rPr lang="en-US" altLang="zh-CN" b="1">
-                <a:sym typeface="+mn-ea"/>
-              </a:rPr>
-              <a:t>SSO</a:t>
+              <a:t>-</a:t>
+            </a:r>
+            <a:r>
+              <a:rPr lang="zh-CN" altLang="en-US" b="1">
+                <a:sym typeface="+mn-ea"/>
+              </a:rPr>
+              <a:t>协议及</a:t>
+            </a:r>
+            <a:r>
+              <a:rPr lang="zh-CN" altLang="en-US" b="1">
+                <a:sym typeface="+mn-ea"/>
+              </a:rPr>
+              <a:t>解决方案</a:t>
             </a:r>
             <a:endParaRPr lang="en-US" altLang="zh-CN" b="1">
               <a:sym typeface="+mn-ea"/>
@@ -17285,13 +18673,13 @@
         </p:nvSpPr>
         <p:spPr>
           <a:xfrm>
-            <a:off x="457200" y="1143000"/>
-            <a:ext cx="8289290" cy="5147310"/>
+            <a:off x="457200" y="1142365"/>
+            <a:ext cx="8289290" cy="5585460"/>
           </a:xfrm>
         </p:spPr>
         <p:txBody>
           <a:bodyPr>
-            <a:normAutofit lnSpcReduction="10000"/>
+            <a:noAutofit/>
           </a:bodyPr>
           <a:p>
             <a:pPr marL="0" indent="0">
@@ -17299,17 +18687,13 @@
               <a:buNone/>
             </a:pPr>
             <a:r>
-              <a:rPr lang="zh-CN" altLang="en-US" sz="1750">
-                <a:solidFill>
-                  <a:schemeClr val="tx1"/>
-                </a:solidFill>
-              </a:rPr>
-              <a:t>注：参考资料</a:t>
-            </a:r>
-            <a:endParaRPr lang="zh-CN" altLang="en-US" sz="1750">
-              <a:solidFill>
-                <a:schemeClr val="tx1"/>
-              </a:solidFill>
+              <a:rPr lang="zh-CN" altLang="en-US" sz="1400" b="1">
+                <a:sym typeface="+mn-ea"/>
+              </a:rPr>
+              <a:t>交互流程如下 ：</a:t>
+            </a:r>
+            <a:endParaRPr lang="zh-CN" altLang="en-US" sz="1400" b="1">
+              <a:sym typeface="+mn-ea"/>
             </a:endParaRPr>
           </a:p>
           <a:p>
@@ -17318,17 +18702,247 @@
               <a:buNone/>
             </a:pPr>
             <a:r>
-              <a:rPr lang="zh-CN" altLang="en-US" sz="1750">
-                <a:solidFill>
-                  <a:schemeClr val="tx1"/>
-                </a:solidFill>
-              </a:rPr>
-              <a:t>       https://www.cnblogs.com/xieqing/p/6519907.html</a:t>
-            </a:r>
-            <a:endParaRPr lang="zh-CN" altLang="en-US" sz="1750">
-              <a:solidFill>
-                <a:schemeClr val="tx1"/>
-              </a:solidFill>
+              <a:rPr lang="zh-CN" altLang="en-US" sz="1400" b="1">
+                <a:sym typeface="+mn-ea"/>
+              </a:rPr>
+              <a:t>1、用户注册</a:t>
+            </a:r>
+            <a:endParaRPr lang="zh-CN" altLang="en-US" sz="1400" b="1">
+              <a:sym typeface="+mn-ea"/>
+            </a:endParaRPr>
+          </a:p>
+          <a:p>
+            <a:pPr marL="0" indent="0">
+              <a:buFont typeface="+mj-ea"/>
+              <a:buNone/>
+            </a:pPr>
+            <a:r>
+              <a:rPr lang="zh-CN" altLang="en-US" sz="1400" b="1">
+                <a:sym typeface="+mn-ea"/>
+              </a:rPr>
+              <a:t>用户服务在本地事务新增用户和增加“积分消息日志”。（用户表和消息表通过本地事务保证一致）</a:t>
+            </a:r>
+            <a:endParaRPr lang="zh-CN" altLang="en-US" sz="1400" b="1">
+              <a:sym typeface="+mn-ea"/>
+            </a:endParaRPr>
+          </a:p>
+          <a:p>
+            <a:pPr marL="0" indent="0">
+              <a:buFont typeface="+mj-ea"/>
+              <a:buNone/>
+            </a:pPr>
+            <a:r>
+              <a:rPr lang="zh-CN" altLang="en-US" sz="1400" b="1">
+                <a:sym typeface="+mn-ea"/>
+              </a:rPr>
+              <a:t>下表是伪代码</a:t>
+            </a:r>
+            <a:endParaRPr lang="zh-CN" altLang="en-US" sz="1400" b="1">
+              <a:sym typeface="+mn-ea"/>
+            </a:endParaRPr>
+          </a:p>
+          <a:p>
+            <a:pPr marL="0" indent="0">
+              <a:buFont typeface="+mj-ea"/>
+              <a:buNone/>
+            </a:pPr>
+            <a:r>
+              <a:rPr lang="zh-CN" altLang="en-US" sz="1400" b="1">
+                <a:sym typeface="+mn-ea"/>
+              </a:rPr>
+              <a:t>begin transaction；</a:t>
+            </a:r>
+            <a:endParaRPr lang="zh-CN" altLang="en-US" sz="1400" b="1">
+              <a:sym typeface="+mn-ea"/>
+            </a:endParaRPr>
+          </a:p>
+          <a:p>
+            <a:pPr marL="457200" lvl="1" indent="0">
+              <a:buFont typeface="+mj-ea"/>
+              <a:buNone/>
+            </a:pPr>
+            <a:r>
+              <a:rPr lang="zh-CN" altLang="en-US" sz="1225" b="1">
+                <a:sym typeface="+mn-ea"/>
+              </a:rPr>
+              <a:t>// 1.新增用户</a:t>
+            </a:r>
+            <a:endParaRPr lang="zh-CN" altLang="en-US" sz="1225" b="1">
+              <a:sym typeface="+mn-ea"/>
+            </a:endParaRPr>
+          </a:p>
+          <a:p>
+            <a:pPr marL="457200" lvl="1" indent="0">
+              <a:buFont typeface="+mj-ea"/>
+              <a:buNone/>
+            </a:pPr>
+            <a:r>
+              <a:rPr lang="zh-CN" altLang="en-US" sz="1225" b="1">
+                <a:sym typeface="+mn-ea"/>
+              </a:rPr>
+              <a:t>// 2.存储积分消息日志</a:t>
+            </a:r>
+            <a:endParaRPr lang="zh-CN" altLang="en-US" sz="1225" b="1">
+              <a:sym typeface="+mn-ea"/>
+            </a:endParaRPr>
+          </a:p>
+          <a:p>
+            <a:pPr marL="0" indent="0">
+              <a:buFont typeface="+mj-ea"/>
+              <a:buNone/>
+            </a:pPr>
+            <a:r>
+              <a:rPr lang="zh-CN" altLang="en-US" sz="1400" b="1">
+                <a:sym typeface="+mn-ea"/>
+              </a:rPr>
+              <a:t>commit transation；		</a:t>
+            </a:r>
+            <a:endParaRPr lang="zh-CN" altLang="en-US" sz="1400" b="1">
+              <a:sym typeface="+mn-ea"/>
+            </a:endParaRPr>
+          </a:p>
+          <a:p>
+            <a:pPr marL="0" indent="0">
+              <a:buFont typeface="+mj-ea"/>
+              <a:buNone/>
+            </a:pPr>
+            <a:r>
+              <a:rPr lang="zh-CN" altLang="en-US" sz="1400" b="1">
+                <a:sym typeface="+mn-ea"/>
+              </a:rPr>
+              <a:t>这种情况下，本地数据库操作与存储积分消息日志处于同一事务中，本地数据库操作与记录消息日志操作具备原子性。</a:t>
+            </a:r>
+            <a:endParaRPr lang="zh-CN" altLang="en-US" sz="1400" b="1">
+              <a:sym typeface="+mn-ea"/>
+            </a:endParaRPr>
+          </a:p>
+          <a:p>
+            <a:pPr marL="0" indent="0">
+              <a:buFont typeface="+mj-ea"/>
+              <a:buNone/>
+            </a:pPr>
+            <a:r>
+              <a:rPr lang="zh-CN" altLang="en-US" sz="1400" b="1">
+                <a:sym typeface="+mn-ea"/>
+              </a:rPr>
+              <a:t>2、定时任务扫描日志</a:t>
+            </a:r>
+            <a:endParaRPr lang="zh-CN" altLang="en-US" sz="1400" b="1">
+              <a:sym typeface="+mn-ea"/>
+            </a:endParaRPr>
+          </a:p>
+          <a:p>
+            <a:pPr marL="0" indent="0">
+              <a:buFont typeface="+mj-ea"/>
+              <a:buNone/>
+            </a:pPr>
+            <a:r>
+              <a:rPr lang="zh-CN" altLang="en-US" sz="1400" b="1">
+                <a:sym typeface="+mn-ea"/>
+              </a:rPr>
+              <a:t>如何保证将消息发送给消息队列呢？</a:t>
+            </a:r>
+            <a:endParaRPr lang="zh-CN" altLang="en-US" sz="1400" b="1">
+              <a:sym typeface="+mn-ea"/>
+            </a:endParaRPr>
+          </a:p>
+          <a:p>
+            <a:pPr marL="0" indent="0">
+              <a:buFont typeface="+mj-ea"/>
+              <a:buNone/>
+            </a:pPr>
+            <a:r>
+              <a:rPr lang="zh-CN" altLang="en-US" sz="1400" b="1">
+                <a:sym typeface="+mn-ea"/>
+              </a:rPr>
+              <a:t>经过第一步消息已经写到消息日志表中，可以启动独立的线程，定时对消息日志表中的消息进行扫描并发送至消息中间件，在消息中间件反馈发送成功后删除该消息日志，否则等待定时任务下一周期重试。</a:t>
+            </a:r>
+            <a:endParaRPr lang="zh-CN" altLang="en-US" sz="1400" b="1">
+              <a:sym typeface="+mn-ea"/>
+            </a:endParaRPr>
+          </a:p>
+          <a:p>
+            <a:pPr marL="0" indent="0">
+              <a:buFont typeface="+mj-ea"/>
+              <a:buNone/>
+            </a:pPr>
+            <a:r>
+              <a:rPr lang="zh-CN" altLang="en-US" sz="1400" b="1">
+                <a:sym typeface="+mn-ea"/>
+              </a:rPr>
+              <a:t>3、消费消息</a:t>
+            </a:r>
+            <a:endParaRPr lang="zh-CN" altLang="en-US" sz="1400" b="1">
+              <a:sym typeface="+mn-ea"/>
+            </a:endParaRPr>
+          </a:p>
+          <a:p>
+            <a:pPr marL="0" indent="0">
+              <a:buFont typeface="+mj-ea"/>
+              <a:buNone/>
+            </a:pPr>
+            <a:r>
+              <a:rPr lang="zh-CN" altLang="en-US" sz="1400" b="1">
+                <a:sym typeface="+mn-ea"/>
+              </a:rPr>
+              <a:t>如何保证消费者一定能消费到消息呢？</a:t>
+            </a:r>
+            <a:endParaRPr lang="zh-CN" altLang="en-US" sz="1400" b="1">
+              <a:sym typeface="+mn-ea"/>
+            </a:endParaRPr>
+          </a:p>
+          <a:p>
+            <a:pPr marL="0" indent="0">
+              <a:buFont typeface="+mj-ea"/>
+              <a:buNone/>
+            </a:pPr>
+            <a:r>
+              <a:rPr lang="zh-CN" altLang="en-US" sz="1400" b="1">
+                <a:sym typeface="+mn-ea"/>
+              </a:rPr>
+              <a:t>这里可以使用MQ的ack（即消息确认）机制，消费者监听MQ，如果消费者接收到消息并且业务处理完成后向MQ发送ack（即消息确认），此时说明消费者正常消费消息完成，MQ将不再向消费者推送消息，否则消费者会不断重试向消费者来发送消息。</a:t>
+            </a:r>
+            <a:endParaRPr lang="zh-CN" altLang="en-US" sz="1400" b="1">
+              <a:sym typeface="+mn-ea"/>
+            </a:endParaRPr>
+          </a:p>
+          <a:p>
+            <a:pPr marL="0" indent="0">
+              <a:buFont typeface="+mj-ea"/>
+              <a:buNone/>
+            </a:pPr>
+            <a:r>
+              <a:rPr lang="zh-CN" altLang="en-US" sz="1400" b="1">
+                <a:sym typeface="+mn-ea"/>
+              </a:rPr>
+              <a:t>积分服务接收到“增加积分”消息，开始增加积分，积分增加成功后消息中间件回应ack，否则消息中间件将重复投递此消息。</a:t>
+            </a:r>
+            <a:endParaRPr lang="zh-CN" altLang="en-US" sz="1400" b="1">
+              <a:sym typeface="+mn-ea"/>
+            </a:endParaRPr>
+          </a:p>
+          <a:p>
+            <a:pPr marL="0" indent="0">
+              <a:buFont typeface="+mj-ea"/>
+              <a:buNone/>
+            </a:pPr>
+            <a:r>
+              <a:rPr lang="zh-CN" altLang="en-US" sz="1400" b="1">
+                <a:sym typeface="+mn-ea"/>
+              </a:rPr>
+              <a:t>由于消息会重复投递，积分服务的“增加积分”功能需要实现幂等性。</a:t>
+            </a:r>
+            <a:endParaRPr lang="zh-CN" altLang="en-US" sz="1400" b="1">
+              <a:sym typeface="+mn-ea"/>
+            </a:endParaRPr>
+          </a:p>
+          <a:p>
+            <a:pPr marL="0" indent="0">
+              <a:buFont typeface="+mj-ea"/>
+              <a:buNone/>
+            </a:pPr>
+            <a:endParaRPr lang="en-US" altLang="zh-CN" sz="1400" b="1">
+              <a:sym typeface="+mn-ea"/>
             </a:endParaRPr>
           </a:p>
         </p:txBody>
@@ -17338,6 +18952,16 @@
   <p:clrMapOvr>
     <a:masterClrMapping/>
   </p:clrMapOvr>
+  <p:timing>
+    <p:tnLst>
+      <p:par>
+        <p:cTn id="1" dur="indefinite" restart="never" nodeType="tmRoot"/>
+      </p:par>
+    </p:tnLst>
+    <p:bldLst>
+      <p:bldP spid="3" grpId="1" build="p"/>
+    </p:bldLst>
+  </p:timing>
 </p:sld>
 </file>
 
@@ -17374,12 +18998,30 @@
           <a:p>
             <a:pPr algn="l"/>
             <a:r>
-              <a:rPr lang="en-US" b="1">
-                <a:sym typeface="+mn-ea"/>
-              </a:rPr>
-              <a:t>OAuth2.0</a:t>
-            </a:r>
-            <a:endParaRPr lang="en-US" b="1">
+              <a:rPr lang="zh-CN" altLang="en-US" b="1">
+                <a:sym typeface="+mn-ea"/>
+              </a:rPr>
+              <a:t>分布式事务</a:t>
+            </a:r>
+            <a:r>
+              <a:rPr lang="en-US" altLang="zh-CN" b="1">
+                <a:sym typeface="+mn-ea"/>
+              </a:rPr>
+              <a:t>-</a:t>
+            </a:r>
+            <a:r>
+              <a:rPr lang="zh-CN" altLang="en-US" b="1">
+                <a:sym typeface="+mn-ea"/>
+              </a:rPr>
+              <a:t>协议及</a:t>
+            </a:r>
+            <a:r>
+              <a:rPr lang="zh-CN" altLang="en-US" b="1">
+                <a:sym typeface="+mn-ea"/>
+              </a:rPr>
+              <a:t>解决方案</a:t>
+            </a:r>
+            <a:endParaRPr lang="en-US" altLang="zh-CN" b="1">
               <a:sym typeface="+mn-ea"/>
             </a:endParaRPr>
           </a:p>
@@ -17397,13 +19039,13 @@
         </p:nvSpPr>
         <p:spPr>
           <a:xfrm>
-            <a:off x="457200" y="877570"/>
-            <a:ext cx="8289290" cy="5748020"/>
+            <a:off x="457200" y="1142365"/>
+            <a:ext cx="8289290" cy="5585460"/>
           </a:xfrm>
         </p:spPr>
         <p:txBody>
           <a:bodyPr>
-            <a:normAutofit/>
+            <a:noAutofit/>
           </a:bodyPr>
           <a:p>
             <a:pPr marL="0" indent="0">
@@ -17411,31 +19053,19 @@
               <a:buNone/>
             </a:pPr>
             <a:r>
-              <a:rPr lang="en-US" altLang="zh-CN" sz="2220">
-                <a:cs typeface="+mn-lt"/>
-                <a:sym typeface="+mn-ea"/>
-              </a:rPr>
-              <a:t>1. </a:t>
-            </a:r>
-            <a:r>
-              <a:rPr lang="zh-CN" altLang="en-US" sz="2220">
-                <a:cs typeface="+mn-lt"/>
-                <a:sym typeface="+mn-ea"/>
-              </a:rPr>
-              <a:t>什么是</a:t>
-            </a:r>
-            <a:r>
-              <a:rPr lang="en-US" altLang="zh-CN" sz="2220">
-                <a:cs typeface="+mn-lt"/>
-                <a:sym typeface="+mn-ea"/>
-              </a:rPr>
-              <a:t>OAuth2.0</a:t>
-            </a:r>
-            <a:endParaRPr lang="zh-CN" altLang="en-US" sz="2220">
-              <a:solidFill>
-                <a:schemeClr val="tx1"/>
-              </a:solidFill>
-              <a:cs typeface="+mn-lt"/>
+              <a:rPr lang="zh-CN" altLang="en-US" sz="1800" b="1">
+                <a:sym typeface="+mn-ea"/>
+              </a:rPr>
+              <a:t>基于RocketMQ事务消息</a:t>
+            </a:r>
+            <a:r>
+              <a:rPr lang="zh-CN" altLang="en-US" sz="1800" b="1">
+                <a:sym typeface="+mn-ea"/>
+              </a:rPr>
+              <a:t>方案：</a:t>
+            </a:r>
+            <a:endParaRPr lang="zh-CN" altLang="en-US" sz="1800" b="1">
+              <a:sym typeface="+mn-ea"/>
             </a:endParaRPr>
           </a:p>
           <a:p>
@@ -17444,12 +19074,24 @@
               <a:buNone/>
             </a:pPr>
             <a:r>
-              <a:rPr lang="zh-CN" altLang="en-US" sz="1750">
-                <a:sym typeface="+mn-ea"/>
-              </a:rPr>
-              <a:t>         OAuth（开放授权）是一个开放标准，允许用户让第三方应用访问该用户在某一网站上存储的私密的资源（如照片，视频，联系人列表），而无需将用户名和密码提供给第三方应用。</a:t>
-            </a:r>
-            <a:endParaRPr lang="zh-CN" altLang="en-US" sz="1750">
+              <a:rPr lang="en-US" altLang="zh-CN" sz="1800" b="1">
+                <a:sym typeface="+mn-ea"/>
+              </a:rPr>
+              <a:t>         RocketMQ是一个来自阿里巴巴的分布式消息中间件，于2012年开源，并在2017年正式成为Apache顶级项目。据了解，包括阿里云上的消息产品以及收购的子公司在内，阿里集团的消息产品全线都运行在RocketMQ之上，并且最近几年的双十一大促中，RocketMQ都有抢眼表现。Apache RocketMQ 4.3之后的版本正式支持事务消息，为分布式事务实现提供</a:t>
+            </a:r>
+            <a:r>
+              <a:rPr lang="zh-CN" altLang="en-US" sz="1800" b="1">
+                <a:sym typeface="+mn-ea"/>
+              </a:rPr>
+              <a:t>了</a:t>
+            </a:r>
+            <a:r>
+              <a:rPr lang="en-US" altLang="zh-CN" sz="1800" b="1">
+                <a:sym typeface="+mn-ea"/>
+              </a:rPr>
+              <a:t>便利性支持。</a:t>
+            </a:r>
+            <a:endParaRPr lang="en-US" altLang="zh-CN" sz="1800" b="1">
               <a:sym typeface="+mn-ea"/>
             </a:endParaRPr>
           </a:p>
@@ -17459,220 +19101,100 @@
               <a:buNone/>
             </a:pPr>
             <a:r>
-              <a:rPr lang="zh-CN" altLang="en-US" sz="1750">
-                <a:solidFill>
-                  <a:schemeClr val="tx1"/>
-                </a:solidFill>
-              </a:rPr>
-              <a:t>         OAuth的参与实体至少有如下几个：</a:t>
-            </a:r>
-            <a:endParaRPr lang="zh-CN" altLang="en-US" sz="1750">
-              <a:solidFill>
-                <a:schemeClr val="tx1"/>
-              </a:solidFill>
-            </a:endParaRPr>
-          </a:p>
-          <a:p>
-            <a:pPr lvl="1">
+              <a:rPr lang="en-US" altLang="zh-CN" sz="1800" b="1">
+                <a:sym typeface="+mn-ea"/>
+              </a:rPr>
+              <a:t>RocketMQ事务消息设计则主要是为了解决</a:t>
+            </a:r>
+            <a:r>
+              <a:rPr lang="zh-CN" altLang="en-US" sz="1800" b="1">
+                <a:sym typeface="+mn-ea"/>
+              </a:rPr>
+              <a:t>事务发起方</a:t>
+            </a:r>
+            <a:r>
+              <a:rPr lang="en-US" altLang="zh-CN" sz="1800" b="1">
+                <a:sym typeface="+mn-ea"/>
+              </a:rPr>
+              <a:t>的消息发送与本地事务执行的原子性问题，RocketMQ的设计中</a:t>
+            </a:r>
+            <a:r>
+              <a:rPr lang="zh-CN" altLang="en-US" sz="1800" b="1">
+                <a:sym typeface="+mn-ea"/>
+              </a:rPr>
+              <a:t>消息</a:t>
+            </a:r>
+            <a:r>
+              <a:rPr lang="zh-CN" altLang="en-US" sz="1800" b="1">
+                <a:sym typeface="+mn-ea"/>
+              </a:rPr>
+              <a:t>中间件</a:t>
+            </a:r>
+            <a:r>
+              <a:rPr lang="en-US" altLang="zh-CN" sz="1800" b="1">
+                <a:sym typeface="+mn-ea"/>
+              </a:rPr>
+              <a:t>与</a:t>
+            </a:r>
+            <a:r>
+              <a:rPr lang="zh-CN" altLang="en-US" sz="1800" b="1">
+                <a:sym typeface="+mn-ea"/>
+              </a:rPr>
+              <a:t>事务发起方</a:t>
+            </a:r>
+            <a:r>
+              <a:rPr lang="en-US" altLang="zh-CN" sz="1800" b="1">
+                <a:sym typeface="+mn-ea"/>
+              </a:rPr>
+              <a:t>端的双向通信能力，使得broker天生可以作为一个事务协调者存在；而RocketMQ本身提供的存储机制为事务消息提供了持久化能力；RocketMQ的高可用机制以及可靠消息设计则为事务消息在系统发生异常时依然能够保证达成事务的最终一致性。</a:t>
+            </a:r>
+            <a:endParaRPr lang="en-US" altLang="zh-CN" sz="1800" b="1">
+              <a:sym typeface="+mn-ea"/>
+            </a:endParaRPr>
+          </a:p>
+          <a:p>
+            <a:pPr marL="0" indent="0">
               <a:buFont typeface="+mj-ea"/>
-              <a:buAutoNum type="circleNumDbPlain"/>
-            </a:pPr>
-            <a:r>
-              <a:rPr lang="zh-CN" altLang="en-US" sz="1530">
-                <a:solidFill>
-                  <a:schemeClr val="tx1"/>
-                </a:solidFill>
-              </a:rPr>
-              <a:t>RO (resource owner): 资源所有者，对资源具有授权能力的人（即用户）。</a:t>
-            </a:r>
-            <a:endParaRPr lang="zh-CN" altLang="en-US" sz="1530">
-              <a:solidFill>
-                <a:schemeClr val="tx1"/>
-              </a:solidFill>
-            </a:endParaRPr>
-          </a:p>
-          <a:p>
-            <a:pPr lvl="1">
+              <a:buNone/>
+            </a:pPr>
+            <a:r>
+              <a:rPr lang="en-US" altLang="zh-CN" sz="1800" b="1">
+                <a:sym typeface="+mn-ea"/>
+              </a:rPr>
+              <a:t>在RocketMQ 4.3后实现了完整的事务消息，实际上其实是对本地消息表的一个封装，将本地消息表移动到了MQ内部，解决</a:t>
+            </a:r>
+            <a:r>
+              <a:rPr lang="zh-CN" altLang="en-US" sz="1800" b="1">
+                <a:sym typeface="+mn-ea"/>
+              </a:rPr>
+              <a:t>事务发起方</a:t>
+            </a:r>
+            <a:r>
+              <a:rPr lang="en-US" altLang="zh-CN" sz="1800" b="1">
+                <a:sym typeface="+mn-ea"/>
+              </a:rPr>
+              <a:t>的消息发送与本地事务执行的原子性问题。</a:t>
+            </a:r>
+            <a:endParaRPr lang="en-US" altLang="zh-CN" sz="1800" b="1">
+              <a:sym typeface="+mn-ea"/>
+            </a:endParaRPr>
+          </a:p>
+          <a:p>
+            <a:pPr marL="0" indent="0">
               <a:buFont typeface="+mj-ea"/>
-              <a:buAutoNum type="circleNumDbPlain"/>
-            </a:pPr>
-            <a:r>
-              <a:rPr lang="zh-CN" altLang="en-US" sz="1530">
-                <a:solidFill>
-                  <a:schemeClr val="tx1"/>
-                </a:solidFill>
-              </a:rPr>
-              <a:t>RS (resource server): 资源服务器，它存储资源，并处理对资源的访问请求。</a:t>
-            </a:r>
-            <a:endParaRPr lang="zh-CN" altLang="en-US" sz="1530">
-              <a:solidFill>
-                <a:schemeClr val="tx1"/>
-              </a:solidFill>
-            </a:endParaRPr>
-          </a:p>
-          <a:p>
-            <a:pPr lvl="1">
+              <a:buNone/>
+            </a:pPr>
+            <a:endParaRPr lang="en-US" altLang="zh-CN" sz="1800" b="1">
+              <a:sym typeface="+mn-ea"/>
+            </a:endParaRPr>
+          </a:p>
+          <a:p>
+            <a:pPr marL="0" indent="0">
               <a:buFont typeface="+mj-ea"/>
-              <a:buAutoNum type="circleNumDbPlain"/>
-            </a:pPr>
-            <a:r>
-              <a:rPr lang="zh-CN" altLang="en-US" sz="1530">
-                <a:solidFill>
-                  <a:schemeClr val="tx1"/>
-                </a:solidFill>
-              </a:rPr>
-              <a:t>AS (authorization server): 授权服务器，它认证RO的身份，为RO提供授权审批流程，并最终颁发授权令牌(Access Token)，在物理上，AS与RS的功能可以由同一个服务器来提供服务。</a:t>
-            </a:r>
-            <a:endParaRPr lang="zh-CN" altLang="en-US" sz="1530">
-              <a:solidFill>
-                <a:schemeClr val="tx1"/>
-              </a:solidFill>
-            </a:endParaRPr>
-          </a:p>
-          <a:p>
-            <a:pPr lvl="1">
-              <a:buFont typeface="+mj-ea"/>
-              <a:buAutoNum type="circleNumDbPlain"/>
-            </a:pPr>
-            <a:r>
-              <a:rPr lang="zh-CN" altLang="en-US" sz="1530">
-                <a:solidFill>
-                  <a:schemeClr val="tx1"/>
-                </a:solidFill>
-              </a:rPr>
-              <a:t>Client: 第三方应用，它获得RO的授权后便可以去访问RO的资源。</a:t>
-            </a:r>
-            <a:endParaRPr lang="zh-CN" altLang="en-US" sz="1530">
-              <a:solidFill>
-                <a:schemeClr val="tx1"/>
-              </a:solidFill>
-            </a:endParaRPr>
-          </a:p>
-          <a:p>
-            <a:pPr marL="457200" lvl="1" indent="0">
-              <a:buFont typeface="+mj-ea"/>
-              <a:buNone/>
-            </a:pPr>
-            <a:endParaRPr lang="zh-CN" altLang="en-US" sz="1530">
-              <a:solidFill>
-                <a:schemeClr val="tx1"/>
-              </a:solidFill>
-            </a:endParaRPr>
-          </a:p>
-          <a:p>
-            <a:pPr marL="0" lvl="0" algn="l">
-              <a:buClrTx/>
-              <a:buSzTx/>
-              <a:buFont typeface="+mj-ea"/>
-              <a:buNone/>
-            </a:pPr>
-            <a:r>
-              <a:rPr lang="en-US" altLang="zh-CN" sz="2220">
-                <a:solidFill>
-                  <a:schemeClr val="tx1"/>
-                </a:solidFill>
-                <a:cs typeface="+mn-lt"/>
-              </a:rPr>
-              <a:t>2. OAuth2.0</a:t>
-            </a:r>
-            <a:r>
-              <a:rPr lang="zh-CN" altLang="en-US" sz="2220">
-                <a:solidFill>
-                  <a:schemeClr val="tx1"/>
-                </a:solidFill>
-                <a:cs typeface="+mn-lt"/>
-              </a:rPr>
-              <a:t>的授权模式</a:t>
-            </a:r>
-            <a:endParaRPr lang="zh-CN" altLang="en-US" sz="2220">
-              <a:solidFill>
-                <a:schemeClr val="tx1"/>
-              </a:solidFill>
-              <a:cs typeface="+mn-lt"/>
-            </a:endParaRPr>
-          </a:p>
-          <a:p>
-            <a:pPr lvl="1" algn="l">
-              <a:buClrTx/>
-              <a:buSzTx/>
-              <a:buFont typeface="+mj-ea"/>
-              <a:buAutoNum type="circleNumDbPlain"/>
-            </a:pPr>
-            <a:r>
-              <a:rPr lang="zh-CN" altLang="en-US" sz="1530">
-                <a:solidFill>
-                  <a:schemeClr val="tx1"/>
-                </a:solidFill>
-              </a:rPr>
-              <a:t>授权码模式（Authorization Code）：第三方应用先申请一个授权码，然后再用该码获取令牌；</a:t>
-            </a:r>
-            <a:endParaRPr lang="zh-CN" altLang="en-US" sz="1530">
-              <a:solidFill>
-                <a:schemeClr val="tx1"/>
-              </a:solidFill>
-            </a:endParaRPr>
-          </a:p>
-          <a:p>
-            <a:pPr lvl="1" algn="l">
-              <a:buClrTx/>
-              <a:buSzTx/>
-              <a:buFont typeface="+mj-ea"/>
-              <a:buAutoNum type="circleNumDbPlain"/>
-            </a:pPr>
-            <a:r>
-              <a:rPr lang="zh-CN" altLang="en-US" sz="1530">
-                <a:solidFill>
-                  <a:schemeClr val="tx1"/>
-                </a:solidFill>
-              </a:rPr>
-              <a:t>简化模式（Implicit）：直接向前端颁发令牌(如在手机上调起微信来进行认证授权)；</a:t>
-            </a:r>
-            <a:endParaRPr lang="zh-CN" altLang="en-US" sz="1530">
-              <a:solidFill>
-                <a:schemeClr val="tx1"/>
-              </a:solidFill>
-            </a:endParaRPr>
-          </a:p>
-          <a:p>
-            <a:pPr lvl="1" algn="l">
-              <a:buClrTx/>
-              <a:buSzTx/>
-              <a:buFont typeface="+mj-ea"/>
-              <a:buAutoNum type="circleNumDbPlain"/>
-            </a:pPr>
-            <a:r>
-              <a:rPr lang="zh-CN" altLang="en-US" sz="1530">
-                <a:solidFill>
-                  <a:schemeClr val="tx1"/>
-                </a:solidFill>
-              </a:rPr>
-              <a:t>资源所有者密码凭证（Resource Owner Password Credentials）：直接提供密码，应用直接都是受信任的（如同为本公司的产品）；</a:t>
-            </a:r>
-            <a:endParaRPr lang="zh-CN" altLang="en-US" sz="1530">
-              <a:solidFill>
-                <a:schemeClr val="tx1"/>
-              </a:solidFill>
-            </a:endParaRPr>
-          </a:p>
-          <a:p>
-            <a:pPr lvl="1" algn="l">
-              <a:buClrTx/>
-              <a:buSzTx/>
-              <a:buFont typeface="+mj-ea"/>
-              <a:buAutoNum type="circleNumDbPlain"/>
-            </a:pPr>
-            <a:r>
-              <a:rPr lang="zh-CN" altLang="en-US" sz="1530">
-                <a:solidFill>
-                  <a:schemeClr val="tx1"/>
-                </a:solidFill>
-              </a:rPr>
-              <a:t>客户端模式（Client Credentials）：适用于没有前端的命令行应用，即在命令行下请求令牌。</a:t>
-            </a:r>
-            <a:endParaRPr lang="zh-CN" altLang="en-US" sz="1530">
-              <a:solidFill>
-                <a:schemeClr val="tx1"/>
-              </a:solidFill>
+              <a:buNone/>
+            </a:pPr>
+            <a:endParaRPr lang="en-US" altLang="zh-CN" sz="1800" b="1">
+              <a:sym typeface="+mn-ea"/>
             </a:endParaRPr>
           </a:p>
         </p:txBody>
@@ -17685,622 +19207,10 @@
   <p:timing>
     <p:tnLst>
       <p:par>
-        <p:cTn id="1" dur="indefinite" restart="never" nodeType="tmRoot">
-          <p:childTnLst>
-            <p:seq concurrent="1" nextAc="seek">
-              <p:cTn id="2" dur="indefinite" nodeType="mainSeq">
-                <p:childTnLst>
-                  <p:par>
-                    <p:cTn id="3" fill="hold">
-                      <p:stCondLst>
-                        <p:cond delay="indefinite"/>
-                      </p:stCondLst>
-                      <p:childTnLst>
-                        <p:par>
-                          <p:cTn id="4" fill="hold">
-                            <p:stCondLst>
-                              <p:cond delay="0"/>
-                            </p:stCondLst>
-                            <p:childTnLst>
-                              <p:par>
-                                <p:cTn id="5" presetID="3" presetClass="entr" presetSubtype="10" fill="hold" grpId="0" nodeType="clickEffect">
-                                  <p:stCondLst>
-                                    <p:cond delay="0"/>
-                                  </p:stCondLst>
-                                  <p:childTnLst>
-                                    <p:set>
-                                      <p:cBhvr>
-                                        <p:cTn id="6" dur="1" fill="hold">
-                                          <p:stCondLst>
-                                            <p:cond delay="0"/>
-                                          </p:stCondLst>
-                                        </p:cTn>
-                                        <p:tgtEl>
-                                          <p:spTgt spid="3">
-                                            <p:txEl>
-                                              <p:pRg st="0" end="0"/>
-                                            </p:txEl>
-                                          </p:spTgt>
-                                        </p:tgtEl>
-                                        <p:attrNameLst>
-                                          <p:attrName>style.visibility</p:attrName>
-                                        </p:attrNameLst>
-                                      </p:cBhvr>
-                                      <p:to>
-                                        <p:strVal val="visible"/>
-                                      </p:to>
-                                    </p:set>
-                                    <p:animEffect transition="in" filter="blinds(horizontal)">
-                                      <p:cBhvr>
-                                        <p:cTn id="7" dur="500"/>
-                                        <p:tgtEl>
-                                          <p:spTgt spid="3">
-                                            <p:txEl>
-                                              <p:pRg st="0" end="0"/>
-                                            </p:txEl>
-                                          </p:spTgt>
-                                        </p:tgtEl>
-                                      </p:cBhvr>
-                                    </p:animEffect>
-                                  </p:childTnLst>
-                                </p:cTn>
-                              </p:par>
-                            </p:childTnLst>
-                          </p:cTn>
-                        </p:par>
-                      </p:childTnLst>
-                    </p:cTn>
-                  </p:par>
-                  <p:par>
-                    <p:cTn id="8" fill="hold">
-                      <p:stCondLst>
-                        <p:cond delay="indefinite"/>
-                      </p:stCondLst>
-                      <p:childTnLst>
-                        <p:par>
-                          <p:cTn id="9" fill="hold">
-                            <p:stCondLst>
-                              <p:cond delay="0"/>
-                            </p:stCondLst>
-                            <p:childTnLst>
-                              <p:par>
-                                <p:cTn id="10" presetID="3" presetClass="entr" presetSubtype="10" fill="hold" grpId="0" nodeType="clickEffect">
-                                  <p:stCondLst>
-                                    <p:cond delay="0"/>
-                                  </p:stCondLst>
-                                  <p:childTnLst>
-                                    <p:set>
-                                      <p:cBhvr>
-                                        <p:cTn id="11" dur="1" fill="hold">
-                                          <p:stCondLst>
-                                            <p:cond delay="0"/>
-                                          </p:stCondLst>
-                                        </p:cTn>
-                                        <p:tgtEl>
-                                          <p:spTgt spid="3">
-                                            <p:txEl>
-                                              <p:pRg st="1" end="1"/>
-                                            </p:txEl>
-                                          </p:spTgt>
-                                        </p:tgtEl>
-                                        <p:attrNameLst>
-                                          <p:attrName>style.visibility</p:attrName>
-                                        </p:attrNameLst>
-                                      </p:cBhvr>
-                                      <p:to>
-                                        <p:strVal val="visible"/>
-                                      </p:to>
-                                    </p:set>
-                                    <p:animEffect transition="in" filter="blinds(horizontal)">
-                                      <p:cBhvr>
-                                        <p:cTn id="12" dur="500"/>
-                                        <p:tgtEl>
-                                          <p:spTgt spid="3">
-                                            <p:txEl>
-                                              <p:pRg st="1" end="1"/>
-                                            </p:txEl>
-                                          </p:spTgt>
-                                        </p:tgtEl>
-                                      </p:cBhvr>
-                                    </p:animEffect>
-                                  </p:childTnLst>
-                                </p:cTn>
-                              </p:par>
-                            </p:childTnLst>
-                          </p:cTn>
-                        </p:par>
-                      </p:childTnLst>
-                    </p:cTn>
-                  </p:par>
-                  <p:par>
-                    <p:cTn id="13" fill="hold">
-                      <p:stCondLst>
-                        <p:cond delay="indefinite"/>
-                      </p:stCondLst>
-                      <p:childTnLst>
-                        <p:par>
-                          <p:cTn id="14" fill="hold">
-                            <p:stCondLst>
-                              <p:cond delay="0"/>
-                            </p:stCondLst>
-                            <p:childTnLst>
-                              <p:par>
-                                <p:cTn id="15" presetID="3" presetClass="entr" presetSubtype="10" fill="hold" grpId="0" nodeType="clickEffect">
-                                  <p:stCondLst>
-                                    <p:cond delay="0"/>
-                                  </p:stCondLst>
-                                  <p:childTnLst>
-                                    <p:set>
-                                      <p:cBhvr>
-                                        <p:cTn id="16" dur="1" fill="hold">
-                                          <p:stCondLst>
-                                            <p:cond delay="0"/>
-                                          </p:stCondLst>
-                                        </p:cTn>
-                                        <p:tgtEl>
-                                          <p:spTgt spid="3">
-                                            <p:txEl>
-                                              <p:pRg st="2" end="2"/>
-                                            </p:txEl>
-                                          </p:spTgt>
-                                        </p:tgtEl>
-                                        <p:attrNameLst>
-                                          <p:attrName>style.visibility</p:attrName>
-                                        </p:attrNameLst>
-                                      </p:cBhvr>
-                                      <p:to>
-                                        <p:strVal val="visible"/>
-                                      </p:to>
-                                    </p:set>
-                                    <p:animEffect transition="in" filter="blinds(horizontal)">
-                                      <p:cBhvr>
-                                        <p:cTn id="17" dur="500"/>
-                                        <p:tgtEl>
-                                          <p:spTgt spid="3">
-                                            <p:txEl>
-                                              <p:pRg st="2" end="2"/>
-                                            </p:txEl>
-                                          </p:spTgt>
-                                        </p:tgtEl>
-                                      </p:cBhvr>
-                                    </p:animEffect>
-                                  </p:childTnLst>
-                                </p:cTn>
-                              </p:par>
-                              <p:par>
-                                <p:cTn id="18" presetID="3" presetClass="entr" presetSubtype="10" fill="hold" grpId="0" nodeType="withEffect">
-                                  <p:stCondLst>
-                                    <p:cond delay="0"/>
-                                  </p:stCondLst>
-                                  <p:childTnLst>
-                                    <p:set>
-                                      <p:cBhvr>
-                                        <p:cTn id="19" dur="1" fill="hold">
-                                          <p:stCondLst>
-                                            <p:cond delay="0"/>
-                                          </p:stCondLst>
-                                        </p:cTn>
-                                        <p:tgtEl>
-                                          <p:spTgt spid="3">
-                                            <p:txEl>
-                                              <p:pRg st="3" end="3"/>
-                                            </p:txEl>
-                                          </p:spTgt>
-                                        </p:tgtEl>
-                                        <p:attrNameLst>
-                                          <p:attrName>style.visibility</p:attrName>
-                                        </p:attrNameLst>
-                                      </p:cBhvr>
-                                      <p:to>
-                                        <p:strVal val="visible"/>
-                                      </p:to>
-                                    </p:set>
-                                    <p:animEffect transition="in" filter="blinds(horizontal)">
-                                      <p:cBhvr>
-                                        <p:cTn id="20" dur="500"/>
-                                        <p:tgtEl>
-                                          <p:spTgt spid="3">
-                                            <p:txEl>
-                                              <p:pRg st="3" end="3"/>
-                                            </p:txEl>
-                                          </p:spTgt>
-                                        </p:tgtEl>
-                                      </p:cBhvr>
-                                    </p:animEffect>
-                                  </p:childTnLst>
-                                </p:cTn>
-                              </p:par>
-                              <p:par>
-                                <p:cTn id="21" presetID="3" presetClass="entr" presetSubtype="10" fill="hold" grpId="0" nodeType="withEffect">
-                                  <p:stCondLst>
-                                    <p:cond delay="0"/>
-                                  </p:stCondLst>
-                                  <p:childTnLst>
-                                    <p:set>
-                                      <p:cBhvr>
-                                        <p:cTn id="22" dur="1" fill="hold">
-                                          <p:stCondLst>
-                                            <p:cond delay="0"/>
-                                          </p:stCondLst>
-                                        </p:cTn>
-                                        <p:tgtEl>
-                                          <p:spTgt spid="3">
-                                            <p:txEl>
-                                              <p:pRg st="4" end="4"/>
-                                            </p:txEl>
-                                          </p:spTgt>
-                                        </p:tgtEl>
-                                        <p:attrNameLst>
-                                          <p:attrName>style.visibility</p:attrName>
-                                        </p:attrNameLst>
-                                      </p:cBhvr>
-                                      <p:to>
-                                        <p:strVal val="visible"/>
-                                      </p:to>
-                                    </p:set>
-                                    <p:animEffect transition="in" filter="blinds(horizontal)">
-                                      <p:cBhvr>
-                                        <p:cTn id="23" dur="500"/>
-                                        <p:tgtEl>
-                                          <p:spTgt spid="3">
-                                            <p:txEl>
-                                              <p:pRg st="4" end="4"/>
-                                            </p:txEl>
-                                          </p:spTgt>
-                                        </p:tgtEl>
-                                      </p:cBhvr>
-                                    </p:animEffect>
-                                  </p:childTnLst>
-                                </p:cTn>
-                              </p:par>
-                              <p:par>
-                                <p:cTn id="24" presetID="3" presetClass="entr" presetSubtype="10" fill="hold" grpId="0" nodeType="withEffect">
-                                  <p:stCondLst>
-                                    <p:cond delay="0"/>
-                                  </p:stCondLst>
-                                  <p:childTnLst>
-                                    <p:set>
-                                      <p:cBhvr>
-                                        <p:cTn id="25" dur="1" fill="hold">
-                                          <p:stCondLst>
-                                            <p:cond delay="0"/>
-                                          </p:stCondLst>
-                                        </p:cTn>
-                                        <p:tgtEl>
-                                          <p:spTgt spid="3">
-                                            <p:txEl>
-                                              <p:pRg st="5" end="5"/>
-                                            </p:txEl>
-                                          </p:spTgt>
-                                        </p:tgtEl>
-                                        <p:attrNameLst>
-                                          <p:attrName>style.visibility</p:attrName>
-                                        </p:attrNameLst>
-                                      </p:cBhvr>
-                                      <p:to>
-                                        <p:strVal val="visible"/>
-                                      </p:to>
-                                    </p:set>
-                                    <p:animEffect transition="in" filter="blinds(horizontal)">
-                                      <p:cBhvr>
-                                        <p:cTn id="26" dur="500"/>
-                                        <p:tgtEl>
-                                          <p:spTgt spid="3">
-                                            <p:txEl>
-                                              <p:pRg st="5" end="5"/>
-                                            </p:txEl>
-                                          </p:spTgt>
-                                        </p:tgtEl>
-                                      </p:cBhvr>
-                                    </p:animEffect>
-                                  </p:childTnLst>
-                                </p:cTn>
-                              </p:par>
-                              <p:par>
-                                <p:cTn id="27" presetID="3" presetClass="entr" presetSubtype="10" fill="hold" grpId="0" nodeType="withEffect">
-                                  <p:stCondLst>
-                                    <p:cond delay="0"/>
-                                  </p:stCondLst>
-                                  <p:childTnLst>
-                                    <p:set>
-                                      <p:cBhvr>
-                                        <p:cTn id="28" dur="1" fill="hold">
-                                          <p:stCondLst>
-                                            <p:cond delay="0"/>
-                                          </p:stCondLst>
-                                        </p:cTn>
-                                        <p:tgtEl>
-                                          <p:spTgt spid="3">
-                                            <p:txEl>
-                                              <p:pRg st="6" end="6"/>
-                                            </p:txEl>
-                                          </p:spTgt>
-                                        </p:tgtEl>
-                                        <p:attrNameLst>
-                                          <p:attrName>style.visibility</p:attrName>
-                                        </p:attrNameLst>
-                                      </p:cBhvr>
-                                      <p:to>
-                                        <p:strVal val="visible"/>
-                                      </p:to>
-                                    </p:set>
-                                    <p:animEffect transition="in" filter="blinds(horizontal)">
-                                      <p:cBhvr>
-                                        <p:cTn id="29" dur="500"/>
-                                        <p:tgtEl>
-                                          <p:spTgt spid="3">
-                                            <p:txEl>
-                                              <p:pRg st="6" end="6"/>
-                                            </p:txEl>
-                                          </p:spTgt>
-                                        </p:tgtEl>
-                                      </p:cBhvr>
-                                    </p:animEffect>
-                                  </p:childTnLst>
-                                </p:cTn>
-                              </p:par>
-                            </p:childTnLst>
-                          </p:cTn>
-                        </p:par>
-                      </p:childTnLst>
-                    </p:cTn>
-                  </p:par>
-                  <p:par>
-                    <p:cTn id="30" fill="hold">
-                      <p:stCondLst>
-                        <p:cond delay="indefinite"/>
-                      </p:stCondLst>
-                      <p:childTnLst>
-                        <p:par>
-                          <p:cTn id="31" fill="hold">
-                            <p:stCondLst>
-                              <p:cond delay="0"/>
-                            </p:stCondLst>
-                            <p:childTnLst>
-                              <p:par>
-                                <p:cTn id="32" presetID="3" presetClass="entr" presetSubtype="10" fill="hold" grpId="0" nodeType="clickEffect">
-                                  <p:stCondLst>
-                                    <p:cond delay="0"/>
-                                  </p:stCondLst>
-                                  <p:childTnLst>
-                                    <p:set>
-                                      <p:cBhvr>
-                                        <p:cTn id="33" dur="1" fill="hold">
-                                          <p:stCondLst>
-                                            <p:cond delay="0"/>
-                                          </p:stCondLst>
-                                        </p:cTn>
-                                        <p:tgtEl>
-                                          <p:spTgt spid="3">
-                                            <p:txEl>
-                                              <p:pRg st="8" end="8"/>
-                                            </p:txEl>
-                                          </p:spTgt>
-                                        </p:tgtEl>
-                                        <p:attrNameLst>
-                                          <p:attrName>style.visibility</p:attrName>
-                                        </p:attrNameLst>
-                                      </p:cBhvr>
-                                      <p:to>
-                                        <p:strVal val="visible"/>
-                                      </p:to>
-                                    </p:set>
-                                    <p:animEffect transition="in" filter="blinds(horizontal)">
-                                      <p:cBhvr>
-                                        <p:cTn id="34" dur="500"/>
-                                        <p:tgtEl>
-                                          <p:spTgt spid="3">
-                                            <p:txEl>
-                                              <p:pRg st="8" end="8"/>
-                                            </p:txEl>
-                                          </p:spTgt>
-                                        </p:tgtEl>
-                                      </p:cBhvr>
-                                    </p:animEffect>
-                                  </p:childTnLst>
-                                </p:cTn>
-                              </p:par>
-                              <p:par>
-                                <p:cTn id="35" presetID="3" presetClass="entr" presetSubtype="10" fill="hold" grpId="0" nodeType="withEffect">
-                                  <p:stCondLst>
-                                    <p:cond delay="0"/>
-                                  </p:stCondLst>
-                                  <p:childTnLst>
-                                    <p:set>
-                                      <p:cBhvr>
-                                        <p:cTn id="36" dur="1" fill="hold">
-                                          <p:stCondLst>
-                                            <p:cond delay="0"/>
-                                          </p:stCondLst>
-                                        </p:cTn>
-                                        <p:tgtEl>
-                                          <p:spTgt spid="3">
-                                            <p:txEl>
-                                              <p:pRg st="9" end="9"/>
-                                            </p:txEl>
-                                          </p:spTgt>
-                                        </p:tgtEl>
-                                        <p:attrNameLst>
-                                          <p:attrName>style.visibility</p:attrName>
-                                        </p:attrNameLst>
-                                      </p:cBhvr>
-                                      <p:to>
-                                        <p:strVal val="visible"/>
-                                      </p:to>
-                                    </p:set>
-                                    <p:animEffect transition="in" filter="blinds(horizontal)">
-                                      <p:cBhvr>
-                                        <p:cTn id="37" dur="500"/>
-                                        <p:tgtEl>
-                                          <p:spTgt spid="3">
-                                            <p:txEl>
-                                              <p:pRg st="9" end="9"/>
-                                            </p:txEl>
-                                          </p:spTgt>
-                                        </p:tgtEl>
-                                      </p:cBhvr>
-                                    </p:animEffect>
-                                  </p:childTnLst>
-                                </p:cTn>
-                              </p:par>
-                              <p:par>
-                                <p:cTn id="38" presetID="3" presetClass="entr" presetSubtype="10" fill="hold" grpId="0" nodeType="withEffect">
-                                  <p:stCondLst>
-                                    <p:cond delay="0"/>
-                                  </p:stCondLst>
-                                  <p:childTnLst>
-                                    <p:set>
-                                      <p:cBhvr>
-                                        <p:cTn id="39" dur="1" fill="hold">
-                                          <p:stCondLst>
-                                            <p:cond delay="0"/>
-                                          </p:stCondLst>
-                                        </p:cTn>
-                                        <p:tgtEl>
-                                          <p:spTgt spid="3">
-                                            <p:txEl>
-                                              <p:pRg st="10" end="10"/>
-                                            </p:txEl>
-                                          </p:spTgt>
-                                        </p:tgtEl>
-                                        <p:attrNameLst>
-                                          <p:attrName>style.visibility</p:attrName>
-                                        </p:attrNameLst>
-                                      </p:cBhvr>
-                                      <p:to>
-                                        <p:strVal val="visible"/>
-                                      </p:to>
-                                    </p:set>
-                                    <p:animEffect transition="in" filter="blinds(horizontal)">
-                                      <p:cBhvr>
-                                        <p:cTn id="40" dur="500"/>
-                                        <p:tgtEl>
-                                          <p:spTgt spid="3">
-                                            <p:txEl>
-                                              <p:pRg st="10" end="10"/>
-                                            </p:txEl>
-                                          </p:spTgt>
-                                        </p:tgtEl>
-                                      </p:cBhvr>
-                                    </p:animEffect>
-                                  </p:childTnLst>
-                                </p:cTn>
-                              </p:par>
-                              <p:par>
-                                <p:cTn id="41" presetID="3" presetClass="entr" presetSubtype="10" fill="hold" grpId="0" nodeType="withEffect">
-                                  <p:stCondLst>
-                                    <p:cond delay="0"/>
-                                  </p:stCondLst>
-                                  <p:childTnLst>
-                                    <p:set>
-                                      <p:cBhvr>
-                                        <p:cTn id="42" dur="1" fill="hold">
-                                          <p:stCondLst>
-                                            <p:cond delay="0"/>
-                                          </p:stCondLst>
-                                        </p:cTn>
-                                        <p:tgtEl>
-                                          <p:spTgt spid="3">
-                                            <p:txEl>
-                                              <p:pRg st="11" end="11"/>
-                                            </p:txEl>
-                                          </p:spTgt>
-                                        </p:tgtEl>
-                                        <p:attrNameLst>
-                                          <p:attrName>style.visibility</p:attrName>
-                                        </p:attrNameLst>
-                                      </p:cBhvr>
-                                      <p:to>
-                                        <p:strVal val="visible"/>
-                                      </p:to>
-                                    </p:set>
-                                    <p:animEffect transition="in" filter="blinds(horizontal)">
-                                      <p:cBhvr>
-                                        <p:cTn id="43" dur="500"/>
-                                        <p:tgtEl>
-                                          <p:spTgt spid="3">
-                                            <p:txEl>
-                                              <p:pRg st="11" end="11"/>
-                                            </p:txEl>
-                                          </p:spTgt>
-                                        </p:tgtEl>
-                                      </p:cBhvr>
-                                    </p:animEffect>
-                                  </p:childTnLst>
-                                </p:cTn>
-                              </p:par>
-                              <p:par>
-                                <p:cTn id="44" presetID="3" presetClass="entr" presetSubtype="10" fill="hold" grpId="0" nodeType="withEffect">
-                                  <p:stCondLst>
-                                    <p:cond delay="0"/>
-                                  </p:stCondLst>
-                                  <p:childTnLst>
-                                    <p:set>
-                                      <p:cBhvr>
-                                        <p:cTn id="45" dur="1" fill="hold">
-                                          <p:stCondLst>
-                                            <p:cond delay="0"/>
-                                          </p:stCondLst>
-                                        </p:cTn>
-                                        <p:tgtEl>
-                                          <p:spTgt spid="3">
-                                            <p:txEl>
-                                              <p:pRg st="12" end="12"/>
-                                            </p:txEl>
-                                          </p:spTgt>
-                                        </p:tgtEl>
-                                        <p:attrNameLst>
-                                          <p:attrName>style.visibility</p:attrName>
-                                        </p:attrNameLst>
-                                      </p:cBhvr>
-                                      <p:to>
-                                        <p:strVal val="visible"/>
-                                      </p:to>
-                                    </p:set>
-                                    <p:animEffect transition="in" filter="blinds(horizontal)">
-                                      <p:cBhvr>
-                                        <p:cTn id="46" dur="500"/>
-                                        <p:tgtEl>
-                                          <p:spTgt spid="3">
-                                            <p:txEl>
-                                              <p:pRg st="12" end="12"/>
-                                            </p:txEl>
-                                          </p:spTgt>
-                                        </p:tgtEl>
-                                      </p:cBhvr>
-                                    </p:animEffect>
-                                  </p:childTnLst>
-                                </p:cTn>
-                              </p:par>
-                            </p:childTnLst>
-                          </p:cTn>
-                        </p:par>
-                      </p:childTnLst>
-                    </p:cTn>
-                  </p:par>
-                </p:childTnLst>
-              </p:cTn>
-              <p:prevCondLst>
-                <p:cond evt="onPrev" delay="0">
-                  <p:tgtEl>
-                    <p:sldTgt/>
-                  </p:tgtEl>
-                </p:cond>
-              </p:prevCondLst>
-              <p:nextCondLst>
-                <p:cond evt="onNext" delay="0">
-                  <p:tgtEl>
-                    <p:sldTgt/>
-                  </p:tgtEl>
-                </p:cond>
-              </p:nextCondLst>
-            </p:seq>
-          </p:childTnLst>
-        </p:cTn>
+        <p:cTn id="1" dur="indefinite" restart="never" nodeType="tmRoot"/>
       </p:par>
     </p:tnLst>
     <p:bldLst>
-      <p:bldP spid="3" grpId="0" build="p"/>
       <p:bldP spid="3" grpId="1" build="p"/>
     </p:bldLst>
   </p:timing>
@@ -19291,6 +20201,1650 @@
 </file>
 
 <file path=ppt/slides/slide30.xml><?xml version="1.0" encoding="utf-8"?>
+<p:sld xmlns:a="http://schemas.openxmlformats.org/drawingml/2006/main" xmlns:r="http://schemas.openxmlformats.org/officeDocument/2006/relationships" xmlns:p="http://schemas.openxmlformats.org/presentationml/2006/main">
+  <p:cSld>
+    <p:spTree>
+      <p:nvGrpSpPr>
+        <p:cNvPr id="1" name=""/>
+        <p:cNvGrpSpPr/>
+        <p:nvPr/>
+      </p:nvGrpSpPr>
+      <p:grpSpPr/>
+      <p:sp>
+        <p:nvSpPr>
+          <p:cNvPr id="2" name="标题 1"/>
+          <p:cNvSpPr>
+            <a:spLocks noGrp="1"/>
+          </p:cNvSpPr>
+          <p:nvPr>
+            <p:ph type="title"/>
+          </p:nvPr>
+        </p:nvSpPr>
+        <p:spPr>
+          <a:xfrm>
+            <a:off x="457200" y="-317"/>
+            <a:ext cx="8229600" cy="1143000"/>
+          </a:xfrm>
+        </p:spPr>
+        <p:txBody>
+          <a:bodyPr>
+            <a:normAutofit/>
+          </a:bodyPr>
+          <a:p>
+            <a:pPr algn="l"/>
+            <a:r>
+              <a:rPr lang="zh-CN" altLang="en-US" b="1">
+                <a:sym typeface="+mn-ea"/>
+              </a:rPr>
+              <a:t>分布式事务</a:t>
+            </a:r>
+            <a:r>
+              <a:rPr lang="en-US" altLang="zh-CN" b="1">
+                <a:sym typeface="+mn-ea"/>
+              </a:rPr>
+              <a:t>-</a:t>
+            </a:r>
+            <a:r>
+              <a:rPr lang="zh-CN" altLang="en-US" b="1">
+                <a:sym typeface="+mn-ea"/>
+              </a:rPr>
+              <a:t>协议及解决方案</a:t>
+            </a:r>
+            <a:endParaRPr lang="zh-CN" altLang="en-US" b="1">
+              <a:sym typeface="+mn-ea"/>
+            </a:endParaRPr>
+          </a:p>
+        </p:txBody>
+      </p:sp>
+      <p:pic>
+        <p:nvPicPr>
+          <p:cNvPr id="5" name="图片 4"/>
+          <p:cNvPicPr>
+            <a:picLocks noChangeAspect="1"/>
+          </p:cNvPicPr>
+          <p:nvPr/>
+        </p:nvPicPr>
+        <p:blipFill>
+          <a:blip r:embed="rId1"/>
+          <a:stretch>
+            <a:fillRect/>
+          </a:stretch>
+        </p:blipFill>
+        <p:spPr>
+          <a:xfrm>
+            <a:off x="562610" y="1831340"/>
+            <a:ext cx="8018145" cy="3194685"/>
+          </a:xfrm>
+          <a:prstGeom prst="rect">
+            <a:avLst/>
+          </a:prstGeom>
+        </p:spPr>
+      </p:pic>
+    </p:spTree>
+  </p:cSld>
+  <p:clrMapOvr>
+    <a:masterClrMapping/>
+  </p:clrMapOvr>
+</p:sld>
+</file>
+
+<file path=ppt/slides/slide31.xml><?xml version="1.0" encoding="utf-8"?>
+<p:sld xmlns:a="http://schemas.openxmlformats.org/drawingml/2006/main" xmlns:r="http://schemas.openxmlformats.org/officeDocument/2006/relationships" xmlns:p="http://schemas.openxmlformats.org/presentationml/2006/main">
+  <p:cSld>
+    <p:spTree>
+      <p:nvGrpSpPr>
+        <p:cNvPr id="1" name=""/>
+        <p:cNvGrpSpPr/>
+        <p:nvPr/>
+      </p:nvGrpSpPr>
+      <p:grpSpPr/>
+      <p:sp>
+        <p:nvSpPr>
+          <p:cNvPr id="2" name="标题 1"/>
+          <p:cNvSpPr>
+            <a:spLocks noGrp="1"/>
+          </p:cNvSpPr>
+          <p:nvPr>
+            <p:ph type="title"/>
+          </p:nvPr>
+        </p:nvSpPr>
+        <p:spPr>
+          <a:xfrm>
+            <a:off x="457200" y="-317"/>
+            <a:ext cx="8229600" cy="1143000"/>
+          </a:xfrm>
+        </p:spPr>
+        <p:txBody>
+          <a:bodyPr>
+            <a:normAutofit/>
+          </a:bodyPr>
+          <a:p>
+            <a:pPr algn="l"/>
+            <a:r>
+              <a:rPr lang="zh-CN" altLang="en-US" b="1">
+                <a:sym typeface="+mn-ea"/>
+              </a:rPr>
+              <a:t>分布式事务</a:t>
+            </a:r>
+            <a:r>
+              <a:rPr lang="en-US" altLang="zh-CN" b="1">
+                <a:sym typeface="+mn-ea"/>
+              </a:rPr>
+              <a:t>-</a:t>
+            </a:r>
+            <a:r>
+              <a:rPr lang="zh-CN" altLang="en-US" b="1">
+                <a:sym typeface="+mn-ea"/>
+              </a:rPr>
+              <a:t>协议及</a:t>
+            </a:r>
+            <a:r>
+              <a:rPr lang="zh-CN" altLang="en-US" b="1">
+                <a:sym typeface="+mn-ea"/>
+              </a:rPr>
+              <a:t>解决方案</a:t>
+            </a:r>
+            <a:endParaRPr lang="en-US" altLang="zh-CN" b="1">
+              <a:sym typeface="+mn-ea"/>
+            </a:endParaRPr>
+          </a:p>
+        </p:txBody>
+      </p:sp>
+      <p:sp>
+        <p:nvSpPr>
+          <p:cNvPr id="3" name="内容占位符 2"/>
+          <p:cNvSpPr>
+            <a:spLocks noGrp="1"/>
+          </p:cNvSpPr>
+          <p:nvPr>
+            <p:ph idx="1"/>
+          </p:nvPr>
+        </p:nvSpPr>
+        <p:spPr>
+          <a:xfrm>
+            <a:off x="457200" y="1142365"/>
+            <a:ext cx="8289290" cy="5585460"/>
+          </a:xfrm>
+        </p:spPr>
+        <p:txBody>
+          <a:bodyPr>
+            <a:noAutofit/>
+          </a:bodyPr>
+          <a:p>
+            <a:pPr marL="0" indent="0">
+              <a:buFont typeface="+mj-ea"/>
+              <a:buNone/>
+            </a:pPr>
+            <a:r>
+              <a:rPr lang="zh-CN" altLang="en-US" sz="1600">
+                <a:sym typeface="+mn-ea"/>
+              </a:rPr>
+              <a:t>交互流程如下 ：</a:t>
+            </a:r>
+            <a:endParaRPr lang="zh-CN" altLang="en-US" sz="1600">
+              <a:sym typeface="+mn-ea"/>
+            </a:endParaRPr>
+          </a:p>
+          <a:p>
+            <a:pPr marL="0" indent="0">
+              <a:buFont typeface="+mj-ea"/>
+              <a:buNone/>
+            </a:pPr>
+            <a:r>
+              <a:rPr lang="zh-CN" altLang="en-US" sz="1600">
+                <a:sym typeface="+mn-ea"/>
+              </a:rPr>
+              <a:t>为方便理解我们还以注册送积分的例子来描述整个流程。</a:t>
+            </a:r>
+            <a:endParaRPr lang="zh-CN" altLang="en-US" sz="1600">
+              <a:sym typeface="+mn-ea"/>
+            </a:endParaRPr>
+          </a:p>
+          <a:p>
+            <a:pPr marL="0" indent="0">
+              <a:buFont typeface="+mj-ea"/>
+              <a:buNone/>
+            </a:pPr>
+            <a:r>
+              <a:rPr lang="zh-CN" altLang="en-US" sz="1600">
+                <a:sym typeface="+mn-ea"/>
+              </a:rPr>
+              <a:t>Producer即MQ发送方，本例中是用户服务，负责新增用户。MQ订阅方即消息消费方，本例中是积分服务，负责新增积分。</a:t>
+            </a:r>
+            <a:endParaRPr lang="zh-CN" altLang="en-US" sz="1600">
+              <a:sym typeface="+mn-ea"/>
+            </a:endParaRPr>
+          </a:p>
+          <a:p>
+            <a:pPr marL="0" indent="0">
+              <a:buFont typeface="+mj-ea"/>
+              <a:buNone/>
+            </a:pPr>
+            <a:r>
+              <a:rPr lang="zh-CN" altLang="en-US" sz="1600">
+                <a:sym typeface="+mn-ea"/>
+              </a:rPr>
+              <a:t>1、Producer发送事务消息</a:t>
+            </a:r>
+            <a:endParaRPr lang="zh-CN" altLang="en-US" sz="1600">
+              <a:sym typeface="+mn-ea"/>
+            </a:endParaRPr>
+          </a:p>
+          <a:p>
+            <a:pPr marL="0" indent="0">
+              <a:buFont typeface="+mj-ea"/>
+              <a:buNone/>
+            </a:pPr>
+            <a:r>
+              <a:rPr lang="zh-CN" altLang="en-US" sz="1600">
+                <a:sym typeface="+mn-ea"/>
+              </a:rPr>
+              <a:t>Producer（MQ发送方）发送</a:t>
+            </a:r>
+            <a:r>
+              <a:rPr lang="zh-CN" altLang="en-US" sz="1600">
+                <a:sym typeface="+mn-ea"/>
+              </a:rPr>
+              <a:t>“增加积分消息”</a:t>
+            </a:r>
+            <a:r>
+              <a:rPr lang="zh-CN" altLang="en-US" sz="1600">
+                <a:sym typeface="+mn-ea"/>
+              </a:rPr>
+              <a:t>至MQ Server，MQ Server将消息状态标记为Prepared（预览状态），注意此时这条消息消费者（MQ订阅方）是无法消费到的。</a:t>
+            </a:r>
+            <a:endParaRPr lang="zh-CN" altLang="en-US" sz="1600">
+              <a:sym typeface="+mn-ea"/>
+            </a:endParaRPr>
+          </a:p>
+          <a:p>
+            <a:pPr marL="0" indent="0">
+              <a:buFont typeface="+mj-ea"/>
+              <a:buNone/>
+            </a:pPr>
+            <a:r>
+              <a:rPr lang="zh-CN" altLang="en-US" sz="1600">
+                <a:sym typeface="+mn-ea"/>
+              </a:rPr>
+              <a:t>2、MQ Server回应消息发送成功</a:t>
+            </a:r>
+            <a:endParaRPr lang="zh-CN" altLang="en-US" sz="1600">
+              <a:sym typeface="+mn-ea"/>
+            </a:endParaRPr>
+          </a:p>
+          <a:p>
+            <a:pPr marL="0" indent="0">
+              <a:buFont typeface="+mj-ea"/>
+              <a:buNone/>
+            </a:pPr>
+            <a:r>
+              <a:rPr lang="zh-CN" altLang="en-US" sz="1600">
+                <a:sym typeface="+mn-ea"/>
+              </a:rPr>
+              <a:t>MQ Server接收到Producer发送给的消息则回应发送成功表示MQ已接收到消息。</a:t>
+            </a:r>
+            <a:endParaRPr lang="zh-CN" altLang="en-US" sz="1600">
+              <a:sym typeface="+mn-ea"/>
+            </a:endParaRPr>
+          </a:p>
+          <a:p>
+            <a:pPr marL="0" indent="0">
+              <a:buFont typeface="+mj-ea"/>
+              <a:buNone/>
+            </a:pPr>
+            <a:r>
+              <a:rPr lang="zh-CN" altLang="en-US" sz="1600">
+                <a:sym typeface="+mn-ea"/>
+              </a:rPr>
+              <a:t>3、Producer执行本地事务</a:t>
+            </a:r>
+            <a:endParaRPr lang="zh-CN" altLang="en-US" sz="1600">
+              <a:sym typeface="+mn-ea"/>
+            </a:endParaRPr>
+          </a:p>
+          <a:p>
+            <a:pPr marL="0" indent="0">
+              <a:buFont typeface="+mj-ea"/>
+              <a:buNone/>
+            </a:pPr>
+            <a:r>
+              <a:rPr lang="zh-CN" altLang="en-US" sz="1600">
+                <a:sym typeface="+mn-ea"/>
+              </a:rPr>
+              <a:t>Producer端执行业务代码逻辑，通过本地数据库事务控制。</a:t>
+            </a:r>
+            <a:endParaRPr lang="zh-CN" altLang="en-US" sz="1600">
+              <a:sym typeface="+mn-ea"/>
+            </a:endParaRPr>
+          </a:p>
+          <a:p>
+            <a:pPr marL="0" indent="0">
+              <a:buFont typeface="+mj-ea"/>
+              <a:buNone/>
+            </a:pPr>
+            <a:r>
+              <a:rPr lang="zh-CN" altLang="en-US" sz="1600">
+                <a:sym typeface="+mn-ea"/>
+              </a:rPr>
+              <a:t>本例中，Producer执行添加用户操作。</a:t>
+            </a:r>
+            <a:endParaRPr lang="zh-CN" altLang="en-US" sz="1600">
+              <a:sym typeface="+mn-ea"/>
+            </a:endParaRPr>
+          </a:p>
+          <a:p>
+            <a:pPr marL="0" indent="0">
+              <a:buFont typeface="+mj-ea"/>
+              <a:buNone/>
+            </a:pPr>
+            <a:r>
+              <a:rPr lang="zh-CN" altLang="en-US" sz="1600">
+                <a:sym typeface="+mn-ea"/>
+              </a:rPr>
+              <a:t>4、消息投递</a:t>
+            </a:r>
+            <a:endParaRPr lang="zh-CN" altLang="en-US" sz="1600">
+              <a:sym typeface="+mn-ea"/>
+            </a:endParaRPr>
+          </a:p>
+          <a:p>
+            <a:pPr marL="0" indent="0">
+              <a:buFont typeface="+mj-ea"/>
+              <a:buNone/>
+            </a:pPr>
+            <a:r>
+              <a:rPr lang="zh-CN" altLang="en-US" sz="1600">
+                <a:sym typeface="+mn-ea"/>
+              </a:rPr>
+              <a:t>若Producer本地事务执行成功则自动向MQ Server发送commit消息，MQ Server接收到commit消息后将“增加积分消息”状态标记为可消费，此时MQ订阅方（积分服务）即正常消费消息；</a:t>
+            </a:r>
+            <a:endParaRPr lang="zh-CN" altLang="en-US" sz="1600">
+              <a:sym typeface="+mn-ea"/>
+            </a:endParaRPr>
+          </a:p>
+          <a:p>
+            <a:pPr marL="0" indent="0">
+              <a:buFont typeface="+mj-ea"/>
+              <a:buNone/>
+            </a:pPr>
+            <a:r>
+              <a:rPr lang="zh-CN" altLang="en-US" sz="1600">
+                <a:sym typeface="+mn-ea"/>
+              </a:rPr>
+              <a:t>若Producer 本地事务执行失败则向MQ Server发送rollback消息，MQ Server接收到rollback消息后将删除“增加积分消息”。</a:t>
+            </a:r>
+            <a:endParaRPr lang="zh-CN" altLang="en-US" sz="1600">
+              <a:sym typeface="+mn-ea"/>
+            </a:endParaRPr>
+          </a:p>
+          <a:p>
+            <a:pPr marL="0" indent="0">
+              <a:buFont typeface="+mj-ea"/>
+              <a:buNone/>
+            </a:pPr>
+            <a:r>
+              <a:rPr lang="zh-CN" altLang="en-US" sz="1600">
+                <a:sym typeface="+mn-ea"/>
+              </a:rPr>
+              <a:t>MQ订阅方（积分服务）消费消息，消费成功则向MQ回应ack，否则将重复接收消息。这里ack默认自动回应，即程序执行正常则自动回应ack。</a:t>
+            </a:r>
+            <a:endParaRPr lang="zh-CN" altLang="en-US" sz="1600">
+              <a:sym typeface="+mn-ea"/>
+            </a:endParaRPr>
+          </a:p>
+        </p:txBody>
+      </p:sp>
+    </p:spTree>
+  </p:cSld>
+  <p:clrMapOvr>
+    <a:masterClrMapping/>
+  </p:clrMapOvr>
+  <p:timing>
+    <p:tnLst>
+      <p:par>
+        <p:cTn id="1" dur="indefinite" restart="never" nodeType="tmRoot"/>
+      </p:par>
+    </p:tnLst>
+    <p:bldLst>
+      <p:bldP spid="3" grpId="1" build="p"/>
+    </p:bldLst>
+  </p:timing>
+</p:sld>
+</file>
+
+<file path=ppt/slides/slide32.xml><?xml version="1.0" encoding="utf-8"?>
+<p:sld xmlns:a="http://schemas.openxmlformats.org/drawingml/2006/main" xmlns:r="http://schemas.openxmlformats.org/officeDocument/2006/relationships" xmlns:p="http://schemas.openxmlformats.org/presentationml/2006/main">
+  <p:cSld>
+    <p:spTree>
+      <p:nvGrpSpPr>
+        <p:cNvPr id="1" name=""/>
+        <p:cNvGrpSpPr/>
+        <p:nvPr/>
+      </p:nvGrpSpPr>
+      <p:grpSpPr/>
+      <p:sp>
+        <p:nvSpPr>
+          <p:cNvPr id="2" name="标题 1"/>
+          <p:cNvSpPr>
+            <a:spLocks noGrp="1"/>
+          </p:cNvSpPr>
+          <p:nvPr>
+            <p:ph type="title"/>
+          </p:nvPr>
+        </p:nvSpPr>
+        <p:spPr>
+          <a:xfrm>
+            <a:off x="457200" y="-317"/>
+            <a:ext cx="8229600" cy="1143000"/>
+          </a:xfrm>
+        </p:spPr>
+        <p:txBody>
+          <a:bodyPr>
+            <a:normAutofit/>
+          </a:bodyPr>
+          <a:p>
+            <a:pPr algn="l"/>
+            <a:r>
+              <a:rPr lang="zh-CN" altLang="en-US" b="1">
+                <a:sym typeface="+mn-ea"/>
+              </a:rPr>
+              <a:t>分布式事务</a:t>
+            </a:r>
+            <a:r>
+              <a:rPr lang="en-US" altLang="zh-CN" b="1">
+                <a:sym typeface="+mn-ea"/>
+              </a:rPr>
+              <a:t>-</a:t>
+            </a:r>
+            <a:r>
+              <a:rPr lang="zh-CN" altLang="en-US" b="1">
+                <a:sym typeface="+mn-ea"/>
+              </a:rPr>
+              <a:t>协议及解决方案</a:t>
+            </a:r>
+            <a:endParaRPr lang="en-US" altLang="zh-CN" b="1">
+              <a:sym typeface="+mn-ea"/>
+            </a:endParaRPr>
+          </a:p>
+        </p:txBody>
+      </p:sp>
+      <p:sp>
+        <p:nvSpPr>
+          <p:cNvPr id="3" name="内容占位符 2"/>
+          <p:cNvSpPr>
+            <a:spLocks noGrp="1"/>
+          </p:cNvSpPr>
+          <p:nvPr>
+            <p:ph idx="1"/>
+          </p:nvPr>
+        </p:nvSpPr>
+        <p:spPr>
+          <a:xfrm>
+            <a:off x="457200" y="1143000"/>
+            <a:ext cx="8289290" cy="5147310"/>
+          </a:xfrm>
+        </p:spPr>
+        <p:txBody>
+          <a:bodyPr>
+            <a:normAutofit lnSpcReduction="10000"/>
+          </a:bodyPr>
+          <a:p>
+            <a:pPr marL="0" indent="0">
+              <a:buFont typeface="+mj-ea"/>
+              <a:buNone/>
+            </a:pPr>
+            <a:r>
+              <a:rPr lang="zh-CN" altLang="en-US" sz="1750">
+                <a:sym typeface="+mn-ea"/>
+              </a:rPr>
+              <a:t>5、事务回查</a:t>
+            </a:r>
+            <a:endParaRPr lang="zh-CN" altLang="en-US" sz="1750">
+              <a:sym typeface="+mn-ea"/>
+            </a:endParaRPr>
+          </a:p>
+          <a:p>
+            <a:pPr marL="0" indent="0">
+              <a:buFont typeface="+mj-ea"/>
+              <a:buNone/>
+            </a:pPr>
+            <a:r>
+              <a:rPr lang="zh-CN" altLang="en-US" sz="1750">
+                <a:sym typeface="+mn-ea"/>
+              </a:rPr>
+              <a:t>如果执行Producer端本地事务过程中，执行端挂掉，或者超时，MQ Server将会不停的询问同组的其他Producer来获取事务执行状态，这个过程叫事务回查。MQ Server会根据事务回查结果来决定是否投递消息。</a:t>
+            </a:r>
+            <a:endParaRPr lang="zh-CN" altLang="en-US" sz="1750">
+              <a:sym typeface="+mn-ea"/>
+            </a:endParaRPr>
+          </a:p>
+          <a:p>
+            <a:pPr marL="0" indent="0">
+              <a:buFont typeface="+mj-ea"/>
+              <a:buNone/>
+            </a:pPr>
+            <a:r>
+              <a:rPr lang="zh-CN" altLang="en-US" sz="1750">
+                <a:sym typeface="+mn-ea"/>
+              </a:rPr>
+              <a:t>以上主干流程已由RocketMQ实现，对用户则来说，用户需要分别实现本地事务执行以及本地事务回查方法，因此只需关注本地事务的执行状态即可。</a:t>
+            </a:r>
+            <a:endParaRPr lang="zh-CN" altLang="en-US" sz="1750">
+              <a:sym typeface="+mn-ea"/>
+            </a:endParaRPr>
+          </a:p>
+          <a:p>
+            <a:pPr marL="0" indent="0">
+              <a:buFont typeface="+mj-ea"/>
+              <a:buNone/>
+            </a:pPr>
+            <a:r>
+              <a:rPr lang="zh-CN" altLang="en-US" sz="1750">
+                <a:solidFill>
+                  <a:schemeClr val="tx1"/>
+                </a:solidFill>
+              </a:rPr>
+              <a:t>RocketMQ提供RocketMQLocalTransactionListener接口 ：</a:t>
+            </a:r>
+            <a:endParaRPr lang="zh-CN" altLang="en-US" sz="1750">
+              <a:solidFill>
+                <a:schemeClr val="tx1"/>
+              </a:solidFill>
+            </a:endParaRPr>
+          </a:p>
+          <a:p>
+            <a:pPr marL="0" indent="0">
+              <a:buFont typeface="+mj-ea"/>
+              <a:buNone/>
+            </a:pPr>
+            <a:endParaRPr lang="zh-CN" altLang="en-US" sz="1750">
+              <a:solidFill>
+                <a:schemeClr val="tx1"/>
+              </a:solidFill>
+            </a:endParaRPr>
+          </a:p>
+          <a:p>
+            <a:pPr marL="0" indent="0">
+              <a:buFont typeface="+mj-ea"/>
+              <a:buNone/>
+            </a:pPr>
+            <a:endParaRPr lang="zh-CN" altLang="en-US" sz="1750">
+              <a:solidFill>
+                <a:schemeClr val="tx1"/>
+              </a:solidFill>
+            </a:endParaRPr>
+          </a:p>
+          <a:p>
+            <a:pPr marL="0" indent="0">
+              <a:buFont typeface="+mj-ea"/>
+              <a:buNone/>
+            </a:pPr>
+            <a:endParaRPr lang="zh-CN" altLang="en-US" sz="1750">
+              <a:solidFill>
+                <a:schemeClr val="tx1"/>
+              </a:solidFill>
+            </a:endParaRPr>
+          </a:p>
+          <a:p>
+            <a:pPr marL="0" indent="0">
+              <a:buFont typeface="+mj-ea"/>
+              <a:buNone/>
+            </a:pPr>
+            <a:endParaRPr lang="zh-CN" altLang="en-US" sz="1750">
+              <a:solidFill>
+                <a:schemeClr val="tx1"/>
+              </a:solidFill>
+            </a:endParaRPr>
+          </a:p>
+          <a:p>
+            <a:pPr marL="0" indent="0">
+              <a:buFont typeface="+mj-ea"/>
+              <a:buNone/>
+            </a:pPr>
+            <a:endParaRPr lang="zh-CN" altLang="en-US" sz="1750">
+              <a:solidFill>
+                <a:schemeClr val="tx1"/>
+              </a:solidFill>
+            </a:endParaRPr>
+          </a:p>
+          <a:p>
+            <a:pPr marL="0" indent="0">
+              <a:buFont typeface="+mj-ea"/>
+              <a:buNone/>
+            </a:pPr>
+            <a:endParaRPr lang="zh-CN" altLang="en-US" sz="1750">
+              <a:solidFill>
+                <a:schemeClr val="tx1"/>
+              </a:solidFill>
+            </a:endParaRPr>
+          </a:p>
+          <a:p>
+            <a:pPr marL="0" indent="0">
+              <a:buFont typeface="+mj-ea"/>
+              <a:buNone/>
+            </a:pPr>
+            <a:endParaRPr lang="zh-CN" altLang="en-US" sz="1750">
+              <a:solidFill>
+                <a:schemeClr val="tx1"/>
+              </a:solidFill>
+            </a:endParaRPr>
+          </a:p>
+          <a:p>
+            <a:pPr marL="0" indent="0">
+              <a:buFont typeface="+mj-ea"/>
+              <a:buNone/>
+            </a:pPr>
+            <a:endParaRPr lang="zh-CN" altLang="en-US" sz="1750">
+              <a:solidFill>
+                <a:schemeClr val="tx1"/>
+              </a:solidFill>
+            </a:endParaRPr>
+          </a:p>
+          <a:p>
+            <a:pPr marL="0" indent="0">
+              <a:buFont typeface="+mj-ea"/>
+              <a:buNone/>
+            </a:pPr>
+            <a:endParaRPr lang="zh-CN" altLang="en-US" sz="1750">
+              <a:solidFill>
+                <a:schemeClr val="tx1"/>
+              </a:solidFill>
+            </a:endParaRPr>
+          </a:p>
+        </p:txBody>
+      </p:sp>
+      <p:pic>
+        <p:nvPicPr>
+          <p:cNvPr id="4" name="图片 3"/>
+          <p:cNvPicPr>
+            <a:picLocks noChangeAspect="1"/>
+          </p:cNvPicPr>
+          <p:nvPr/>
+        </p:nvPicPr>
+        <p:blipFill>
+          <a:blip r:embed="rId1"/>
+          <a:stretch>
+            <a:fillRect/>
+          </a:stretch>
+        </p:blipFill>
+        <p:spPr>
+          <a:xfrm>
+            <a:off x="457200" y="3075305"/>
+            <a:ext cx="8460740" cy="3028950"/>
+          </a:xfrm>
+          <a:prstGeom prst="rect">
+            <a:avLst/>
+          </a:prstGeom>
+        </p:spPr>
+      </p:pic>
+    </p:spTree>
+  </p:cSld>
+  <p:clrMapOvr>
+    <a:masterClrMapping/>
+  </p:clrMapOvr>
+</p:sld>
+</file>
+
+<file path=ppt/slides/slide33.xml><?xml version="1.0" encoding="utf-8"?>
+<p:sld xmlns:a="http://schemas.openxmlformats.org/drawingml/2006/main" xmlns:r="http://schemas.openxmlformats.org/officeDocument/2006/relationships" xmlns:p="http://schemas.openxmlformats.org/presentationml/2006/main">
+  <p:cSld>
+    <p:spTree>
+      <p:nvGrpSpPr>
+        <p:cNvPr id="1" name=""/>
+        <p:cNvGrpSpPr/>
+        <p:nvPr/>
+      </p:nvGrpSpPr>
+      <p:grpSpPr/>
+      <p:sp>
+        <p:nvSpPr>
+          <p:cNvPr id="2" name="标题 1"/>
+          <p:cNvSpPr>
+            <a:spLocks noGrp="1"/>
+          </p:cNvSpPr>
+          <p:nvPr>
+            <p:ph type="title"/>
+          </p:nvPr>
+        </p:nvSpPr>
+        <p:spPr>
+          <a:xfrm>
+            <a:off x="457200" y="-317"/>
+            <a:ext cx="8229600" cy="1143000"/>
+          </a:xfrm>
+        </p:spPr>
+        <p:txBody>
+          <a:bodyPr>
+            <a:normAutofit/>
+          </a:bodyPr>
+          <a:p>
+            <a:pPr algn="l"/>
+            <a:r>
+              <a:rPr lang="zh-CN" altLang="en-US" b="1">
+                <a:sym typeface="+mn-ea"/>
+              </a:rPr>
+              <a:t>分布式事务</a:t>
+            </a:r>
+            <a:r>
+              <a:rPr lang="en-US" altLang="zh-CN" b="1">
+                <a:sym typeface="+mn-ea"/>
+              </a:rPr>
+              <a:t>-</a:t>
+            </a:r>
+            <a:r>
+              <a:rPr lang="zh-CN" altLang="en-US" b="1">
+                <a:sym typeface="+mn-ea"/>
+              </a:rPr>
+              <a:t>协议及解决方案</a:t>
+            </a:r>
+            <a:endParaRPr lang="en-US" b="1">
+              <a:sym typeface="+mn-ea"/>
+            </a:endParaRPr>
+          </a:p>
+        </p:txBody>
+      </p:sp>
+      <p:sp>
+        <p:nvSpPr>
+          <p:cNvPr id="3" name="内容占位符 2"/>
+          <p:cNvSpPr>
+            <a:spLocks noGrp="1"/>
+          </p:cNvSpPr>
+          <p:nvPr>
+            <p:ph idx="1"/>
+          </p:nvPr>
+        </p:nvSpPr>
+        <p:spPr>
+          <a:xfrm>
+            <a:off x="457200" y="877570"/>
+            <a:ext cx="8289290" cy="5748020"/>
+          </a:xfrm>
+        </p:spPr>
+        <p:txBody>
+          <a:bodyPr>
+            <a:normAutofit/>
+          </a:bodyPr>
+          <a:p>
+            <a:pPr marL="0" indent="0">
+              <a:buFont typeface="+mj-ea"/>
+              <a:buNone/>
+            </a:pPr>
+            <a:r>
+              <a:rPr lang="zh-CN" altLang="en-US" sz="1530">
+                <a:solidFill>
+                  <a:schemeClr val="tx1"/>
+                </a:solidFill>
+              </a:rPr>
+              <a:t>发送事务消息 ：</a:t>
+            </a:r>
+            <a:endParaRPr lang="zh-CN" altLang="en-US" sz="1530">
+              <a:solidFill>
+                <a:schemeClr val="tx1"/>
+              </a:solidFill>
+            </a:endParaRPr>
+          </a:p>
+          <a:p>
+            <a:pPr marL="0" indent="0">
+              <a:buFont typeface="+mj-ea"/>
+              <a:buNone/>
+            </a:pPr>
+            <a:r>
+              <a:rPr lang="zh-CN" altLang="en-US" sz="1530">
+                <a:solidFill>
+                  <a:schemeClr val="tx1"/>
+                </a:solidFill>
+              </a:rPr>
+              <a:t>以下是RocketMQ提供用于发送事务消息的API ：</a:t>
+            </a:r>
+            <a:endParaRPr lang="zh-CN" altLang="en-US" sz="1530">
+              <a:solidFill>
+                <a:schemeClr val="tx1"/>
+              </a:solidFill>
+            </a:endParaRPr>
+          </a:p>
+          <a:p>
+            <a:pPr marL="0" indent="0">
+              <a:buFont typeface="+mj-ea"/>
+              <a:buNone/>
+            </a:pPr>
+            <a:endParaRPr lang="zh-CN" altLang="en-US" sz="1530">
+              <a:solidFill>
+                <a:schemeClr val="tx1"/>
+              </a:solidFill>
+            </a:endParaRPr>
+          </a:p>
+          <a:p>
+            <a:pPr marL="0" indent="0">
+              <a:buFont typeface="+mj-ea"/>
+              <a:buNone/>
+            </a:pPr>
+            <a:endParaRPr lang="zh-CN" altLang="en-US" sz="1530">
+              <a:solidFill>
+                <a:schemeClr val="tx1"/>
+              </a:solidFill>
+            </a:endParaRPr>
+          </a:p>
+          <a:p>
+            <a:pPr marL="0" indent="0">
+              <a:buFont typeface="+mj-ea"/>
+              <a:buNone/>
+            </a:pPr>
+            <a:endParaRPr lang="zh-CN" altLang="en-US" sz="1530">
+              <a:solidFill>
+                <a:schemeClr val="tx1"/>
+              </a:solidFill>
+            </a:endParaRPr>
+          </a:p>
+          <a:p>
+            <a:pPr marL="0" indent="0">
+              <a:buFont typeface="+mj-ea"/>
+              <a:buNone/>
+            </a:pPr>
+            <a:endParaRPr lang="zh-CN" altLang="en-US" sz="1530">
+              <a:solidFill>
+                <a:schemeClr val="tx1"/>
+              </a:solidFill>
+            </a:endParaRPr>
+          </a:p>
+          <a:p>
+            <a:pPr marL="0" indent="0">
+              <a:buFont typeface="+mj-ea"/>
+              <a:buNone/>
+            </a:pPr>
+            <a:endParaRPr lang="zh-CN" altLang="en-US" sz="1530">
+              <a:solidFill>
+                <a:schemeClr val="tx1"/>
+              </a:solidFill>
+            </a:endParaRPr>
+          </a:p>
+          <a:p>
+            <a:pPr marL="0" indent="0">
+              <a:buFont typeface="+mj-ea"/>
+              <a:buNone/>
+            </a:pPr>
+            <a:endParaRPr lang="zh-CN" altLang="en-US" sz="1530">
+              <a:solidFill>
+                <a:schemeClr val="tx1"/>
+              </a:solidFill>
+            </a:endParaRPr>
+          </a:p>
+          <a:p>
+            <a:pPr marL="0" indent="0">
+              <a:buFont typeface="+mj-ea"/>
+              <a:buNone/>
+            </a:pPr>
+            <a:endParaRPr lang="zh-CN" altLang="en-US" sz="1530">
+              <a:solidFill>
+                <a:schemeClr val="tx1"/>
+              </a:solidFill>
+            </a:endParaRPr>
+          </a:p>
+          <a:p>
+            <a:pPr marL="0" indent="0">
+              <a:buFont typeface="+mj-ea"/>
+              <a:buNone/>
+            </a:pPr>
+            <a:r>
+              <a:rPr lang="zh-CN" altLang="en-US" sz="1530">
+                <a:solidFill>
+                  <a:schemeClr val="tx1"/>
+                </a:solidFill>
+              </a:rPr>
+              <a:t>小结：</a:t>
+            </a:r>
+            <a:endParaRPr lang="zh-CN" altLang="en-US" sz="1530">
+              <a:solidFill>
+                <a:schemeClr val="tx1"/>
+              </a:solidFill>
+            </a:endParaRPr>
+          </a:p>
+          <a:p>
+            <a:pPr marL="0" indent="0">
+              <a:buFont typeface="+mj-ea"/>
+              <a:buNone/>
+            </a:pPr>
+            <a:r>
+              <a:rPr lang="zh-CN" altLang="en-US" sz="1530">
+                <a:solidFill>
+                  <a:schemeClr val="tx1"/>
+                </a:solidFill>
+              </a:rPr>
+              <a:t>RocketMQ主要解决了两个功能 ：</a:t>
+            </a:r>
+            <a:endParaRPr lang="zh-CN" altLang="en-US" sz="1530">
+              <a:solidFill>
+                <a:schemeClr val="tx1"/>
+              </a:solidFill>
+            </a:endParaRPr>
+          </a:p>
+          <a:p>
+            <a:pPr marL="0" indent="0">
+              <a:buFont typeface="+mj-ea"/>
+              <a:buNone/>
+            </a:pPr>
+            <a:r>
+              <a:rPr lang="zh-CN" altLang="en-US" sz="1530">
+                <a:solidFill>
+                  <a:schemeClr val="tx1"/>
+                </a:solidFill>
+              </a:rPr>
+              <a:t>1、本地事务与消息发送的原子性问题。</a:t>
+            </a:r>
+            <a:endParaRPr lang="zh-CN" altLang="en-US" sz="1530">
+              <a:solidFill>
+                <a:schemeClr val="tx1"/>
+              </a:solidFill>
+            </a:endParaRPr>
+          </a:p>
+          <a:p>
+            <a:pPr marL="0" indent="0">
+              <a:buFont typeface="+mj-ea"/>
+              <a:buNone/>
+            </a:pPr>
+            <a:r>
+              <a:rPr lang="zh-CN" altLang="en-US" sz="1530">
+                <a:solidFill>
+                  <a:schemeClr val="tx1"/>
+                </a:solidFill>
+              </a:rPr>
+              <a:t>2、事务参与方接收消息的可靠性。</a:t>
+            </a:r>
+            <a:endParaRPr lang="zh-CN" altLang="en-US" sz="1530">
+              <a:solidFill>
+                <a:schemeClr val="tx1"/>
+              </a:solidFill>
+            </a:endParaRPr>
+          </a:p>
+          <a:p>
+            <a:pPr marL="0" indent="0">
+              <a:buFont typeface="+mj-ea"/>
+              <a:buNone/>
+            </a:pPr>
+            <a:r>
+              <a:rPr lang="zh-CN" altLang="en-US" sz="1530">
+                <a:solidFill>
+                  <a:schemeClr val="tx1"/>
+                </a:solidFill>
+              </a:rPr>
+              <a:t>可靠消息最终一致性事务适合执行周期长且实时性要求不高的场景。引入消息机制后，同步的事务操作变为基于消息执行的异步操作，避免了分布式事务中的同步阻塞操作的影响，并实现了两个服务的解耦。</a:t>
+            </a:r>
+            <a:endParaRPr lang="zh-CN" altLang="en-US" sz="1530">
+              <a:solidFill>
+                <a:schemeClr val="tx1"/>
+              </a:solidFill>
+            </a:endParaRPr>
+          </a:p>
+          <a:p>
+            <a:pPr marL="0" indent="0">
+              <a:buFont typeface="+mj-ea"/>
+              <a:buNone/>
+            </a:pPr>
+            <a:endParaRPr lang="zh-CN" altLang="en-US" sz="1530">
+              <a:solidFill>
+                <a:schemeClr val="tx1"/>
+              </a:solidFill>
+            </a:endParaRPr>
+          </a:p>
+          <a:p>
+            <a:pPr marL="0" indent="0">
+              <a:buFont typeface="+mj-ea"/>
+              <a:buNone/>
+            </a:pPr>
+            <a:r>
+              <a:rPr lang="zh-CN" altLang="en-US" sz="1530">
+                <a:sym typeface="+mn-ea"/>
+              </a:rPr>
+              <a:t>参考：</a:t>
+            </a:r>
+            <a:endParaRPr lang="zh-CN" altLang="en-US" sz="1530">
+              <a:solidFill>
+                <a:schemeClr val="tx1"/>
+              </a:solidFill>
+            </a:endParaRPr>
+          </a:p>
+          <a:p>
+            <a:pPr marL="0" indent="0">
+              <a:buFont typeface="+mj-ea"/>
+              <a:buNone/>
+            </a:pPr>
+            <a:r>
+              <a:rPr lang="zh-CN" altLang="en-US" sz="1530">
+                <a:sym typeface="+mn-ea"/>
+              </a:rPr>
+              <a:t>https://blog.csdn.net/zhao1299002788/article/details/103283158</a:t>
+            </a:r>
+            <a:endParaRPr lang="zh-CN" altLang="en-US" sz="1530">
+              <a:solidFill>
+                <a:schemeClr val="tx1"/>
+              </a:solidFill>
+            </a:endParaRPr>
+          </a:p>
+          <a:p>
+            <a:pPr marL="0" indent="0">
+              <a:buFont typeface="+mj-ea"/>
+              <a:buNone/>
+            </a:pPr>
+            <a:endParaRPr lang="zh-CN" altLang="en-US" sz="1530">
+              <a:solidFill>
+                <a:schemeClr val="tx1"/>
+              </a:solidFill>
+            </a:endParaRPr>
+          </a:p>
+        </p:txBody>
+      </p:sp>
+      <p:pic>
+        <p:nvPicPr>
+          <p:cNvPr id="4" name="图片 3"/>
+          <p:cNvPicPr>
+            <a:picLocks noChangeAspect="1"/>
+          </p:cNvPicPr>
+          <p:nvPr/>
+        </p:nvPicPr>
+        <p:blipFill>
+          <a:blip r:embed="rId1"/>
+          <a:stretch>
+            <a:fillRect/>
+          </a:stretch>
+        </p:blipFill>
+        <p:spPr>
+          <a:xfrm>
+            <a:off x="547370" y="1567815"/>
+            <a:ext cx="8199120" cy="1692275"/>
+          </a:xfrm>
+          <a:prstGeom prst="rect">
+            <a:avLst/>
+          </a:prstGeom>
+        </p:spPr>
+      </p:pic>
+    </p:spTree>
+  </p:cSld>
+  <p:clrMapOvr>
+    <a:masterClrMapping/>
+  </p:clrMapOvr>
+  <p:timing>
+    <p:tnLst>
+      <p:par>
+        <p:cTn id="1" dur="indefinite" restart="never" nodeType="tmRoot">
+          <p:childTnLst>
+            <p:seq concurrent="1" nextAc="seek">
+              <p:cTn id="2" dur="indefinite" nodeType="mainSeq">
+                <p:childTnLst>
+                  <p:par>
+                    <p:cTn id="3" fill="hold">
+                      <p:stCondLst>
+                        <p:cond delay="indefinite"/>
+                      </p:stCondLst>
+                      <p:childTnLst>
+                        <p:par>
+                          <p:cTn id="4" fill="hold">
+                            <p:stCondLst>
+                              <p:cond delay="0"/>
+                            </p:stCondLst>
+                            <p:childTnLst>
+                              <p:par>
+                                <p:cTn id="5" presetID="3" presetClass="entr" presetSubtype="10" fill="hold" grpId="0" nodeType="clickEffect">
+                                  <p:stCondLst>
+                                    <p:cond delay="0"/>
+                                  </p:stCondLst>
+                                  <p:childTnLst>
+                                    <p:set>
+                                      <p:cBhvr>
+                                        <p:cTn id="6" dur="1" fill="hold">
+                                          <p:stCondLst>
+                                            <p:cond delay="0"/>
+                                          </p:stCondLst>
+                                        </p:cTn>
+                                        <p:tgtEl>
+                                          <p:spTgt spid="3">
+                                            <p:txEl>
+                                              <p:pRg st="0" end="0"/>
+                                            </p:txEl>
+                                          </p:spTgt>
+                                        </p:tgtEl>
+                                        <p:attrNameLst>
+                                          <p:attrName>style.visibility</p:attrName>
+                                        </p:attrNameLst>
+                                      </p:cBhvr>
+                                      <p:to>
+                                        <p:strVal val="visible"/>
+                                      </p:to>
+                                    </p:set>
+                                    <p:animEffect transition="in" filter="blinds(horizontal)">
+                                      <p:cBhvr>
+                                        <p:cTn id="7" dur="500"/>
+                                        <p:tgtEl>
+                                          <p:spTgt spid="3">
+                                            <p:txEl>
+                                              <p:pRg st="0" end="0"/>
+                                            </p:txEl>
+                                          </p:spTgt>
+                                        </p:tgtEl>
+                                      </p:cBhvr>
+                                    </p:animEffect>
+                                  </p:childTnLst>
+                                </p:cTn>
+                              </p:par>
+                            </p:childTnLst>
+                          </p:cTn>
+                        </p:par>
+                      </p:childTnLst>
+                    </p:cTn>
+                  </p:par>
+                  <p:par>
+                    <p:cTn id="8" fill="hold">
+                      <p:stCondLst>
+                        <p:cond delay="indefinite"/>
+                      </p:stCondLst>
+                      <p:childTnLst>
+                        <p:par>
+                          <p:cTn id="9" fill="hold">
+                            <p:stCondLst>
+                              <p:cond delay="0"/>
+                            </p:stCondLst>
+                            <p:childTnLst>
+                              <p:par>
+                                <p:cTn id="10" presetID="3" presetClass="entr" presetSubtype="10" fill="hold" grpId="0" nodeType="clickEffect">
+                                  <p:stCondLst>
+                                    <p:cond delay="0"/>
+                                  </p:stCondLst>
+                                  <p:childTnLst>
+                                    <p:set>
+                                      <p:cBhvr>
+                                        <p:cTn id="11" dur="1" fill="hold">
+                                          <p:stCondLst>
+                                            <p:cond delay="0"/>
+                                          </p:stCondLst>
+                                        </p:cTn>
+                                        <p:tgtEl>
+                                          <p:spTgt spid="3">
+                                            <p:txEl>
+                                              <p:pRg st="1" end="1"/>
+                                            </p:txEl>
+                                          </p:spTgt>
+                                        </p:tgtEl>
+                                        <p:attrNameLst>
+                                          <p:attrName>style.visibility</p:attrName>
+                                        </p:attrNameLst>
+                                      </p:cBhvr>
+                                      <p:to>
+                                        <p:strVal val="visible"/>
+                                      </p:to>
+                                    </p:set>
+                                    <p:animEffect transition="in" filter="blinds(horizontal)">
+                                      <p:cBhvr>
+                                        <p:cTn id="12" dur="500"/>
+                                        <p:tgtEl>
+                                          <p:spTgt spid="3">
+                                            <p:txEl>
+                                              <p:pRg st="1" end="1"/>
+                                            </p:txEl>
+                                          </p:spTgt>
+                                        </p:tgtEl>
+                                      </p:cBhvr>
+                                    </p:animEffect>
+                                  </p:childTnLst>
+                                </p:cTn>
+                              </p:par>
+                            </p:childTnLst>
+                          </p:cTn>
+                        </p:par>
+                      </p:childTnLst>
+                    </p:cTn>
+                  </p:par>
+                  <p:par>
+                    <p:cTn id="13" fill="hold">
+                      <p:stCondLst>
+                        <p:cond delay="indefinite"/>
+                      </p:stCondLst>
+                      <p:childTnLst>
+                        <p:par>
+                          <p:cTn id="14" fill="hold">
+                            <p:stCondLst>
+                              <p:cond delay="0"/>
+                            </p:stCondLst>
+                            <p:childTnLst>
+                              <p:par>
+                                <p:cTn id="15" presetID="3" presetClass="entr" presetSubtype="10" fill="hold" grpId="0" nodeType="clickEffect">
+                                  <p:stCondLst>
+                                    <p:cond delay="0"/>
+                                  </p:stCondLst>
+                                  <p:childTnLst>
+                                    <p:set>
+                                      <p:cBhvr>
+                                        <p:cTn id="16" dur="1" fill="hold">
+                                          <p:stCondLst>
+                                            <p:cond delay="0"/>
+                                          </p:stCondLst>
+                                        </p:cTn>
+                                        <p:tgtEl>
+                                          <p:spTgt spid="3">
+                                            <p:txEl>
+                                              <p:pRg st="9" end="9"/>
+                                            </p:txEl>
+                                          </p:spTgt>
+                                        </p:tgtEl>
+                                        <p:attrNameLst>
+                                          <p:attrName>style.visibility</p:attrName>
+                                        </p:attrNameLst>
+                                      </p:cBhvr>
+                                      <p:to>
+                                        <p:strVal val="visible"/>
+                                      </p:to>
+                                    </p:set>
+                                    <p:animEffect transition="in" filter="blinds(horizontal)">
+                                      <p:cBhvr>
+                                        <p:cTn id="17" dur="500"/>
+                                        <p:tgtEl>
+                                          <p:spTgt spid="3">
+                                            <p:txEl>
+                                              <p:pRg st="9" end="9"/>
+                                            </p:txEl>
+                                          </p:spTgt>
+                                        </p:tgtEl>
+                                      </p:cBhvr>
+                                    </p:animEffect>
+                                  </p:childTnLst>
+                                </p:cTn>
+                              </p:par>
+                            </p:childTnLst>
+                          </p:cTn>
+                        </p:par>
+                      </p:childTnLst>
+                    </p:cTn>
+                  </p:par>
+                  <p:par>
+                    <p:cTn id="18" fill="hold">
+                      <p:stCondLst>
+                        <p:cond delay="indefinite"/>
+                      </p:stCondLst>
+                      <p:childTnLst>
+                        <p:par>
+                          <p:cTn id="19" fill="hold">
+                            <p:stCondLst>
+                              <p:cond delay="0"/>
+                            </p:stCondLst>
+                            <p:childTnLst>
+                              <p:par>
+                                <p:cTn id="20" presetID="3" presetClass="entr" presetSubtype="10" fill="hold" grpId="0" nodeType="clickEffect">
+                                  <p:stCondLst>
+                                    <p:cond delay="0"/>
+                                  </p:stCondLst>
+                                  <p:childTnLst>
+                                    <p:set>
+                                      <p:cBhvr>
+                                        <p:cTn id="21" dur="1" fill="hold">
+                                          <p:stCondLst>
+                                            <p:cond delay="0"/>
+                                          </p:stCondLst>
+                                        </p:cTn>
+                                        <p:tgtEl>
+                                          <p:spTgt spid="3">
+                                            <p:txEl>
+                                              <p:pRg st="10" end="10"/>
+                                            </p:txEl>
+                                          </p:spTgt>
+                                        </p:tgtEl>
+                                        <p:attrNameLst>
+                                          <p:attrName>style.visibility</p:attrName>
+                                        </p:attrNameLst>
+                                      </p:cBhvr>
+                                      <p:to>
+                                        <p:strVal val="visible"/>
+                                      </p:to>
+                                    </p:set>
+                                    <p:animEffect transition="in" filter="blinds(horizontal)">
+                                      <p:cBhvr>
+                                        <p:cTn id="22" dur="500"/>
+                                        <p:tgtEl>
+                                          <p:spTgt spid="3">
+                                            <p:txEl>
+                                              <p:pRg st="10" end="10"/>
+                                            </p:txEl>
+                                          </p:spTgt>
+                                        </p:tgtEl>
+                                      </p:cBhvr>
+                                    </p:animEffect>
+                                  </p:childTnLst>
+                                </p:cTn>
+                              </p:par>
+                            </p:childTnLst>
+                          </p:cTn>
+                        </p:par>
+                      </p:childTnLst>
+                    </p:cTn>
+                  </p:par>
+                  <p:par>
+                    <p:cTn id="23" fill="hold">
+                      <p:stCondLst>
+                        <p:cond delay="indefinite"/>
+                      </p:stCondLst>
+                      <p:childTnLst>
+                        <p:par>
+                          <p:cTn id="24" fill="hold">
+                            <p:stCondLst>
+                              <p:cond delay="0"/>
+                            </p:stCondLst>
+                            <p:childTnLst>
+                              <p:par>
+                                <p:cTn id="25" presetID="3" presetClass="entr" presetSubtype="10" fill="hold" grpId="0" nodeType="clickEffect">
+                                  <p:stCondLst>
+                                    <p:cond delay="0"/>
+                                  </p:stCondLst>
+                                  <p:childTnLst>
+                                    <p:set>
+                                      <p:cBhvr>
+                                        <p:cTn id="26" dur="1" fill="hold">
+                                          <p:stCondLst>
+                                            <p:cond delay="0"/>
+                                          </p:stCondLst>
+                                        </p:cTn>
+                                        <p:tgtEl>
+                                          <p:spTgt spid="3">
+                                            <p:txEl>
+                                              <p:pRg st="11" end="11"/>
+                                            </p:txEl>
+                                          </p:spTgt>
+                                        </p:tgtEl>
+                                        <p:attrNameLst>
+                                          <p:attrName>style.visibility</p:attrName>
+                                        </p:attrNameLst>
+                                      </p:cBhvr>
+                                      <p:to>
+                                        <p:strVal val="visible"/>
+                                      </p:to>
+                                    </p:set>
+                                    <p:animEffect transition="in" filter="blinds(horizontal)">
+                                      <p:cBhvr>
+                                        <p:cTn id="27" dur="500"/>
+                                        <p:tgtEl>
+                                          <p:spTgt spid="3">
+                                            <p:txEl>
+                                              <p:pRg st="11" end="11"/>
+                                            </p:txEl>
+                                          </p:spTgt>
+                                        </p:tgtEl>
+                                      </p:cBhvr>
+                                    </p:animEffect>
+                                  </p:childTnLst>
+                                </p:cTn>
+                              </p:par>
+                            </p:childTnLst>
+                          </p:cTn>
+                        </p:par>
+                      </p:childTnLst>
+                    </p:cTn>
+                  </p:par>
+                  <p:par>
+                    <p:cTn id="28" fill="hold">
+                      <p:stCondLst>
+                        <p:cond delay="indefinite"/>
+                      </p:stCondLst>
+                      <p:childTnLst>
+                        <p:par>
+                          <p:cTn id="29" fill="hold">
+                            <p:stCondLst>
+                              <p:cond delay="0"/>
+                            </p:stCondLst>
+                            <p:childTnLst>
+                              <p:par>
+                                <p:cTn id="30" presetID="3" presetClass="entr" presetSubtype="10" fill="hold" grpId="0" nodeType="clickEffect">
+                                  <p:stCondLst>
+                                    <p:cond delay="0"/>
+                                  </p:stCondLst>
+                                  <p:childTnLst>
+                                    <p:set>
+                                      <p:cBhvr>
+                                        <p:cTn id="31" dur="1" fill="hold">
+                                          <p:stCondLst>
+                                            <p:cond delay="0"/>
+                                          </p:stCondLst>
+                                        </p:cTn>
+                                        <p:tgtEl>
+                                          <p:spTgt spid="3">
+                                            <p:txEl>
+                                              <p:pRg st="12" end="12"/>
+                                            </p:txEl>
+                                          </p:spTgt>
+                                        </p:tgtEl>
+                                        <p:attrNameLst>
+                                          <p:attrName>style.visibility</p:attrName>
+                                        </p:attrNameLst>
+                                      </p:cBhvr>
+                                      <p:to>
+                                        <p:strVal val="visible"/>
+                                      </p:to>
+                                    </p:set>
+                                    <p:animEffect transition="in" filter="blinds(horizontal)">
+                                      <p:cBhvr>
+                                        <p:cTn id="32" dur="500"/>
+                                        <p:tgtEl>
+                                          <p:spTgt spid="3">
+                                            <p:txEl>
+                                              <p:pRg st="12" end="12"/>
+                                            </p:txEl>
+                                          </p:spTgt>
+                                        </p:tgtEl>
+                                      </p:cBhvr>
+                                    </p:animEffect>
+                                  </p:childTnLst>
+                                </p:cTn>
+                              </p:par>
+                            </p:childTnLst>
+                          </p:cTn>
+                        </p:par>
+                      </p:childTnLst>
+                    </p:cTn>
+                  </p:par>
+                  <p:par>
+                    <p:cTn id="33" fill="hold">
+                      <p:stCondLst>
+                        <p:cond delay="indefinite"/>
+                      </p:stCondLst>
+                      <p:childTnLst>
+                        <p:par>
+                          <p:cTn id="34" fill="hold">
+                            <p:stCondLst>
+                              <p:cond delay="0"/>
+                            </p:stCondLst>
+                            <p:childTnLst>
+                              <p:par>
+                                <p:cTn id="35" presetID="3" presetClass="entr" presetSubtype="10" fill="hold" grpId="0" nodeType="clickEffect">
+                                  <p:stCondLst>
+                                    <p:cond delay="0"/>
+                                  </p:stCondLst>
+                                  <p:childTnLst>
+                                    <p:set>
+                                      <p:cBhvr>
+                                        <p:cTn id="36" dur="1" fill="hold">
+                                          <p:stCondLst>
+                                            <p:cond delay="0"/>
+                                          </p:stCondLst>
+                                        </p:cTn>
+                                        <p:tgtEl>
+                                          <p:spTgt spid="3">
+                                            <p:txEl>
+                                              <p:pRg st="13" end="13"/>
+                                            </p:txEl>
+                                          </p:spTgt>
+                                        </p:tgtEl>
+                                        <p:attrNameLst>
+                                          <p:attrName>style.visibility</p:attrName>
+                                        </p:attrNameLst>
+                                      </p:cBhvr>
+                                      <p:to>
+                                        <p:strVal val="visible"/>
+                                      </p:to>
+                                    </p:set>
+                                    <p:animEffect transition="in" filter="blinds(horizontal)">
+                                      <p:cBhvr>
+                                        <p:cTn id="37" dur="500"/>
+                                        <p:tgtEl>
+                                          <p:spTgt spid="3">
+                                            <p:txEl>
+                                              <p:pRg st="13" end="13"/>
+                                            </p:txEl>
+                                          </p:spTgt>
+                                        </p:tgtEl>
+                                      </p:cBhvr>
+                                    </p:animEffect>
+                                  </p:childTnLst>
+                                </p:cTn>
+                              </p:par>
+                            </p:childTnLst>
+                          </p:cTn>
+                        </p:par>
+                      </p:childTnLst>
+                    </p:cTn>
+                  </p:par>
+                  <p:par>
+                    <p:cTn id="38" fill="hold">
+                      <p:stCondLst>
+                        <p:cond delay="indefinite"/>
+                      </p:stCondLst>
+                      <p:childTnLst>
+                        <p:par>
+                          <p:cTn id="39" fill="hold">
+                            <p:stCondLst>
+                              <p:cond delay="0"/>
+                            </p:stCondLst>
+                            <p:childTnLst>
+                              <p:par>
+                                <p:cTn id="40" presetID="3" presetClass="entr" presetSubtype="10" fill="hold" grpId="0" nodeType="clickEffect">
+                                  <p:stCondLst>
+                                    <p:cond delay="0"/>
+                                  </p:stCondLst>
+                                  <p:childTnLst>
+                                    <p:set>
+                                      <p:cBhvr>
+                                        <p:cTn id="41" dur="1" fill="hold">
+                                          <p:stCondLst>
+                                            <p:cond delay="0"/>
+                                          </p:stCondLst>
+                                        </p:cTn>
+                                        <p:tgtEl>
+                                          <p:spTgt spid="3">
+                                            <p:txEl>
+                                              <p:pRg st="15" end="15"/>
+                                            </p:txEl>
+                                          </p:spTgt>
+                                        </p:tgtEl>
+                                        <p:attrNameLst>
+                                          <p:attrName>style.visibility</p:attrName>
+                                        </p:attrNameLst>
+                                      </p:cBhvr>
+                                      <p:to>
+                                        <p:strVal val="visible"/>
+                                      </p:to>
+                                    </p:set>
+                                    <p:animEffect transition="in" filter="blinds(horizontal)">
+                                      <p:cBhvr>
+                                        <p:cTn id="42" dur="500"/>
+                                        <p:tgtEl>
+                                          <p:spTgt spid="3">
+                                            <p:txEl>
+                                              <p:pRg st="15" end="15"/>
+                                            </p:txEl>
+                                          </p:spTgt>
+                                        </p:tgtEl>
+                                      </p:cBhvr>
+                                    </p:animEffect>
+                                  </p:childTnLst>
+                                </p:cTn>
+                              </p:par>
+                            </p:childTnLst>
+                          </p:cTn>
+                        </p:par>
+                      </p:childTnLst>
+                    </p:cTn>
+                  </p:par>
+                  <p:par>
+                    <p:cTn id="43" fill="hold">
+                      <p:stCondLst>
+                        <p:cond delay="indefinite"/>
+                      </p:stCondLst>
+                      <p:childTnLst>
+                        <p:par>
+                          <p:cTn id="44" fill="hold">
+                            <p:stCondLst>
+                              <p:cond delay="0"/>
+                            </p:stCondLst>
+                            <p:childTnLst>
+                              <p:par>
+                                <p:cTn id="45" presetID="3" presetClass="entr" presetSubtype="10" fill="hold" grpId="0" nodeType="clickEffect">
+                                  <p:stCondLst>
+                                    <p:cond delay="0"/>
+                                  </p:stCondLst>
+                                  <p:childTnLst>
+                                    <p:set>
+                                      <p:cBhvr>
+                                        <p:cTn id="46" dur="1" fill="hold">
+                                          <p:stCondLst>
+                                            <p:cond delay="0"/>
+                                          </p:stCondLst>
+                                        </p:cTn>
+                                        <p:tgtEl>
+                                          <p:spTgt spid="3">
+                                            <p:txEl>
+                                              <p:pRg st="16" end="16"/>
+                                            </p:txEl>
+                                          </p:spTgt>
+                                        </p:tgtEl>
+                                        <p:attrNameLst>
+                                          <p:attrName>style.visibility</p:attrName>
+                                        </p:attrNameLst>
+                                      </p:cBhvr>
+                                      <p:to>
+                                        <p:strVal val="visible"/>
+                                      </p:to>
+                                    </p:set>
+                                    <p:animEffect transition="in" filter="blinds(horizontal)">
+                                      <p:cBhvr>
+                                        <p:cTn id="47" dur="500"/>
+                                        <p:tgtEl>
+                                          <p:spTgt spid="3">
+                                            <p:txEl>
+                                              <p:pRg st="16" end="16"/>
+                                            </p:txEl>
+                                          </p:spTgt>
+                                        </p:tgtEl>
+                                      </p:cBhvr>
+                                    </p:animEffect>
+                                  </p:childTnLst>
+                                </p:cTn>
+                              </p:par>
+                            </p:childTnLst>
+                          </p:cTn>
+                        </p:par>
+                      </p:childTnLst>
+                    </p:cTn>
+                  </p:par>
+                </p:childTnLst>
+              </p:cTn>
+              <p:prevCondLst>
+                <p:cond evt="onPrev" delay="0">
+                  <p:tgtEl>
+                    <p:sldTgt/>
+                  </p:tgtEl>
+                </p:cond>
+              </p:prevCondLst>
+              <p:nextCondLst>
+                <p:cond evt="onNext" delay="0">
+                  <p:tgtEl>
+                    <p:sldTgt/>
+                  </p:tgtEl>
+                </p:cond>
+              </p:nextCondLst>
+            </p:seq>
+          </p:childTnLst>
+        </p:cTn>
+      </p:par>
+    </p:tnLst>
+    <p:bldLst>
+      <p:bldP spid="3" grpId="0" build="p"/>
+      <p:bldP spid="3" grpId="1" build="p"/>
+    </p:bldLst>
+  </p:timing>
+</p:sld>
+</file>
+
+<file path=ppt/slides/slide34.xml><?xml version="1.0" encoding="utf-8"?>
 <p:sld xmlns:a="http://schemas.openxmlformats.org/drawingml/2006/main" xmlns:r="http://schemas.openxmlformats.org/officeDocument/2006/relationships" xmlns:p="http://schemas.openxmlformats.org/presentationml/2006/main">
   <p:cSld>
     <p:spTree>
@@ -19458,7 +22012,7 @@
 </p:sld>
 </file>
 
-<file path=ppt/slides/slide31.xml><?xml version="1.0" encoding="utf-8"?>
+<file path=ppt/slides/slide35.xml><?xml version="1.0" encoding="utf-8"?>
 <p:sld xmlns:a="http://schemas.openxmlformats.org/drawingml/2006/main" xmlns:r="http://schemas.openxmlformats.org/officeDocument/2006/relationships" xmlns:p="http://schemas.openxmlformats.org/presentationml/2006/main">
   <p:cSld>
     <p:spTree>
@@ -19510,7 +22064,7 @@
 </p:sld>
 </file>
 
-<file path=ppt/slides/slide32.xml><?xml version="1.0" encoding="utf-8"?>
+<file path=ppt/slides/slide36.xml><?xml version="1.0" encoding="utf-8"?>
 <p:sld xmlns:a="http://schemas.openxmlformats.org/drawingml/2006/main" xmlns:r="http://schemas.openxmlformats.org/officeDocument/2006/relationships" xmlns:p="http://schemas.openxmlformats.org/presentationml/2006/main">
   <p:cSld>
     <p:spTree>
